--- a/computer_networks.pptx
+++ b/computer_networks.pptx
@@ -78,6 +78,23 @@
     <p:sldId id="464" r:id="rId72"/>
     <p:sldId id="460" r:id="rId73"/>
     <p:sldId id="465" r:id="rId74"/>
+    <p:sldId id="466" r:id="rId75"/>
+    <p:sldId id="467" r:id="rId76"/>
+    <p:sldId id="468" r:id="rId77"/>
+    <p:sldId id="469" r:id="rId78"/>
+    <p:sldId id="470" r:id="rId79"/>
+    <p:sldId id="474" r:id="rId80"/>
+    <p:sldId id="471" r:id="rId81"/>
+    <p:sldId id="475" r:id="rId82"/>
+    <p:sldId id="472" r:id="rId83"/>
+    <p:sldId id="476" r:id="rId84"/>
+    <p:sldId id="473" r:id="rId85"/>
+    <p:sldId id="477" r:id="rId86"/>
+    <p:sldId id="478" r:id="rId87"/>
+    <p:sldId id="479" r:id="rId88"/>
+    <p:sldId id="480" r:id="rId89"/>
+    <p:sldId id="481" r:id="rId90"/>
+    <p:sldId id="482" r:id="rId91"/>
   </p:sldIdLst>
   <p:sldSz cx="12192000" cy="6858000"/>
   <p:notesSz cx="6858000" cy="9144000"/>
@@ -331,7 +348,7 @@
           <a:p>
             <a:fld id="{C40B272F-412D-CF40-9DA2-D6D02564DA66}" type="datetimeFigureOut">
               <a:rPr lang="en-GB" smtClean="0"/>
-              <a:t>29/03/2023</a:t>
+              <a:t>19/04/2023</a:t>
             </a:fld>
             <a:endParaRPr lang="en-GB"/>
           </a:p>
@@ -529,7 +546,7 @@
           <a:p>
             <a:fld id="{C40B272F-412D-CF40-9DA2-D6D02564DA66}" type="datetimeFigureOut">
               <a:rPr lang="en-GB" smtClean="0"/>
-              <a:t>29/03/2023</a:t>
+              <a:t>19/04/2023</a:t>
             </a:fld>
             <a:endParaRPr lang="en-GB"/>
           </a:p>
@@ -737,7 +754,7 @@
           <a:p>
             <a:fld id="{C40B272F-412D-CF40-9DA2-D6D02564DA66}" type="datetimeFigureOut">
               <a:rPr lang="en-GB" smtClean="0"/>
-              <a:t>29/03/2023</a:t>
+              <a:t>19/04/2023</a:t>
             </a:fld>
             <a:endParaRPr lang="en-GB"/>
           </a:p>
@@ -935,7 +952,7 @@
           <a:p>
             <a:fld id="{C40B272F-412D-CF40-9DA2-D6D02564DA66}" type="datetimeFigureOut">
               <a:rPr lang="en-GB" smtClean="0"/>
-              <a:t>29/03/2023</a:t>
+              <a:t>19/04/2023</a:t>
             </a:fld>
             <a:endParaRPr lang="en-GB"/>
           </a:p>
@@ -1210,7 +1227,7 @@
           <a:p>
             <a:fld id="{C40B272F-412D-CF40-9DA2-D6D02564DA66}" type="datetimeFigureOut">
               <a:rPr lang="en-GB" smtClean="0"/>
-              <a:t>29/03/2023</a:t>
+              <a:t>19/04/2023</a:t>
             </a:fld>
             <a:endParaRPr lang="en-GB"/>
           </a:p>
@@ -1475,7 +1492,7 @@
           <a:p>
             <a:fld id="{C40B272F-412D-CF40-9DA2-D6D02564DA66}" type="datetimeFigureOut">
               <a:rPr lang="en-GB" smtClean="0"/>
-              <a:t>29/03/2023</a:t>
+              <a:t>19/04/2023</a:t>
             </a:fld>
             <a:endParaRPr lang="en-GB"/>
           </a:p>
@@ -1887,7 +1904,7 @@
           <a:p>
             <a:fld id="{C40B272F-412D-CF40-9DA2-D6D02564DA66}" type="datetimeFigureOut">
               <a:rPr lang="en-GB" smtClean="0"/>
-              <a:t>29/03/2023</a:t>
+              <a:t>19/04/2023</a:t>
             </a:fld>
             <a:endParaRPr lang="en-GB"/>
           </a:p>
@@ -2028,7 +2045,7 @@
           <a:p>
             <a:fld id="{C40B272F-412D-CF40-9DA2-D6D02564DA66}" type="datetimeFigureOut">
               <a:rPr lang="en-GB" smtClean="0"/>
-              <a:t>29/03/2023</a:t>
+              <a:t>19/04/2023</a:t>
             </a:fld>
             <a:endParaRPr lang="en-GB"/>
           </a:p>
@@ -2141,7 +2158,7 @@
           <a:p>
             <a:fld id="{C40B272F-412D-CF40-9DA2-D6D02564DA66}" type="datetimeFigureOut">
               <a:rPr lang="en-GB" smtClean="0"/>
-              <a:t>29/03/2023</a:t>
+              <a:t>19/04/2023</a:t>
             </a:fld>
             <a:endParaRPr lang="en-GB"/>
           </a:p>
@@ -2452,7 +2469,7 @@
           <a:p>
             <a:fld id="{C40B272F-412D-CF40-9DA2-D6D02564DA66}" type="datetimeFigureOut">
               <a:rPr lang="en-GB" smtClean="0"/>
-              <a:t>29/03/2023</a:t>
+              <a:t>19/04/2023</a:t>
             </a:fld>
             <a:endParaRPr lang="en-GB"/>
           </a:p>
@@ -2740,7 +2757,7 @@
           <a:p>
             <a:fld id="{C40B272F-412D-CF40-9DA2-D6D02564DA66}" type="datetimeFigureOut">
               <a:rPr lang="en-GB" smtClean="0"/>
-              <a:t>29/03/2023</a:t>
+              <a:t>19/04/2023</a:t>
             </a:fld>
             <a:endParaRPr lang="en-GB"/>
           </a:p>
@@ -2981,7 +2998,7 @@
           <a:p>
             <a:fld id="{C40B272F-412D-CF40-9DA2-D6D02564DA66}" type="datetimeFigureOut">
               <a:rPr lang="en-GB" smtClean="0"/>
-              <a:t>29/03/2023</a:t>
+              <a:t>19/04/2023</a:t>
             </a:fld>
             <a:endParaRPr lang="en-GB"/>
           </a:p>
@@ -14642,6 +14659,856 @@
 </p:sld>
 </file>
 
+<file path=ppt/slides/slide74.xml><?xml version="1.0" encoding="utf-8"?>
+<p:sld xmlns:a="http://schemas.openxmlformats.org/drawingml/2006/main" xmlns:r="http://schemas.openxmlformats.org/officeDocument/2006/relationships" xmlns:p="http://schemas.openxmlformats.org/presentationml/2006/main">
+  <p:cSld>
+    <p:spTree>
+      <p:nvGrpSpPr>
+        <p:cNvPr id="1" name=""/>
+        <p:cNvGrpSpPr/>
+        <p:nvPr/>
+      </p:nvGrpSpPr>
+      <p:grpSpPr>
+        <a:xfrm>
+          <a:off x="0" y="0"/>
+          <a:ext cx="0" cy="0"/>
+          <a:chOff x="0" y="0"/>
+          <a:chExt cx="0" cy="0"/>
+        </a:xfrm>
+      </p:grpSpPr>
+      <p:sp>
+        <p:nvSpPr>
+          <p:cNvPr id="2" name="Title 1">
+            <a:extLst>
+              <a:ext uri="{FF2B5EF4-FFF2-40B4-BE49-F238E27FC236}">
+                <a16:creationId xmlns:a16="http://schemas.microsoft.com/office/drawing/2014/main" id="{30D2EF5D-63B4-FD44-B177-3D22CC5E46BA}"/>
+              </a:ext>
+            </a:extLst>
+          </p:cNvPr>
+          <p:cNvSpPr>
+            <a:spLocks noGrp="1"/>
+          </p:cNvSpPr>
+          <p:nvPr>
+            <p:ph type="title"/>
+          </p:nvPr>
+        </p:nvSpPr>
+        <p:spPr/>
+        <p:txBody>
+          <a:bodyPr/>
+          <a:lstStyle/>
+          <a:p>
+            <a:r>
+              <a:rPr lang="en-GB" dirty="0"/>
+              <a:t>ILO’s</a:t>
+            </a:r>
+          </a:p>
+        </p:txBody>
+      </p:sp>
+      <p:sp>
+        <p:nvSpPr>
+          <p:cNvPr id="7" name="TextBox 6">
+            <a:extLst>
+              <a:ext uri="{FF2B5EF4-FFF2-40B4-BE49-F238E27FC236}">
+                <a16:creationId xmlns:a16="http://schemas.microsoft.com/office/drawing/2014/main" id="{DB7210D3-26F2-B147-9246-5E74A02C85A9}"/>
+              </a:ext>
+            </a:extLst>
+          </p:cNvPr>
+          <p:cNvSpPr txBox="1"/>
+          <p:nvPr/>
+        </p:nvSpPr>
+        <p:spPr>
+          <a:xfrm>
+            <a:off x="838200" y="1690688"/>
+            <a:ext cx="10515600" cy="646331"/>
+          </a:xfrm>
+          <a:prstGeom prst="rect">
+            <a:avLst/>
+          </a:prstGeom>
+          <a:noFill/>
+        </p:spPr>
+        <p:txBody>
+          <a:bodyPr wrap="square">
+            <a:spAutoFit/>
+          </a:bodyPr>
+          <a:lstStyle/>
+          <a:p>
+            <a:pPr marL="342900" lvl="0" indent="-342900">
+              <a:spcAft>
+                <a:spcPts val="1440"/>
+              </a:spcAft>
+              <a:buFont typeface="Symbol" pitchFamily="2" charset="2"/>
+              <a:buChar char=""/>
+            </a:pPr>
+            <a:r>
+              <a:rPr lang="en-US" sz="1800" dirty="0">
+                <a:effectLst/>
+                <a:latin typeface="Arial" panose="020B0604020202020204" pitchFamily="34" charset="0"/>
+                <a:ea typeface="MS Mincho" panose="02020609040205080304" pitchFamily="49" charset="-128"/>
+              </a:rPr>
+              <a:t>Students understand why security is important on networks (more so than standalone computers) and the listed security measures.</a:t>
+            </a:r>
+            <a:r>
+              <a:rPr lang="en-GB" dirty="0">
+                <a:effectLst/>
+              </a:rPr>
+              <a:t> </a:t>
+            </a:r>
+            <a:endParaRPr lang="en-GB" sz="1800" dirty="0">
+              <a:solidFill>
+                <a:srgbClr val="000000"/>
+              </a:solidFill>
+              <a:effectLst/>
+              <a:latin typeface="Times New Roman" panose="02020603050405020304" pitchFamily="18" charset="0"/>
+              <a:ea typeface="Times New Roman" panose="02020603050405020304" pitchFamily="18" charset="0"/>
+            </a:endParaRPr>
+          </a:p>
+        </p:txBody>
+      </p:sp>
+    </p:spTree>
+    <p:extLst>
+      <p:ext uri="{BB962C8B-B14F-4D97-AF65-F5344CB8AC3E}">
+        <p14:creationId xmlns:p14="http://schemas.microsoft.com/office/powerpoint/2010/main" val="1073212548"/>
+      </p:ext>
+    </p:extLst>
+  </p:cSld>
+  <p:clrMapOvr>
+    <a:masterClrMapping/>
+  </p:clrMapOvr>
+</p:sld>
+</file>
+
+<file path=ppt/slides/slide75.xml><?xml version="1.0" encoding="utf-8"?>
+<p:sld xmlns:a="http://schemas.openxmlformats.org/drawingml/2006/main" xmlns:r="http://schemas.openxmlformats.org/officeDocument/2006/relationships" xmlns:p="http://schemas.openxmlformats.org/presentationml/2006/main">
+  <p:cSld>
+    <p:spTree>
+      <p:nvGrpSpPr>
+        <p:cNvPr id="1" name=""/>
+        <p:cNvGrpSpPr/>
+        <p:nvPr/>
+      </p:nvGrpSpPr>
+      <p:grpSpPr>
+        <a:xfrm>
+          <a:off x="0" y="0"/>
+          <a:ext cx="0" cy="0"/>
+          <a:chOff x="0" y="0"/>
+          <a:chExt cx="0" cy="0"/>
+        </a:xfrm>
+      </p:grpSpPr>
+      <p:sp>
+        <p:nvSpPr>
+          <p:cNvPr id="2" name="Title 1">
+            <a:extLst>
+              <a:ext uri="{FF2B5EF4-FFF2-40B4-BE49-F238E27FC236}">
+                <a16:creationId xmlns:a16="http://schemas.microsoft.com/office/drawing/2014/main" id="{AE0E8629-3F0A-4C46-99D2-9729210BC61D}"/>
+              </a:ext>
+            </a:extLst>
+          </p:cNvPr>
+          <p:cNvSpPr>
+            <a:spLocks noGrp="1"/>
+          </p:cNvSpPr>
+          <p:nvPr>
+            <p:ph type="title"/>
+          </p:nvPr>
+        </p:nvSpPr>
+        <p:spPr/>
+        <p:txBody>
+          <a:bodyPr/>
+          <a:lstStyle/>
+          <a:p>
+            <a:r>
+              <a:rPr lang="en-GB" dirty="0"/>
+              <a:t>Exercises</a:t>
+            </a:r>
+          </a:p>
+        </p:txBody>
+      </p:sp>
+      <p:sp>
+        <p:nvSpPr>
+          <p:cNvPr id="3" name="Content Placeholder 2">
+            <a:extLst>
+              <a:ext uri="{FF2B5EF4-FFF2-40B4-BE49-F238E27FC236}">
+                <a16:creationId xmlns:a16="http://schemas.microsoft.com/office/drawing/2014/main" id="{89E5529E-37B8-9F4D-B34D-0CB084C98D68}"/>
+              </a:ext>
+            </a:extLst>
+          </p:cNvPr>
+          <p:cNvSpPr>
+            <a:spLocks noGrp="1"/>
+          </p:cNvSpPr>
+          <p:nvPr>
+            <p:ph idx="1"/>
+          </p:nvPr>
+        </p:nvSpPr>
+        <p:spPr/>
+        <p:txBody>
+          <a:bodyPr/>
+          <a:lstStyle/>
+          <a:p>
+            <a:r>
+              <a:rPr lang="en-GB" dirty="0"/>
+              <a:t>Make flash cards summarising what we have learnt today</a:t>
+            </a:r>
+          </a:p>
+          <a:p>
+            <a:r>
+              <a:rPr lang="en-GB" dirty="0"/>
+              <a:t>Test yourself until you get all of them correct</a:t>
+            </a:r>
+          </a:p>
+        </p:txBody>
+      </p:sp>
+    </p:spTree>
+    <p:extLst>
+      <p:ext uri="{BB962C8B-B14F-4D97-AF65-F5344CB8AC3E}">
+        <p14:creationId xmlns:p14="http://schemas.microsoft.com/office/powerpoint/2010/main" val="886079595"/>
+      </p:ext>
+    </p:extLst>
+  </p:cSld>
+  <p:clrMapOvr>
+    <a:masterClrMapping/>
+  </p:clrMapOvr>
+</p:sld>
+</file>
+
+<file path=ppt/slides/slide76.xml><?xml version="1.0" encoding="utf-8"?>
+<p:sld xmlns:a="http://schemas.openxmlformats.org/drawingml/2006/main" xmlns:r="http://schemas.openxmlformats.org/officeDocument/2006/relationships" xmlns:p="http://schemas.openxmlformats.org/presentationml/2006/main">
+  <p:cSld>
+    <p:spTree>
+      <p:nvGrpSpPr>
+        <p:cNvPr id="1" name=""/>
+        <p:cNvGrpSpPr/>
+        <p:nvPr/>
+      </p:nvGrpSpPr>
+      <p:grpSpPr>
+        <a:xfrm>
+          <a:off x="0" y="0"/>
+          <a:ext cx="0" cy="0"/>
+          <a:chOff x="0" y="0"/>
+          <a:chExt cx="0" cy="0"/>
+        </a:xfrm>
+      </p:grpSpPr>
+      <p:sp>
+        <p:nvSpPr>
+          <p:cNvPr id="6" name="TextBox 5">
+            <a:extLst>
+              <a:ext uri="{FF2B5EF4-FFF2-40B4-BE49-F238E27FC236}">
+                <a16:creationId xmlns:a16="http://schemas.microsoft.com/office/drawing/2014/main" id="{65E1EB82-65AD-DC4E-8D33-AFCDD6335722}"/>
+              </a:ext>
+            </a:extLst>
+          </p:cNvPr>
+          <p:cNvSpPr txBox="1"/>
+          <p:nvPr/>
+        </p:nvSpPr>
+        <p:spPr>
+          <a:xfrm>
+            <a:off x="3925653" y="3044279"/>
+            <a:ext cx="3621569" cy="769441"/>
+          </a:xfrm>
+          <a:prstGeom prst="rect">
+            <a:avLst/>
+          </a:prstGeom>
+          <a:noFill/>
+        </p:spPr>
+        <p:txBody>
+          <a:bodyPr wrap="none" rtlCol="0">
+            <a:spAutoFit/>
+          </a:bodyPr>
+          <a:lstStyle/>
+          <a:p>
+            <a:r>
+              <a:rPr lang="en-GB" sz="4400" dirty="0"/>
+              <a:t>Network layers</a:t>
+            </a:r>
+          </a:p>
+        </p:txBody>
+      </p:sp>
+      <p:pic>
+        <p:nvPicPr>
+          <p:cNvPr id="3" name="Picture 2" descr="A picture containing text, clipart, businesscard&#10;&#10;Description automatically generated">
+            <a:extLst>
+              <a:ext uri="{FF2B5EF4-FFF2-40B4-BE49-F238E27FC236}">
+                <a16:creationId xmlns:a16="http://schemas.microsoft.com/office/drawing/2014/main" id="{3CA3BF3D-A39D-3847-A4F4-4F5B7A283F05}"/>
+              </a:ext>
+            </a:extLst>
+          </p:cNvPr>
+          <p:cNvPicPr>
+            <a:picLocks noChangeAspect="1"/>
+          </p:cNvPicPr>
+          <p:nvPr/>
+        </p:nvPicPr>
+        <p:blipFill>
+          <a:blip r:embed="rId2">
+            <a:extLst>
+              <a:ext uri="{837473B0-CC2E-450A-ABE3-18F120FF3D39}">
+                <a1611:picAttrSrcUrl xmlns:a1611="http://schemas.microsoft.com/office/drawing/2016/11/main" r:id="rId3"/>
+              </a:ext>
+            </a:extLst>
+          </a:blip>
+          <a:stretch>
+            <a:fillRect/>
+          </a:stretch>
+        </p:blipFill>
+        <p:spPr>
+          <a:xfrm>
+            <a:off x="9158288" y="1139279"/>
+            <a:ext cx="1905000" cy="1905000"/>
+          </a:xfrm>
+          <a:prstGeom prst="rect">
+            <a:avLst/>
+          </a:prstGeom>
+        </p:spPr>
+      </p:pic>
+    </p:spTree>
+    <p:extLst>
+      <p:ext uri="{BB962C8B-B14F-4D97-AF65-F5344CB8AC3E}">
+        <p14:creationId xmlns:p14="http://schemas.microsoft.com/office/powerpoint/2010/main" val="2712154979"/>
+      </p:ext>
+    </p:extLst>
+  </p:cSld>
+  <p:clrMapOvr>
+    <a:masterClrMapping/>
+  </p:clrMapOvr>
+</p:sld>
+</file>
+
+<file path=ppt/slides/slide77.xml><?xml version="1.0" encoding="utf-8"?>
+<p:sld xmlns:a="http://schemas.openxmlformats.org/drawingml/2006/main" xmlns:r="http://schemas.openxmlformats.org/officeDocument/2006/relationships" xmlns:p="http://schemas.openxmlformats.org/presentationml/2006/main">
+  <p:cSld>
+    <p:spTree>
+      <p:nvGrpSpPr>
+        <p:cNvPr id="1" name=""/>
+        <p:cNvGrpSpPr/>
+        <p:nvPr/>
+      </p:nvGrpSpPr>
+      <p:grpSpPr>
+        <a:xfrm>
+          <a:off x="0" y="0"/>
+          <a:ext cx="0" cy="0"/>
+          <a:chOff x="0" y="0"/>
+          <a:chExt cx="0" cy="0"/>
+        </a:xfrm>
+      </p:grpSpPr>
+      <p:sp>
+        <p:nvSpPr>
+          <p:cNvPr id="2" name="Title 1">
+            <a:extLst>
+              <a:ext uri="{FF2B5EF4-FFF2-40B4-BE49-F238E27FC236}">
+                <a16:creationId xmlns:a16="http://schemas.microsoft.com/office/drawing/2014/main" id="{30D2EF5D-63B4-FD44-B177-3D22CC5E46BA}"/>
+              </a:ext>
+            </a:extLst>
+          </p:cNvPr>
+          <p:cNvSpPr>
+            <a:spLocks noGrp="1"/>
+          </p:cNvSpPr>
+          <p:nvPr>
+            <p:ph type="title"/>
+          </p:nvPr>
+        </p:nvSpPr>
+        <p:spPr/>
+        <p:txBody>
+          <a:bodyPr/>
+          <a:lstStyle/>
+          <a:p>
+            <a:r>
+              <a:rPr lang="en-GB" dirty="0"/>
+              <a:t>ILO’s</a:t>
+            </a:r>
+          </a:p>
+        </p:txBody>
+      </p:sp>
+      <p:sp>
+        <p:nvSpPr>
+          <p:cNvPr id="7" name="TextBox 6">
+            <a:extLst>
+              <a:ext uri="{FF2B5EF4-FFF2-40B4-BE49-F238E27FC236}">
+                <a16:creationId xmlns:a16="http://schemas.microsoft.com/office/drawing/2014/main" id="{DB7210D3-26F2-B147-9246-5E74A02C85A9}"/>
+              </a:ext>
+            </a:extLst>
+          </p:cNvPr>
+          <p:cNvSpPr txBox="1"/>
+          <p:nvPr/>
+        </p:nvSpPr>
+        <p:spPr>
+          <a:xfrm>
+            <a:off x="838200" y="1690688"/>
+            <a:ext cx="10515600" cy="646331"/>
+          </a:xfrm>
+          <a:prstGeom prst="rect">
+            <a:avLst/>
+          </a:prstGeom>
+          <a:noFill/>
+        </p:spPr>
+        <p:txBody>
+          <a:bodyPr wrap="square">
+            <a:spAutoFit/>
+          </a:bodyPr>
+          <a:lstStyle/>
+          <a:p>
+            <a:pPr marL="342900" lvl="0" indent="-342900">
+              <a:spcAft>
+                <a:spcPts val="1440"/>
+              </a:spcAft>
+              <a:buFont typeface="Symbol" pitchFamily="2" charset="2"/>
+              <a:buChar char=""/>
+            </a:pPr>
+            <a:r>
+              <a:rPr lang="en-US" sz="1800" dirty="0">
+                <a:effectLst/>
+                <a:latin typeface="Arial" panose="020B0604020202020204" pitchFamily="34" charset="0"/>
+                <a:ea typeface="MS Mincho" panose="02020609040205080304" pitchFamily="49" charset="-128"/>
+              </a:rPr>
+              <a:t>Students should know what the four layers are and some functions of each layer, together with which of the protocols listed operate at which layer.</a:t>
+            </a:r>
+            <a:r>
+              <a:rPr lang="en-GB" dirty="0">
+                <a:effectLst/>
+              </a:rPr>
+              <a:t> </a:t>
+            </a:r>
+            <a:endParaRPr lang="en-GB" sz="1800" dirty="0">
+              <a:solidFill>
+                <a:srgbClr val="000000"/>
+              </a:solidFill>
+              <a:effectLst/>
+              <a:latin typeface="Times New Roman" panose="02020603050405020304" pitchFamily="18" charset="0"/>
+              <a:ea typeface="Times New Roman" panose="02020603050405020304" pitchFamily="18" charset="0"/>
+            </a:endParaRPr>
+          </a:p>
+        </p:txBody>
+      </p:sp>
+    </p:spTree>
+    <p:extLst>
+      <p:ext uri="{BB962C8B-B14F-4D97-AF65-F5344CB8AC3E}">
+        <p14:creationId xmlns:p14="http://schemas.microsoft.com/office/powerpoint/2010/main" val="437136800"/>
+      </p:ext>
+    </p:extLst>
+  </p:cSld>
+  <p:clrMapOvr>
+    <a:masterClrMapping/>
+  </p:clrMapOvr>
+</p:sld>
+</file>
+
+<file path=ppt/slides/slide78.xml><?xml version="1.0" encoding="utf-8"?>
+<p:sld xmlns:a="http://schemas.openxmlformats.org/drawingml/2006/main" xmlns:r="http://schemas.openxmlformats.org/officeDocument/2006/relationships" xmlns:p="http://schemas.openxmlformats.org/presentationml/2006/main">
+  <p:cSld>
+    <p:spTree>
+      <p:nvGrpSpPr>
+        <p:cNvPr id="1" name=""/>
+        <p:cNvGrpSpPr/>
+        <p:nvPr/>
+      </p:nvGrpSpPr>
+      <p:grpSpPr>
+        <a:xfrm>
+          <a:off x="0" y="0"/>
+          <a:ext cx="0" cy="0"/>
+          <a:chOff x="0" y="0"/>
+          <a:chExt cx="0" cy="0"/>
+        </a:xfrm>
+      </p:grpSpPr>
+      <p:sp>
+        <p:nvSpPr>
+          <p:cNvPr id="2" name="Title 1">
+            <a:extLst>
+              <a:ext uri="{FF2B5EF4-FFF2-40B4-BE49-F238E27FC236}">
+                <a16:creationId xmlns:a16="http://schemas.microsoft.com/office/drawing/2014/main" id="{E87EF035-A96D-5A46-A6A5-34C1461D4522}"/>
+              </a:ext>
+            </a:extLst>
+          </p:cNvPr>
+          <p:cNvSpPr>
+            <a:spLocks noGrp="1"/>
+          </p:cNvSpPr>
+          <p:nvPr>
+            <p:ph type="title"/>
+          </p:nvPr>
+        </p:nvSpPr>
+        <p:spPr/>
+        <p:txBody>
+          <a:bodyPr/>
+          <a:lstStyle/>
+          <a:p>
+            <a:r>
+              <a:rPr lang="en-GB" dirty="0"/>
+              <a:t>Layering</a:t>
+            </a:r>
+          </a:p>
+        </p:txBody>
+      </p:sp>
+      <p:sp>
+        <p:nvSpPr>
+          <p:cNvPr id="3" name="Content Placeholder 2">
+            <a:extLst>
+              <a:ext uri="{FF2B5EF4-FFF2-40B4-BE49-F238E27FC236}">
+                <a16:creationId xmlns:a16="http://schemas.microsoft.com/office/drawing/2014/main" id="{62505B62-CE0D-B34A-8AB2-DF798B70BAB9}"/>
+              </a:ext>
+            </a:extLst>
+          </p:cNvPr>
+          <p:cNvSpPr>
+            <a:spLocks noGrp="1"/>
+          </p:cNvSpPr>
+          <p:nvPr>
+            <p:ph idx="1"/>
+          </p:nvPr>
+        </p:nvSpPr>
+        <p:spPr/>
+        <p:txBody>
+          <a:bodyPr/>
+          <a:lstStyle/>
+          <a:p>
+            <a:r>
+              <a:rPr lang="en-GB" dirty="0"/>
+              <a:t>Messages between devices get broken up and sent into specific components or activities </a:t>
+            </a:r>
+          </a:p>
+          <a:p>
+            <a:r>
+              <a:rPr lang="en-GB" dirty="0"/>
+              <a:t>Each layer handles a different part of communication</a:t>
+            </a:r>
+          </a:p>
+          <a:p>
+            <a:r>
+              <a:rPr lang="en-GB" dirty="0"/>
+              <a:t>This is referred to as: </a:t>
+            </a:r>
+            <a:r>
+              <a:rPr lang="en-GB" b="0" i="0" u="none" strike="noStrike" dirty="0">
+                <a:solidFill>
+                  <a:srgbClr val="231F20"/>
+                </a:solidFill>
+                <a:effectLst/>
+                <a:latin typeface="ReithSans"/>
+              </a:rPr>
+              <a:t>Transmission Control Protocol/Internet Protocol TCP/IP – model</a:t>
+            </a:r>
+          </a:p>
+          <a:p>
+            <a:r>
+              <a:rPr lang="en-GB" dirty="0">
+                <a:solidFill>
+                  <a:srgbClr val="231F20"/>
+                </a:solidFill>
+                <a:latin typeface="ReithSans"/>
+              </a:rPr>
+              <a:t>A layer is represented in the Stack data type (holds ordered information – perk)</a:t>
+            </a:r>
+          </a:p>
+        </p:txBody>
+      </p:sp>
+    </p:spTree>
+    <p:extLst>
+      <p:ext uri="{BB962C8B-B14F-4D97-AF65-F5344CB8AC3E}">
+        <p14:creationId xmlns:p14="http://schemas.microsoft.com/office/powerpoint/2010/main" val="284288522"/>
+      </p:ext>
+    </p:extLst>
+  </p:cSld>
+  <p:clrMapOvr>
+    <a:masterClrMapping/>
+  </p:clrMapOvr>
+</p:sld>
+</file>
+
+<file path=ppt/slides/slide79.xml><?xml version="1.0" encoding="utf-8"?>
+<p:sld xmlns:a="http://schemas.openxmlformats.org/drawingml/2006/main" xmlns:r="http://schemas.openxmlformats.org/officeDocument/2006/relationships" xmlns:p="http://schemas.openxmlformats.org/presentationml/2006/main">
+  <p:cSld>
+    <p:spTree>
+      <p:nvGrpSpPr>
+        <p:cNvPr id="1" name=""/>
+        <p:cNvGrpSpPr/>
+        <p:nvPr/>
+      </p:nvGrpSpPr>
+      <p:grpSpPr>
+        <a:xfrm>
+          <a:off x="0" y="0"/>
+          <a:ext cx="0" cy="0"/>
+          <a:chOff x="0" y="0"/>
+          <a:chExt cx="0" cy="0"/>
+        </a:xfrm>
+      </p:grpSpPr>
+      <p:sp>
+        <p:nvSpPr>
+          <p:cNvPr id="2" name="Title 1">
+            <a:extLst>
+              <a:ext uri="{FF2B5EF4-FFF2-40B4-BE49-F238E27FC236}">
+                <a16:creationId xmlns:a16="http://schemas.microsoft.com/office/drawing/2014/main" id="{E87EF035-A96D-5A46-A6A5-34C1461D4522}"/>
+              </a:ext>
+            </a:extLst>
+          </p:cNvPr>
+          <p:cNvSpPr>
+            <a:spLocks noGrp="1"/>
+          </p:cNvSpPr>
+          <p:nvPr>
+            <p:ph type="title"/>
+          </p:nvPr>
+        </p:nvSpPr>
+        <p:spPr/>
+        <p:txBody>
+          <a:bodyPr/>
+          <a:lstStyle/>
+          <a:p>
+            <a:r>
+              <a:rPr lang="en-GB" dirty="0"/>
+              <a:t>The 4 main layers</a:t>
+            </a:r>
+          </a:p>
+        </p:txBody>
+      </p:sp>
+      <p:sp>
+        <p:nvSpPr>
+          <p:cNvPr id="11" name="Diamond 10">
+            <a:extLst>
+              <a:ext uri="{FF2B5EF4-FFF2-40B4-BE49-F238E27FC236}">
+                <a16:creationId xmlns:a16="http://schemas.microsoft.com/office/drawing/2014/main" id="{1ECAC96F-BF3B-A145-8844-E03D8E784C43}"/>
+              </a:ext>
+            </a:extLst>
+          </p:cNvPr>
+          <p:cNvSpPr/>
+          <p:nvPr/>
+        </p:nvSpPr>
+        <p:spPr>
+          <a:xfrm>
+            <a:off x="723898" y="4694235"/>
+            <a:ext cx="3000375" cy="1325564"/>
+          </a:xfrm>
+          <a:prstGeom prst="diamond">
+            <a:avLst/>
+          </a:prstGeom>
+          <a:solidFill>
+            <a:schemeClr val="accent2">
+              <a:lumMod val="75000"/>
+            </a:schemeClr>
+          </a:solidFill>
+          <a:ln>
+            <a:noFill/>
+          </a:ln>
+          <a:effectLst>
+            <a:outerShdw blurRad="50800" dist="38100" dir="5400000" algn="t" rotWithShape="0">
+              <a:prstClr val="black">
+                <a:alpha val="40000"/>
+              </a:prstClr>
+            </a:outerShdw>
+          </a:effectLst>
+        </p:spPr>
+        <p:style>
+          <a:lnRef idx="2">
+            <a:schemeClr val="accent1">
+              <a:shade val="50000"/>
+            </a:schemeClr>
+          </a:lnRef>
+          <a:fillRef idx="1">
+            <a:schemeClr val="accent1"/>
+          </a:fillRef>
+          <a:effectRef idx="0">
+            <a:schemeClr val="accent1"/>
+          </a:effectRef>
+          <a:fontRef idx="minor">
+            <a:schemeClr val="lt1"/>
+          </a:fontRef>
+        </p:style>
+        <p:txBody>
+          <a:bodyPr rtlCol="0" anchor="ctr"/>
+          <a:lstStyle/>
+          <a:p>
+            <a:pPr algn="ctr"/>
+            <a:endParaRPr lang="en-GB"/>
+          </a:p>
+        </p:txBody>
+      </p:sp>
+      <p:sp>
+        <p:nvSpPr>
+          <p:cNvPr id="10" name="Diamond 9">
+            <a:extLst>
+              <a:ext uri="{FF2B5EF4-FFF2-40B4-BE49-F238E27FC236}">
+                <a16:creationId xmlns:a16="http://schemas.microsoft.com/office/drawing/2014/main" id="{E54D520C-C6D4-D642-9104-56D577BE0AA8}"/>
+              </a:ext>
+            </a:extLst>
+          </p:cNvPr>
+          <p:cNvSpPr/>
+          <p:nvPr/>
+        </p:nvSpPr>
+        <p:spPr>
+          <a:xfrm>
+            <a:off x="723898" y="3841748"/>
+            <a:ext cx="3000375" cy="1325564"/>
+          </a:xfrm>
+          <a:prstGeom prst="diamond">
+            <a:avLst/>
+          </a:prstGeom>
+          <a:solidFill>
+            <a:schemeClr val="accent1">
+              <a:lumMod val="60000"/>
+              <a:lumOff val="40000"/>
+            </a:schemeClr>
+          </a:solidFill>
+          <a:ln>
+            <a:noFill/>
+          </a:ln>
+          <a:effectLst>
+            <a:outerShdw blurRad="50800" dist="38100" dir="5400000" algn="t" rotWithShape="0">
+              <a:prstClr val="black">
+                <a:alpha val="40000"/>
+              </a:prstClr>
+            </a:outerShdw>
+          </a:effectLst>
+        </p:spPr>
+        <p:style>
+          <a:lnRef idx="2">
+            <a:schemeClr val="accent1">
+              <a:shade val="50000"/>
+            </a:schemeClr>
+          </a:lnRef>
+          <a:fillRef idx="1">
+            <a:schemeClr val="accent1"/>
+          </a:fillRef>
+          <a:effectRef idx="0">
+            <a:schemeClr val="accent1"/>
+          </a:effectRef>
+          <a:fontRef idx="minor">
+            <a:schemeClr val="lt1"/>
+          </a:fontRef>
+        </p:style>
+        <p:txBody>
+          <a:bodyPr rtlCol="0" anchor="ctr"/>
+          <a:lstStyle/>
+          <a:p>
+            <a:pPr algn="ctr"/>
+            <a:endParaRPr lang="en-GB"/>
+          </a:p>
+        </p:txBody>
+      </p:sp>
+      <p:sp>
+        <p:nvSpPr>
+          <p:cNvPr id="9" name="Diamond 8">
+            <a:extLst>
+              <a:ext uri="{FF2B5EF4-FFF2-40B4-BE49-F238E27FC236}">
+                <a16:creationId xmlns:a16="http://schemas.microsoft.com/office/drawing/2014/main" id="{D49B4A69-B016-A44F-903A-E68C2C104364}"/>
+              </a:ext>
+            </a:extLst>
+          </p:cNvPr>
+          <p:cNvSpPr/>
+          <p:nvPr/>
+        </p:nvSpPr>
+        <p:spPr>
+          <a:xfrm>
+            <a:off x="723899" y="2955923"/>
+            <a:ext cx="3000375" cy="1325564"/>
+          </a:xfrm>
+          <a:prstGeom prst="diamond">
+            <a:avLst/>
+          </a:prstGeom>
+          <a:solidFill>
+            <a:schemeClr val="accent4"/>
+          </a:solidFill>
+          <a:ln>
+            <a:noFill/>
+          </a:ln>
+          <a:effectLst>
+            <a:outerShdw blurRad="50800" dist="38100" dir="5400000" algn="t" rotWithShape="0">
+              <a:prstClr val="black">
+                <a:alpha val="40000"/>
+              </a:prstClr>
+            </a:outerShdw>
+          </a:effectLst>
+        </p:spPr>
+        <p:style>
+          <a:lnRef idx="2">
+            <a:schemeClr val="accent1">
+              <a:shade val="50000"/>
+            </a:schemeClr>
+          </a:lnRef>
+          <a:fillRef idx="1">
+            <a:schemeClr val="accent1"/>
+          </a:fillRef>
+          <a:effectRef idx="0">
+            <a:schemeClr val="accent1"/>
+          </a:effectRef>
+          <a:fontRef idx="minor">
+            <a:schemeClr val="lt1"/>
+          </a:fontRef>
+        </p:style>
+        <p:txBody>
+          <a:bodyPr rtlCol="0" anchor="ctr"/>
+          <a:lstStyle/>
+          <a:p>
+            <a:pPr algn="ctr"/>
+            <a:endParaRPr lang="en-GB"/>
+          </a:p>
+        </p:txBody>
+      </p:sp>
+      <p:sp>
+        <p:nvSpPr>
+          <p:cNvPr id="8" name="Diamond 7">
+            <a:extLst>
+              <a:ext uri="{FF2B5EF4-FFF2-40B4-BE49-F238E27FC236}">
+                <a16:creationId xmlns:a16="http://schemas.microsoft.com/office/drawing/2014/main" id="{8E9CF4DA-64E4-1D4C-8D87-3393CC333B47}"/>
+              </a:ext>
+            </a:extLst>
+          </p:cNvPr>
+          <p:cNvSpPr/>
+          <p:nvPr/>
+        </p:nvSpPr>
+        <p:spPr>
+          <a:xfrm>
+            <a:off x="723900" y="2103436"/>
+            <a:ext cx="3000375" cy="1325564"/>
+          </a:xfrm>
+          <a:prstGeom prst="diamond">
+            <a:avLst/>
+          </a:prstGeom>
+          <a:solidFill>
+            <a:schemeClr val="accent6">
+              <a:lumMod val="20000"/>
+              <a:lumOff val="80000"/>
+            </a:schemeClr>
+          </a:solidFill>
+          <a:ln>
+            <a:noFill/>
+          </a:ln>
+          <a:effectLst>
+            <a:outerShdw blurRad="50800" dist="38100" dir="5400000" algn="t" rotWithShape="0">
+              <a:prstClr val="black">
+                <a:alpha val="40000"/>
+              </a:prstClr>
+            </a:outerShdw>
+          </a:effectLst>
+        </p:spPr>
+        <p:style>
+          <a:lnRef idx="2">
+            <a:schemeClr val="accent1">
+              <a:shade val="50000"/>
+            </a:schemeClr>
+          </a:lnRef>
+          <a:fillRef idx="1">
+            <a:schemeClr val="accent1"/>
+          </a:fillRef>
+          <a:effectRef idx="0">
+            <a:schemeClr val="accent1"/>
+          </a:effectRef>
+          <a:fontRef idx="minor">
+            <a:schemeClr val="lt1"/>
+          </a:fontRef>
+        </p:style>
+        <p:txBody>
+          <a:bodyPr rtlCol="0" anchor="ctr"/>
+          <a:lstStyle/>
+          <a:p>
+            <a:pPr algn="ctr"/>
+            <a:endParaRPr lang="en-GB"/>
+          </a:p>
+        </p:txBody>
+      </p:sp>
+    </p:spTree>
+    <p:extLst>
+      <p:ext uri="{BB962C8B-B14F-4D97-AF65-F5344CB8AC3E}">
+        <p14:creationId xmlns:p14="http://schemas.microsoft.com/office/powerpoint/2010/main" val="2229304845"/>
+      </p:ext>
+    </p:extLst>
+  </p:cSld>
+  <p:clrMapOvr>
+    <a:masterClrMapping/>
+  </p:clrMapOvr>
+</p:sld>
+</file>
+
 <file path=ppt/slides/slide8.xml><?xml version="1.0" encoding="utf-8"?>
 <p:sld xmlns:a="http://schemas.openxmlformats.org/drawingml/2006/main" xmlns:r="http://schemas.openxmlformats.org/officeDocument/2006/relationships" xmlns:p="http://schemas.openxmlformats.org/presentationml/2006/main">
   <p:cSld>
@@ -14709,6 +15576,4471 @@
     <p:extLst>
       <p:ext uri="{BB962C8B-B14F-4D97-AF65-F5344CB8AC3E}">
         <p14:creationId xmlns:p14="http://schemas.microsoft.com/office/powerpoint/2010/main" val="488346522"/>
+      </p:ext>
+    </p:extLst>
+  </p:cSld>
+  <p:clrMapOvr>
+    <a:masterClrMapping/>
+  </p:clrMapOvr>
+</p:sld>
+</file>
+
+<file path=ppt/slides/slide80.xml><?xml version="1.0" encoding="utf-8"?>
+<p:sld xmlns:a="http://schemas.openxmlformats.org/drawingml/2006/main" xmlns:r="http://schemas.openxmlformats.org/officeDocument/2006/relationships" xmlns:p="http://schemas.openxmlformats.org/presentationml/2006/main">
+  <p:cSld>
+    <p:spTree>
+      <p:nvGrpSpPr>
+        <p:cNvPr id="1" name=""/>
+        <p:cNvGrpSpPr/>
+        <p:nvPr/>
+      </p:nvGrpSpPr>
+      <p:grpSpPr>
+        <a:xfrm>
+          <a:off x="0" y="0"/>
+          <a:ext cx="0" cy="0"/>
+          <a:chOff x="0" y="0"/>
+          <a:chExt cx="0" cy="0"/>
+        </a:xfrm>
+      </p:grpSpPr>
+      <p:sp>
+        <p:nvSpPr>
+          <p:cNvPr id="2" name="Title 1">
+            <a:extLst>
+              <a:ext uri="{FF2B5EF4-FFF2-40B4-BE49-F238E27FC236}">
+                <a16:creationId xmlns:a16="http://schemas.microsoft.com/office/drawing/2014/main" id="{E87EF035-A96D-5A46-A6A5-34C1461D4522}"/>
+              </a:ext>
+            </a:extLst>
+          </p:cNvPr>
+          <p:cNvSpPr>
+            <a:spLocks noGrp="1"/>
+          </p:cNvSpPr>
+          <p:nvPr>
+            <p:ph type="title"/>
+          </p:nvPr>
+        </p:nvSpPr>
+        <p:spPr/>
+        <p:txBody>
+          <a:bodyPr/>
+          <a:lstStyle/>
+          <a:p>
+            <a:r>
+              <a:rPr lang="en-GB" dirty="0"/>
+              <a:t>The 4 main layers</a:t>
+            </a:r>
+          </a:p>
+        </p:txBody>
+      </p:sp>
+      <p:sp>
+        <p:nvSpPr>
+          <p:cNvPr id="11" name="Diamond 10">
+            <a:extLst>
+              <a:ext uri="{FF2B5EF4-FFF2-40B4-BE49-F238E27FC236}">
+                <a16:creationId xmlns:a16="http://schemas.microsoft.com/office/drawing/2014/main" id="{1ECAC96F-BF3B-A145-8844-E03D8E784C43}"/>
+              </a:ext>
+            </a:extLst>
+          </p:cNvPr>
+          <p:cNvSpPr/>
+          <p:nvPr/>
+        </p:nvSpPr>
+        <p:spPr>
+          <a:xfrm>
+            <a:off x="723898" y="4694235"/>
+            <a:ext cx="3000375" cy="1325564"/>
+          </a:xfrm>
+          <a:prstGeom prst="diamond">
+            <a:avLst/>
+          </a:prstGeom>
+          <a:solidFill>
+            <a:schemeClr val="accent2">
+              <a:lumMod val="75000"/>
+            </a:schemeClr>
+          </a:solidFill>
+          <a:ln>
+            <a:noFill/>
+          </a:ln>
+          <a:effectLst>
+            <a:outerShdw blurRad="50800" dist="38100" dir="5400000" algn="t" rotWithShape="0">
+              <a:prstClr val="black">
+                <a:alpha val="40000"/>
+              </a:prstClr>
+            </a:outerShdw>
+          </a:effectLst>
+        </p:spPr>
+        <p:style>
+          <a:lnRef idx="2">
+            <a:schemeClr val="accent1">
+              <a:shade val="50000"/>
+            </a:schemeClr>
+          </a:lnRef>
+          <a:fillRef idx="1">
+            <a:schemeClr val="accent1"/>
+          </a:fillRef>
+          <a:effectRef idx="0">
+            <a:schemeClr val="accent1"/>
+          </a:effectRef>
+          <a:fontRef idx="minor">
+            <a:schemeClr val="lt1"/>
+          </a:fontRef>
+        </p:style>
+        <p:txBody>
+          <a:bodyPr rtlCol="0" anchor="ctr"/>
+          <a:lstStyle/>
+          <a:p>
+            <a:pPr algn="ctr"/>
+            <a:endParaRPr lang="en-GB"/>
+          </a:p>
+        </p:txBody>
+      </p:sp>
+      <p:sp>
+        <p:nvSpPr>
+          <p:cNvPr id="10" name="Diamond 9">
+            <a:extLst>
+              <a:ext uri="{FF2B5EF4-FFF2-40B4-BE49-F238E27FC236}">
+                <a16:creationId xmlns:a16="http://schemas.microsoft.com/office/drawing/2014/main" id="{E54D520C-C6D4-D642-9104-56D577BE0AA8}"/>
+              </a:ext>
+            </a:extLst>
+          </p:cNvPr>
+          <p:cNvSpPr/>
+          <p:nvPr/>
+        </p:nvSpPr>
+        <p:spPr>
+          <a:xfrm>
+            <a:off x="723898" y="3841748"/>
+            <a:ext cx="3000375" cy="1325564"/>
+          </a:xfrm>
+          <a:prstGeom prst="diamond">
+            <a:avLst/>
+          </a:prstGeom>
+          <a:solidFill>
+            <a:schemeClr val="accent1">
+              <a:lumMod val="60000"/>
+              <a:lumOff val="40000"/>
+            </a:schemeClr>
+          </a:solidFill>
+          <a:ln>
+            <a:noFill/>
+          </a:ln>
+          <a:effectLst>
+            <a:outerShdw blurRad="50800" dist="38100" dir="5400000" algn="t" rotWithShape="0">
+              <a:prstClr val="black">
+                <a:alpha val="40000"/>
+              </a:prstClr>
+            </a:outerShdw>
+          </a:effectLst>
+        </p:spPr>
+        <p:style>
+          <a:lnRef idx="2">
+            <a:schemeClr val="accent1">
+              <a:shade val="50000"/>
+            </a:schemeClr>
+          </a:lnRef>
+          <a:fillRef idx="1">
+            <a:schemeClr val="accent1"/>
+          </a:fillRef>
+          <a:effectRef idx="0">
+            <a:schemeClr val="accent1"/>
+          </a:effectRef>
+          <a:fontRef idx="minor">
+            <a:schemeClr val="lt1"/>
+          </a:fontRef>
+        </p:style>
+        <p:txBody>
+          <a:bodyPr rtlCol="0" anchor="ctr"/>
+          <a:lstStyle/>
+          <a:p>
+            <a:pPr algn="ctr"/>
+            <a:endParaRPr lang="en-GB"/>
+          </a:p>
+        </p:txBody>
+      </p:sp>
+      <p:sp>
+        <p:nvSpPr>
+          <p:cNvPr id="9" name="Diamond 8">
+            <a:extLst>
+              <a:ext uri="{FF2B5EF4-FFF2-40B4-BE49-F238E27FC236}">
+                <a16:creationId xmlns:a16="http://schemas.microsoft.com/office/drawing/2014/main" id="{D49B4A69-B016-A44F-903A-E68C2C104364}"/>
+              </a:ext>
+            </a:extLst>
+          </p:cNvPr>
+          <p:cNvSpPr/>
+          <p:nvPr/>
+        </p:nvSpPr>
+        <p:spPr>
+          <a:xfrm>
+            <a:off x="723899" y="2955923"/>
+            <a:ext cx="3000375" cy="1325564"/>
+          </a:xfrm>
+          <a:prstGeom prst="diamond">
+            <a:avLst/>
+          </a:prstGeom>
+          <a:solidFill>
+            <a:schemeClr val="accent4"/>
+          </a:solidFill>
+          <a:ln>
+            <a:noFill/>
+          </a:ln>
+          <a:effectLst>
+            <a:outerShdw blurRad="50800" dist="38100" dir="5400000" algn="t" rotWithShape="0">
+              <a:prstClr val="black">
+                <a:alpha val="40000"/>
+              </a:prstClr>
+            </a:outerShdw>
+          </a:effectLst>
+        </p:spPr>
+        <p:style>
+          <a:lnRef idx="2">
+            <a:schemeClr val="accent1">
+              <a:shade val="50000"/>
+            </a:schemeClr>
+          </a:lnRef>
+          <a:fillRef idx="1">
+            <a:schemeClr val="accent1"/>
+          </a:fillRef>
+          <a:effectRef idx="0">
+            <a:schemeClr val="accent1"/>
+          </a:effectRef>
+          <a:fontRef idx="minor">
+            <a:schemeClr val="lt1"/>
+          </a:fontRef>
+        </p:style>
+        <p:txBody>
+          <a:bodyPr rtlCol="0" anchor="ctr"/>
+          <a:lstStyle/>
+          <a:p>
+            <a:pPr algn="ctr"/>
+            <a:endParaRPr lang="en-GB"/>
+          </a:p>
+        </p:txBody>
+      </p:sp>
+      <p:sp>
+        <p:nvSpPr>
+          <p:cNvPr id="8" name="Diamond 7">
+            <a:extLst>
+              <a:ext uri="{FF2B5EF4-FFF2-40B4-BE49-F238E27FC236}">
+                <a16:creationId xmlns:a16="http://schemas.microsoft.com/office/drawing/2014/main" id="{8E9CF4DA-64E4-1D4C-8D87-3393CC333B47}"/>
+              </a:ext>
+            </a:extLst>
+          </p:cNvPr>
+          <p:cNvSpPr/>
+          <p:nvPr/>
+        </p:nvSpPr>
+        <p:spPr>
+          <a:xfrm>
+            <a:off x="723900" y="2103436"/>
+            <a:ext cx="3000375" cy="1325564"/>
+          </a:xfrm>
+          <a:prstGeom prst="diamond">
+            <a:avLst/>
+          </a:prstGeom>
+          <a:solidFill>
+            <a:schemeClr val="accent6">
+              <a:lumMod val="20000"/>
+              <a:lumOff val="80000"/>
+            </a:schemeClr>
+          </a:solidFill>
+          <a:ln>
+            <a:noFill/>
+          </a:ln>
+          <a:effectLst>
+            <a:outerShdw blurRad="50800" dist="38100" dir="5400000" algn="t" rotWithShape="0">
+              <a:prstClr val="black">
+                <a:alpha val="40000"/>
+              </a:prstClr>
+            </a:outerShdw>
+          </a:effectLst>
+        </p:spPr>
+        <p:style>
+          <a:lnRef idx="2">
+            <a:schemeClr val="accent1">
+              <a:shade val="50000"/>
+            </a:schemeClr>
+          </a:lnRef>
+          <a:fillRef idx="1">
+            <a:schemeClr val="accent1"/>
+          </a:fillRef>
+          <a:effectRef idx="0">
+            <a:schemeClr val="accent1"/>
+          </a:effectRef>
+          <a:fontRef idx="minor">
+            <a:schemeClr val="lt1"/>
+          </a:fontRef>
+        </p:style>
+        <p:txBody>
+          <a:bodyPr rtlCol="0" anchor="ctr"/>
+          <a:lstStyle/>
+          <a:p>
+            <a:pPr algn="ctr"/>
+            <a:endParaRPr lang="en-GB"/>
+          </a:p>
+        </p:txBody>
+      </p:sp>
+      <p:sp>
+        <p:nvSpPr>
+          <p:cNvPr id="13" name="TextBox 12">
+            <a:extLst>
+              <a:ext uri="{FF2B5EF4-FFF2-40B4-BE49-F238E27FC236}">
+                <a16:creationId xmlns:a16="http://schemas.microsoft.com/office/drawing/2014/main" id="{AF398665-1064-2B40-88A3-0A729BF60B86}"/>
+              </a:ext>
+            </a:extLst>
+          </p:cNvPr>
+          <p:cNvSpPr txBox="1"/>
+          <p:nvPr/>
+        </p:nvSpPr>
+        <p:spPr>
+          <a:xfrm>
+            <a:off x="4850606" y="2027554"/>
+            <a:ext cx="6100762" cy="1477328"/>
+          </a:xfrm>
+          <a:prstGeom prst="rect">
+            <a:avLst/>
+          </a:prstGeom>
+          <a:noFill/>
+        </p:spPr>
+        <p:txBody>
+          <a:bodyPr wrap="square">
+            <a:spAutoFit/>
+          </a:bodyPr>
+          <a:lstStyle/>
+          <a:p>
+            <a:r>
+              <a:rPr lang="en-GB" b="1" i="0" strike="noStrike" dirty="0">
+                <a:solidFill>
+                  <a:srgbClr val="231F20"/>
+                </a:solidFill>
+                <a:effectLst/>
+              </a:rPr>
+              <a:t>Application layer</a:t>
+            </a:r>
+          </a:p>
+          <a:p>
+            <a:pPr marL="285750" indent="-285750">
+              <a:buFont typeface="Arial" panose="020B0604020202020204" pitchFamily="34" charset="0"/>
+              <a:buChar char="•"/>
+            </a:pPr>
+            <a:r>
+              <a:rPr lang="en-GB" dirty="0">
+                <a:solidFill>
+                  <a:srgbClr val="231F20"/>
+                </a:solidFill>
+              </a:rPr>
+              <a:t>A</a:t>
+            </a:r>
+            <a:r>
+              <a:rPr lang="en-GB" i="0" strike="noStrike" dirty="0">
+                <a:solidFill>
+                  <a:srgbClr val="231F20"/>
+                </a:solidFill>
+                <a:effectLst/>
+              </a:rPr>
+              <a:t>pplications such as web browsers and email programs operate at this layer</a:t>
+            </a:r>
+            <a:endParaRPr lang="en-GB" dirty="0">
+              <a:solidFill>
+                <a:srgbClr val="231F20"/>
+              </a:solidFill>
+            </a:endParaRPr>
+          </a:p>
+          <a:p>
+            <a:pPr marL="285750" indent="-285750">
+              <a:buFont typeface="Arial" panose="020B0604020202020204" pitchFamily="34" charset="0"/>
+              <a:buChar char="•"/>
+            </a:pPr>
+            <a:r>
+              <a:rPr lang="en-GB" i="0" strike="noStrike" dirty="0">
+                <a:solidFill>
+                  <a:srgbClr val="231F20"/>
+                </a:solidFill>
+                <a:effectLst/>
+              </a:rPr>
+              <a:t>Protocols such as HTTP, HTTPS, SMTP, IMAP and FTP operate at this layer</a:t>
+            </a:r>
+            <a:endParaRPr lang="en-GB" dirty="0"/>
+          </a:p>
+        </p:txBody>
+      </p:sp>
+      <p:cxnSp>
+        <p:nvCxnSpPr>
+          <p:cNvPr id="15" name="Straight Arrow Connector 14">
+            <a:extLst>
+              <a:ext uri="{FF2B5EF4-FFF2-40B4-BE49-F238E27FC236}">
+                <a16:creationId xmlns:a16="http://schemas.microsoft.com/office/drawing/2014/main" id="{D9B2A405-D378-2942-AC08-2ED3E5E41CCC}"/>
+              </a:ext>
+            </a:extLst>
+          </p:cNvPr>
+          <p:cNvCxnSpPr>
+            <a:stCxn id="13" idx="1"/>
+            <a:endCxn id="8" idx="3"/>
+          </p:cNvCxnSpPr>
+          <p:nvPr/>
+        </p:nvCxnSpPr>
+        <p:spPr>
+          <a:xfrm flipH="1">
+            <a:off x="3724275" y="2766218"/>
+            <a:ext cx="1126331" cy="0"/>
+          </a:xfrm>
+          <a:prstGeom prst="straightConnector1">
+            <a:avLst/>
+          </a:prstGeom>
+          <a:ln w="38100">
+            <a:solidFill>
+              <a:schemeClr val="tx1"/>
+            </a:solidFill>
+            <a:tailEnd type="triangle"/>
+          </a:ln>
+        </p:spPr>
+        <p:style>
+          <a:lnRef idx="1">
+            <a:schemeClr val="accent1"/>
+          </a:lnRef>
+          <a:fillRef idx="0">
+            <a:schemeClr val="accent1"/>
+          </a:fillRef>
+          <a:effectRef idx="0">
+            <a:schemeClr val="accent1"/>
+          </a:effectRef>
+          <a:fontRef idx="minor">
+            <a:schemeClr val="tx1"/>
+          </a:fontRef>
+        </p:style>
+      </p:cxnSp>
+      <p:pic>
+        <p:nvPicPr>
+          <p:cNvPr id="18" name="Picture 17" descr="Logo&#10;&#10;Description automatically generated">
+            <a:extLst>
+              <a:ext uri="{FF2B5EF4-FFF2-40B4-BE49-F238E27FC236}">
+                <a16:creationId xmlns:a16="http://schemas.microsoft.com/office/drawing/2014/main" id="{31B8B0D6-B8E6-AC49-AF62-4B9D87BF375E}"/>
+              </a:ext>
+            </a:extLst>
+          </p:cNvPr>
+          <p:cNvPicPr>
+            <a:picLocks noChangeAspect="1"/>
+          </p:cNvPicPr>
+          <p:nvPr/>
+        </p:nvPicPr>
+        <p:blipFill>
+          <a:blip r:embed="rId2">
+            <a:extLst>
+              <a:ext uri="{837473B0-CC2E-450A-ABE3-18F120FF3D39}">
+                <a1611:picAttrSrcUrl xmlns:a1611="http://schemas.microsoft.com/office/drawing/2016/11/main" r:id="rId3"/>
+              </a:ext>
+            </a:extLst>
+          </a:blip>
+          <a:stretch>
+            <a:fillRect/>
+          </a:stretch>
+        </p:blipFill>
+        <p:spPr>
+          <a:xfrm>
+            <a:off x="1671544" y="2270122"/>
+            <a:ext cx="1105088" cy="1040606"/>
+          </a:xfrm>
+          <a:prstGeom prst="rect">
+            <a:avLst/>
+          </a:prstGeom>
+        </p:spPr>
+      </p:pic>
+    </p:spTree>
+    <p:extLst>
+      <p:ext uri="{BB962C8B-B14F-4D97-AF65-F5344CB8AC3E}">
+        <p14:creationId xmlns:p14="http://schemas.microsoft.com/office/powerpoint/2010/main" val="3088635031"/>
+      </p:ext>
+    </p:extLst>
+  </p:cSld>
+  <p:clrMapOvr>
+    <a:masterClrMapping/>
+  </p:clrMapOvr>
+</p:sld>
+</file>
+
+<file path=ppt/slides/slide81.xml><?xml version="1.0" encoding="utf-8"?>
+<p:sld xmlns:a="http://schemas.openxmlformats.org/drawingml/2006/main" xmlns:r="http://schemas.openxmlformats.org/officeDocument/2006/relationships" xmlns:p="http://schemas.openxmlformats.org/presentationml/2006/main">
+  <p:cSld>
+    <p:spTree>
+      <p:nvGrpSpPr>
+        <p:cNvPr id="1" name=""/>
+        <p:cNvGrpSpPr/>
+        <p:nvPr/>
+      </p:nvGrpSpPr>
+      <p:grpSpPr>
+        <a:xfrm>
+          <a:off x="0" y="0"/>
+          <a:ext cx="0" cy="0"/>
+          <a:chOff x="0" y="0"/>
+          <a:chExt cx="0" cy="0"/>
+        </a:xfrm>
+      </p:grpSpPr>
+      <p:sp>
+        <p:nvSpPr>
+          <p:cNvPr id="2" name="Title 1">
+            <a:extLst>
+              <a:ext uri="{FF2B5EF4-FFF2-40B4-BE49-F238E27FC236}">
+                <a16:creationId xmlns:a16="http://schemas.microsoft.com/office/drawing/2014/main" id="{E87EF035-A96D-5A46-A6A5-34C1461D4522}"/>
+              </a:ext>
+            </a:extLst>
+          </p:cNvPr>
+          <p:cNvSpPr>
+            <a:spLocks noGrp="1"/>
+          </p:cNvSpPr>
+          <p:nvPr>
+            <p:ph type="title"/>
+          </p:nvPr>
+        </p:nvSpPr>
+        <p:spPr/>
+        <p:txBody>
+          <a:bodyPr/>
+          <a:lstStyle/>
+          <a:p>
+            <a:r>
+              <a:rPr lang="en-GB" dirty="0"/>
+              <a:t>The 4 main layers</a:t>
+            </a:r>
+          </a:p>
+        </p:txBody>
+      </p:sp>
+      <p:sp>
+        <p:nvSpPr>
+          <p:cNvPr id="11" name="Diamond 10">
+            <a:extLst>
+              <a:ext uri="{FF2B5EF4-FFF2-40B4-BE49-F238E27FC236}">
+                <a16:creationId xmlns:a16="http://schemas.microsoft.com/office/drawing/2014/main" id="{1ECAC96F-BF3B-A145-8844-E03D8E784C43}"/>
+              </a:ext>
+            </a:extLst>
+          </p:cNvPr>
+          <p:cNvSpPr/>
+          <p:nvPr/>
+        </p:nvSpPr>
+        <p:spPr>
+          <a:xfrm>
+            <a:off x="723898" y="4694235"/>
+            <a:ext cx="3000375" cy="1325564"/>
+          </a:xfrm>
+          <a:prstGeom prst="diamond">
+            <a:avLst/>
+          </a:prstGeom>
+          <a:solidFill>
+            <a:schemeClr val="accent2">
+              <a:lumMod val="75000"/>
+            </a:schemeClr>
+          </a:solidFill>
+          <a:ln>
+            <a:noFill/>
+          </a:ln>
+          <a:effectLst>
+            <a:outerShdw blurRad="50800" dist="38100" dir="5400000" algn="t" rotWithShape="0">
+              <a:prstClr val="black">
+                <a:alpha val="40000"/>
+              </a:prstClr>
+            </a:outerShdw>
+          </a:effectLst>
+        </p:spPr>
+        <p:style>
+          <a:lnRef idx="2">
+            <a:schemeClr val="accent1">
+              <a:shade val="50000"/>
+            </a:schemeClr>
+          </a:lnRef>
+          <a:fillRef idx="1">
+            <a:schemeClr val="accent1"/>
+          </a:fillRef>
+          <a:effectRef idx="0">
+            <a:schemeClr val="accent1"/>
+          </a:effectRef>
+          <a:fontRef idx="minor">
+            <a:schemeClr val="lt1"/>
+          </a:fontRef>
+        </p:style>
+        <p:txBody>
+          <a:bodyPr rtlCol="0" anchor="ctr"/>
+          <a:lstStyle/>
+          <a:p>
+            <a:pPr algn="ctr"/>
+            <a:endParaRPr lang="en-GB"/>
+          </a:p>
+        </p:txBody>
+      </p:sp>
+      <p:sp>
+        <p:nvSpPr>
+          <p:cNvPr id="10" name="Diamond 9">
+            <a:extLst>
+              <a:ext uri="{FF2B5EF4-FFF2-40B4-BE49-F238E27FC236}">
+                <a16:creationId xmlns:a16="http://schemas.microsoft.com/office/drawing/2014/main" id="{E54D520C-C6D4-D642-9104-56D577BE0AA8}"/>
+              </a:ext>
+            </a:extLst>
+          </p:cNvPr>
+          <p:cNvSpPr/>
+          <p:nvPr/>
+        </p:nvSpPr>
+        <p:spPr>
+          <a:xfrm>
+            <a:off x="723898" y="3841748"/>
+            <a:ext cx="3000375" cy="1325564"/>
+          </a:xfrm>
+          <a:prstGeom prst="diamond">
+            <a:avLst/>
+          </a:prstGeom>
+          <a:solidFill>
+            <a:schemeClr val="accent1">
+              <a:lumMod val="60000"/>
+              <a:lumOff val="40000"/>
+            </a:schemeClr>
+          </a:solidFill>
+          <a:ln>
+            <a:noFill/>
+          </a:ln>
+          <a:effectLst>
+            <a:outerShdw blurRad="50800" dist="38100" dir="5400000" algn="t" rotWithShape="0">
+              <a:prstClr val="black">
+                <a:alpha val="40000"/>
+              </a:prstClr>
+            </a:outerShdw>
+          </a:effectLst>
+        </p:spPr>
+        <p:style>
+          <a:lnRef idx="2">
+            <a:schemeClr val="accent1">
+              <a:shade val="50000"/>
+            </a:schemeClr>
+          </a:lnRef>
+          <a:fillRef idx="1">
+            <a:schemeClr val="accent1"/>
+          </a:fillRef>
+          <a:effectRef idx="0">
+            <a:schemeClr val="accent1"/>
+          </a:effectRef>
+          <a:fontRef idx="minor">
+            <a:schemeClr val="lt1"/>
+          </a:fontRef>
+        </p:style>
+        <p:txBody>
+          <a:bodyPr rtlCol="0" anchor="ctr"/>
+          <a:lstStyle/>
+          <a:p>
+            <a:pPr algn="ctr"/>
+            <a:endParaRPr lang="en-GB"/>
+          </a:p>
+        </p:txBody>
+      </p:sp>
+      <p:sp>
+        <p:nvSpPr>
+          <p:cNvPr id="9" name="Diamond 8">
+            <a:extLst>
+              <a:ext uri="{FF2B5EF4-FFF2-40B4-BE49-F238E27FC236}">
+                <a16:creationId xmlns:a16="http://schemas.microsoft.com/office/drawing/2014/main" id="{D49B4A69-B016-A44F-903A-E68C2C104364}"/>
+              </a:ext>
+            </a:extLst>
+          </p:cNvPr>
+          <p:cNvSpPr/>
+          <p:nvPr/>
+        </p:nvSpPr>
+        <p:spPr>
+          <a:xfrm>
+            <a:off x="723899" y="2955923"/>
+            <a:ext cx="3000375" cy="1325564"/>
+          </a:xfrm>
+          <a:prstGeom prst="diamond">
+            <a:avLst/>
+          </a:prstGeom>
+          <a:solidFill>
+            <a:schemeClr val="accent4"/>
+          </a:solidFill>
+          <a:ln>
+            <a:noFill/>
+          </a:ln>
+          <a:effectLst>
+            <a:outerShdw blurRad="50800" dist="38100" dir="5400000" algn="t" rotWithShape="0">
+              <a:prstClr val="black">
+                <a:alpha val="40000"/>
+              </a:prstClr>
+            </a:outerShdw>
+          </a:effectLst>
+        </p:spPr>
+        <p:style>
+          <a:lnRef idx="2">
+            <a:schemeClr val="accent1">
+              <a:shade val="50000"/>
+            </a:schemeClr>
+          </a:lnRef>
+          <a:fillRef idx="1">
+            <a:schemeClr val="accent1"/>
+          </a:fillRef>
+          <a:effectRef idx="0">
+            <a:schemeClr val="accent1"/>
+          </a:effectRef>
+          <a:fontRef idx="minor">
+            <a:schemeClr val="lt1"/>
+          </a:fontRef>
+        </p:style>
+        <p:txBody>
+          <a:bodyPr rtlCol="0" anchor="ctr"/>
+          <a:lstStyle/>
+          <a:p>
+            <a:pPr algn="ctr"/>
+            <a:endParaRPr lang="en-GB"/>
+          </a:p>
+        </p:txBody>
+      </p:sp>
+      <p:sp>
+        <p:nvSpPr>
+          <p:cNvPr id="8" name="Diamond 7">
+            <a:extLst>
+              <a:ext uri="{FF2B5EF4-FFF2-40B4-BE49-F238E27FC236}">
+                <a16:creationId xmlns:a16="http://schemas.microsoft.com/office/drawing/2014/main" id="{8E9CF4DA-64E4-1D4C-8D87-3393CC333B47}"/>
+              </a:ext>
+            </a:extLst>
+          </p:cNvPr>
+          <p:cNvSpPr/>
+          <p:nvPr/>
+        </p:nvSpPr>
+        <p:spPr>
+          <a:xfrm>
+            <a:off x="723900" y="2103436"/>
+            <a:ext cx="3000375" cy="1325564"/>
+          </a:xfrm>
+          <a:prstGeom prst="diamond">
+            <a:avLst/>
+          </a:prstGeom>
+          <a:solidFill>
+            <a:schemeClr val="accent6">
+              <a:lumMod val="20000"/>
+              <a:lumOff val="80000"/>
+            </a:schemeClr>
+          </a:solidFill>
+          <a:ln>
+            <a:noFill/>
+          </a:ln>
+          <a:effectLst>
+            <a:outerShdw blurRad="50800" dist="38100" dir="5400000" algn="t" rotWithShape="0">
+              <a:prstClr val="black">
+                <a:alpha val="40000"/>
+              </a:prstClr>
+            </a:outerShdw>
+          </a:effectLst>
+        </p:spPr>
+        <p:style>
+          <a:lnRef idx="2">
+            <a:schemeClr val="accent1">
+              <a:shade val="50000"/>
+            </a:schemeClr>
+          </a:lnRef>
+          <a:fillRef idx="1">
+            <a:schemeClr val="accent1"/>
+          </a:fillRef>
+          <a:effectRef idx="0">
+            <a:schemeClr val="accent1"/>
+          </a:effectRef>
+          <a:fontRef idx="minor">
+            <a:schemeClr val="lt1"/>
+          </a:fontRef>
+        </p:style>
+        <p:txBody>
+          <a:bodyPr rtlCol="0" anchor="ctr"/>
+          <a:lstStyle/>
+          <a:p>
+            <a:pPr algn="ctr"/>
+            <a:endParaRPr lang="en-GB"/>
+          </a:p>
+        </p:txBody>
+      </p:sp>
+      <p:pic>
+        <p:nvPicPr>
+          <p:cNvPr id="18" name="Picture 17" descr="Logo&#10;&#10;Description automatically generated">
+            <a:extLst>
+              <a:ext uri="{FF2B5EF4-FFF2-40B4-BE49-F238E27FC236}">
+                <a16:creationId xmlns:a16="http://schemas.microsoft.com/office/drawing/2014/main" id="{31B8B0D6-B8E6-AC49-AF62-4B9D87BF375E}"/>
+              </a:ext>
+            </a:extLst>
+          </p:cNvPr>
+          <p:cNvPicPr>
+            <a:picLocks noChangeAspect="1"/>
+          </p:cNvPicPr>
+          <p:nvPr/>
+        </p:nvPicPr>
+        <p:blipFill>
+          <a:blip r:embed="rId2">
+            <a:extLst>
+              <a:ext uri="{837473B0-CC2E-450A-ABE3-18F120FF3D39}">
+                <a1611:picAttrSrcUrl xmlns:a1611="http://schemas.microsoft.com/office/drawing/2016/11/main" r:id="rId3"/>
+              </a:ext>
+            </a:extLst>
+          </a:blip>
+          <a:stretch>
+            <a:fillRect/>
+          </a:stretch>
+        </p:blipFill>
+        <p:spPr>
+          <a:xfrm>
+            <a:off x="1671544" y="2270122"/>
+            <a:ext cx="1105088" cy="1040606"/>
+          </a:xfrm>
+          <a:prstGeom prst="rect">
+            <a:avLst/>
+          </a:prstGeom>
+        </p:spPr>
+      </p:pic>
+    </p:spTree>
+    <p:extLst>
+      <p:ext uri="{BB962C8B-B14F-4D97-AF65-F5344CB8AC3E}">
+        <p14:creationId xmlns:p14="http://schemas.microsoft.com/office/powerpoint/2010/main" val="415581022"/>
+      </p:ext>
+    </p:extLst>
+  </p:cSld>
+  <p:clrMapOvr>
+    <a:masterClrMapping/>
+  </p:clrMapOvr>
+</p:sld>
+</file>
+
+<file path=ppt/slides/slide82.xml><?xml version="1.0" encoding="utf-8"?>
+<p:sld xmlns:a="http://schemas.openxmlformats.org/drawingml/2006/main" xmlns:r="http://schemas.openxmlformats.org/officeDocument/2006/relationships" xmlns:p="http://schemas.openxmlformats.org/presentationml/2006/main">
+  <p:cSld>
+    <p:spTree>
+      <p:nvGrpSpPr>
+        <p:cNvPr id="1" name=""/>
+        <p:cNvGrpSpPr/>
+        <p:nvPr/>
+      </p:nvGrpSpPr>
+      <p:grpSpPr>
+        <a:xfrm>
+          <a:off x="0" y="0"/>
+          <a:ext cx="0" cy="0"/>
+          <a:chOff x="0" y="0"/>
+          <a:chExt cx="0" cy="0"/>
+        </a:xfrm>
+      </p:grpSpPr>
+      <p:sp>
+        <p:nvSpPr>
+          <p:cNvPr id="2" name="Title 1">
+            <a:extLst>
+              <a:ext uri="{FF2B5EF4-FFF2-40B4-BE49-F238E27FC236}">
+                <a16:creationId xmlns:a16="http://schemas.microsoft.com/office/drawing/2014/main" id="{E87EF035-A96D-5A46-A6A5-34C1461D4522}"/>
+              </a:ext>
+            </a:extLst>
+          </p:cNvPr>
+          <p:cNvSpPr>
+            <a:spLocks noGrp="1"/>
+          </p:cNvSpPr>
+          <p:nvPr>
+            <p:ph type="title"/>
+          </p:nvPr>
+        </p:nvSpPr>
+        <p:spPr/>
+        <p:txBody>
+          <a:bodyPr/>
+          <a:lstStyle/>
+          <a:p>
+            <a:r>
+              <a:rPr lang="en-GB" dirty="0"/>
+              <a:t>The 4 main layers</a:t>
+            </a:r>
+          </a:p>
+        </p:txBody>
+      </p:sp>
+      <p:sp>
+        <p:nvSpPr>
+          <p:cNvPr id="11" name="Diamond 10">
+            <a:extLst>
+              <a:ext uri="{FF2B5EF4-FFF2-40B4-BE49-F238E27FC236}">
+                <a16:creationId xmlns:a16="http://schemas.microsoft.com/office/drawing/2014/main" id="{1ECAC96F-BF3B-A145-8844-E03D8E784C43}"/>
+              </a:ext>
+            </a:extLst>
+          </p:cNvPr>
+          <p:cNvSpPr/>
+          <p:nvPr/>
+        </p:nvSpPr>
+        <p:spPr>
+          <a:xfrm>
+            <a:off x="723898" y="4694235"/>
+            <a:ext cx="3000375" cy="1325564"/>
+          </a:xfrm>
+          <a:prstGeom prst="diamond">
+            <a:avLst/>
+          </a:prstGeom>
+          <a:solidFill>
+            <a:schemeClr val="accent2">
+              <a:lumMod val="75000"/>
+            </a:schemeClr>
+          </a:solidFill>
+          <a:ln>
+            <a:noFill/>
+          </a:ln>
+          <a:effectLst>
+            <a:outerShdw blurRad="50800" dist="38100" dir="5400000" algn="t" rotWithShape="0">
+              <a:prstClr val="black">
+                <a:alpha val="40000"/>
+              </a:prstClr>
+            </a:outerShdw>
+          </a:effectLst>
+        </p:spPr>
+        <p:style>
+          <a:lnRef idx="2">
+            <a:schemeClr val="accent1">
+              <a:shade val="50000"/>
+            </a:schemeClr>
+          </a:lnRef>
+          <a:fillRef idx="1">
+            <a:schemeClr val="accent1"/>
+          </a:fillRef>
+          <a:effectRef idx="0">
+            <a:schemeClr val="accent1"/>
+          </a:effectRef>
+          <a:fontRef idx="minor">
+            <a:schemeClr val="lt1"/>
+          </a:fontRef>
+        </p:style>
+        <p:txBody>
+          <a:bodyPr rtlCol="0" anchor="ctr"/>
+          <a:lstStyle/>
+          <a:p>
+            <a:pPr algn="ctr"/>
+            <a:endParaRPr lang="en-GB"/>
+          </a:p>
+        </p:txBody>
+      </p:sp>
+      <p:sp>
+        <p:nvSpPr>
+          <p:cNvPr id="10" name="Diamond 9">
+            <a:extLst>
+              <a:ext uri="{FF2B5EF4-FFF2-40B4-BE49-F238E27FC236}">
+                <a16:creationId xmlns:a16="http://schemas.microsoft.com/office/drawing/2014/main" id="{E54D520C-C6D4-D642-9104-56D577BE0AA8}"/>
+              </a:ext>
+            </a:extLst>
+          </p:cNvPr>
+          <p:cNvSpPr/>
+          <p:nvPr/>
+        </p:nvSpPr>
+        <p:spPr>
+          <a:xfrm>
+            <a:off x="723898" y="3841748"/>
+            <a:ext cx="3000375" cy="1325564"/>
+          </a:xfrm>
+          <a:prstGeom prst="diamond">
+            <a:avLst/>
+          </a:prstGeom>
+          <a:solidFill>
+            <a:schemeClr val="accent1">
+              <a:lumMod val="60000"/>
+              <a:lumOff val="40000"/>
+            </a:schemeClr>
+          </a:solidFill>
+          <a:ln>
+            <a:noFill/>
+          </a:ln>
+          <a:effectLst>
+            <a:outerShdw blurRad="50800" dist="38100" dir="5400000" algn="t" rotWithShape="0">
+              <a:prstClr val="black">
+                <a:alpha val="40000"/>
+              </a:prstClr>
+            </a:outerShdw>
+          </a:effectLst>
+        </p:spPr>
+        <p:style>
+          <a:lnRef idx="2">
+            <a:schemeClr val="accent1">
+              <a:shade val="50000"/>
+            </a:schemeClr>
+          </a:lnRef>
+          <a:fillRef idx="1">
+            <a:schemeClr val="accent1"/>
+          </a:fillRef>
+          <a:effectRef idx="0">
+            <a:schemeClr val="accent1"/>
+          </a:effectRef>
+          <a:fontRef idx="minor">
+            <a:schemeClr val="lt1"/>
+          </a:fontRef>
+        </p:style>
+        <p:txBody>
+          <a:bodyPr rtlCol="0" anchor="ctr"/>
+          <a:lstStyle/>
+          <a:p>
+            <a:pPr algn="ctr"/>
+            <a:endParaRPr lang="en-GB"/>
+          </a:p>
+        </p:txBody>
+      </p:sp>
+      <p:sp>
+        <p:nvSpPr>
+          <p:cNvPr id="9" name="Diamond 8">
+            <a:extLst>
+              <a:ext uri="{FF2B5EF4-FFF2-40B4-BE49-F238E27FC236}">
+                <a16:creationId xmlns:a16="http://schemas.microsoft.com/office/drawing/2014/main" id="{D49B4A69-B016-A44F-903A-E68C2C104364}"/>
+              </a:ext>
+            </a:extLst>
+          </p:cNvPr>
+          <p:cNvSpPr/>
+          <p:nvPr/>
+        </p:nvSpPr>
+        <p:spPr>
+          <a:xfrm>
+            <a:off x="723899" y="2955923"/>
+            <a:ext cx="3000375" cy="1325564"/>
+          </a:xfrm>
+          <a:prstGeom prst="diamond">
+            <a:avLst/>
+          </a:prstGeom>
+          <a:solidFill>
+            <a:schemeClr val="accent4"/>
+          </a:solidFill>
+          <a:ln>
+            <a:noFill/>
+          </a:ln>
+          <a:effectLst>
+            <a:outerShdw blurRad="50800" dist="38100" dir="5400000" algn="t" rotWithShape="0">
+              <a:prstClr val="black">
+                <a:alpha val="40000"/>
+              </a:prstClr>
+            </a:outerShdw>
+          </a:effectLst>
+        </p:spPr>
+        <p:style>
+          <a:lnRef idx="2">
+            <a:schemeClr val="accent1">
+              <a:shade val="50000"/>
+            </a:schemeClr>
+          </a:lnRef>
+          <a:fillRef idx="1">
+            <a:schemeClr val="accent1"/>
+          </a:fillRef>
+          <a:effectRef idx="0">
+            <a:schemeClr val="accent1"/>
+          </a:effectRef>
+          <a:fontRef idx="minor">
+            <a:schemeClr val="lt1"/>
+          </a:fontRef>
+        </p:style>
+        <p:txBody>
+          <a:bodyPr rtlCol="0" anchor="ctr"/>
+          <a:lstStyle/>
+          <a:p>
+            <a:pPr algn="ctr"/>
+            <a:endParaRPr lang="en-GB"/>
+          </a:p>
+        </p:txBody>
+      </p:sp>
+      <p:sp>
+        <p:nvSpPr>
+          <p:cNvPr id="8" name="Diamond 7">
+            <a:extLst>
+              <a:ext uri="{FF2B5EF4-FFF2-40B4-BE49-F238E27FC236}">
+                <a16:creationId xmlns:a16="http://schemas.microsoft.com/office/drawing/2014/main" id="{8E9CF4DA-64E4-1D4C-8D87-3393CC333B47}"/>
+              </a:ext>
+            </a:extLst>
+          </p:cNvPr>
+          <p:cNvSpPr/>
+          <p:nvPr/>
+        </p:nvSpPr>
+        <p:spPr>
+          <a:xfrm>
+            <a:off x="723900" y="2103436"/>
+            <a:ext cx="3000375" cy="1325564"/>
+          </a:xfrm>
+          <a:prstGeom prst="diamond">
+            <a:avLst/>
+          </a:prstGeom>
+          <a:solidFill>
+            <a:schemeClr val="accent6">
+              <a:lumMod val="20000"/>
+              <a:lumOff val="80000"/>
+            </a:schemeClr>
+          </a:solidFill>
+          <a:ln>
+            <a:noFill/>
+          </a:ln>
+          <a:effectLst>
+            <a:outerShdw blurRad="50800" dist="38100" dir="5400000" algn="t" rotWithShape="0">
+              <a:prstClr val="black">
+                <a:alpha val="40000"/>
+              </a:prstClr>
+            </a:outerShdw>
+          </a:effectLst>
+        </p:spPr>
+        <p:style>
+          <a:lnRef idx="2">
+            <a:schemeClr val="accent1">
+              <a:shade val="50000"/>
+            </a:schemeClr>
+          </a:lnRef>
+          <a:fillRef idx="1">
+            <a:schemeClr val="accent1"/>
+          </a:fillRef>
+          <a:effectRef idx="0">
+            <a:schemeClr val="accent1"/>
+          </a:effectRef>
+          <a:fontRef idx="minor">
+            <a:schemeClr val="lt1"/>
+          </a:fontRef>
+        </p:style>
+        <p:txBody>
+          <a:bodyPr rtlCol="0" anchor="ctr"/>
+          <a:lstStyle/>
+          <a:p>
+            <a:pPr algn="ctr"/>
+            <a:endParaRPr lang="en-GB"/>
+          </a:p>
+        </p:txBody>
+      </p:sp>
+      <p:sp>
+        <p:nvSpPr>
+          <p:cNvPr id="13" name="TextBox 12">
+            <a:extLst>
+              <a:ext uri="{FF2B5EF4-FFF2-40B4-BE49-F238E27FC236}">
+                <a16:creationId xmlns:a16="http://schemas.microsoft.com/office/drawing/2014/main" id="{AF398665-1064-2B40-88A3-0A729BF60B86}"/>
+              </a:ext>
+            </a:extLst>
+          </p:cNvPr>
+          <p:cNvSpPr txBox="1"/>
+          <p:nvPr/>
+        </p:nvSpPr>
+        <p:spPr>
+          <a:xfrm>
+            <a:off x="4850604" y="2880041"/>
+            <a:ext cx="6100762" cy="1754326"/>
+          </a:xfrm>
+          <a:prstGeom prst="rect">
+            <a:avLst/>
+          </a:prstGeom>
+          <a:noFill/>
+        </p:spPr>
+        <p:txBody>
+          <a:bodyPr wrap="square">
+            <a:spAutoFit/>
+          </a:bodyPr>
+          <a:lstStyle/>
+          <a:p>
+            <a:pPr algn="l"/>
+            <a:r>
+              <a:rPr lang="en-GB" b="1" i="0" strike="noStrike" dirty="0">
+                <a:solidFill>
+                  <a:srgbClr val="231F20"/>
+                </a:solidFill>
+                <a:effectLst/>
+              </a:rPr>
+              <a:t>Transport layer</a:t>
+            </a:r>
+            <a:r>
+              <a:rPr lang="en-GB" b="0" i="0" strike="noStrike" dirty="0">
+                <a:solidFill>
+                  <a:srgbClr val="231F20"/>
+                </a:solidFill>
+                <a:effectLst/>
+              </a:rPr>
+              <a:t> </a:t>
+            </a:r>
+          </a:p>
+          <a:p>
+            <a:pPr marL="285750" indent="-285750" algn="l">
+              <a:buFont typeface="Arial" panose="020B0604020202020204" pitchFamily="34" charset="0"/>
+              <a:buChar char="•"/>
+            </a:pPr>
+            <a:r>
+              <a:rPr lang="en-GB" dirty="0">
+                <a:solidFill>
+                  <a:srgbClr val="231F20"/>
+                </a:solidFill>
+              </a:rPr>
+              <a:t>T</a:t>
+            </a:r>
+            <a:r>
+              <a:rPr lang="en-GB" i="0" strike="noStrike" dirty="0">
+                <a:solidFill>
+                  <a:srgbClr val="231F20"/>
+                </a:solidFill>
+                <a:effectLst/>
+              </a:rPr>
+              <a:t>his breaks down the message into small chunks (packets)</a:t>
+            </a:r>
+          </a:p>
+          <a:p>
+            <a:pPr marL="285750" indent="-285750" algn="l">
+              <a:buFont typeface="Arial" panose="020B0604020202020204" pitchFamily="34" charset="0"/>
+              <a:buChar char="•"/>
+            </a:pPr>
+            <a:r>
+              <a:rPr lang="en-GB" i="0" strike="noStrike" dirty="0">
+                <a:solidFill>
+                  <a:srgbClr val="231F20"/>
+                </a:solidFill>
+                <a:effectLst/>
+              </a:rPr>
+              <a:t>Each packet is given a packet number and the total number of packets</a:t>
+            </a:r>
+          </a:p>
+          <a:p>
+            <a:pPr marL="285750" indent="-285750" algn="l">
+              <a:buFont typeface="Arial" panose="020B0604020202020204" pitchFamily="34" charset="0"/>
+              <a:buChar char="•"/>
+            </a:pPr>
+            <a:r>
+              <a:rPr lang="en-GB" i="0" strike="noStrike" dirty="0">
+                <a:solidFill>
+                  <a:srgbClr val="231F20"/>
+                </a:solidFill>
+                <a:effectLst/>
+              </a:rPr>
+              <a:t>This layer sets up the communication between hosts, using protocols such as TCP and UDP.</a:t>
+            </a:r>
+          </a:p>
+        </p:txBody>
+      </p:sp>
+      <p:cxnSp>
+        <p:nvCxnSpPr>
+          <p:cNvPr id="15" name="Straight Arrow Connector 14">
+            <a:extLst>
+              <a:ext uri="{FF2B5EF4-FFF2-40B4-BE49-F238E27FC236}">
+                <a16:creationId xmlns:a16="http://schemas.microsoft.com/office/drawing/2014/main" id="{D9B2A405-D378-2942-AC08-2ED3E5E41CCC}"/>
+              </a:ext>
+            </a:extLst>
+          </p:cNvPr>
+          <p:cNvCxnSpPr>
+            <a:cxnSpLocks/>
+          </p:cNvCxnSpPr>
+          <p:nvPr/>
+        </p:nvCxnSpPr>
+        <p:spPr>
+          <a:xfrm flipH="1">
+            <a:off x="3724273" y="3609181"/>
+            <a:ext cx="1126331" cy="0"/>
+          </a:xfrm>
+          <a:prstGeom prst="straightConnector1">
+            <a:avLst/>
+          </a:prstGeom>
+          <a:ln w="38100">
+            <a:solidFill>
+              <a:schemeClr val="tx1"/>
+            </a:solidFill>
+            <a:tailEnd type="triangle"/>
+          </a:ln>
+        </p:spPr>
+        <p:style>
+          <a:lnRef idx="1">
+            <a:schemeClr val="accent1"/>
+          </a:lnRef>
+          <a:fillRef idx="0">
+            <a:schemeClr val="accent1"/>
+          </a:fillRef>
+          <a:effectRef idx="0">
+            <a:schemeClr val="accent1"/>
+          </a:effectRef>
+          <a:fontRef idx="minor">
+            <a:schemeClr val="tx1"/>
+          </a:fontRef>
+        </p:style>
+      </p:cxnSp>
+      <p:pic>
+        <p:nvPicPr>
+          <p:cNvPr id="18" name="Picture 17" descr="Logo&#10;&#10;Description automatically generated">
+            <a:extLst>
+              <a:ext uri="{FF2B5EF4-FFF2-40B4-BE49-F238E27FC236}">
+                <a16:creationId xmlns:a16="http://schemas.microsoft.com/office/drawing/2014/main" id="{31B8B0D6-B8E6-AC49-AF62-4B9D87BF375E}"/>
+              </a:ext>
+            </a:extLst>
+          </p:cNvPr>
+          <p:cNvPicPr>
+            <a:picLocks noChangeAspect="1"/>
+          </p:cNvPicPr>
+          <p:nvPr/>
+        </p:nvPicPr>
+        <p:blipFill>
+          <a:blip r:embed="rId2">
+            <a:extLst>
+              <a:ext uri="{837473B0-CC2E-450A-ABE3-18F120FF3D39}">
+                <a1611:picAttrSrcUrl xmlns:a1611="http://schemas.microsoft.com/office/drawing/2016/11/main" r:id="rId3"/>
+              </a:ext>
+            </a:extLst>
+          </a:blip>
+          <a:stretch>
+            <a:fillRect/>
+          </a:stretch>
+        </p:blipFill>
+        <p:spPr>
+          <a:xfrm>
+            <a:off x="1671544" y="2270122"/>
+            <a:ext cx="1105088" cy="1040606"/>
+          </a:xfrm>
+          <a:prstGeom prst="rect">
+            <a:avLst/>
+          </a:prstGeom>
+        </p:spPr>
+      </p:pic>
+      <p:pic>
+        <p:nvPicPr>
+          <p:cNvPr id="4" name="Picture 3" descr="A red truck on a black background&#10;&#10;Description automatically generated with medium confidence">
+            <a:extLst>
+              <a:ext uri="{FF2B5EF4-FFF2-40B4-BE49-F238E27FC236}">
+                <a16:creationId xmlns:a16="http://schemas.microsoft.com/office/drawing/2014/main" id="{BBDE824C-5C9B-C94A-802E-B0E6E6E7C031}"/>
+              </a:ext>
+            </a:extLst>
+          </p:cNvPr>
+          <p:cNvPicPr>
+            <a:picLocks noChangeAspect="1"/>
+          </p:cNvPicPr>
+          <p:nvPr/>
+        </p:nvPicPr>
+        <p:blipFill>
+          <a:blip r:embed="rId4">
+            <a:extLst>
+              <a:ext uri="{837473B0-CC2E-450A-ABE3-18F120FF3D39}">
+                <a1611:picAttrSrcUrl xmlns:a1611="http://schemas.microsoft.com/office/drawing/2016/11/main" r:id="rId5"/>
+              </a:ext>
+            </a:extLst>
+          </a:blip>
+          <a:stretch>
+            <a:fillRect/>
+          </a:stretch>
+        </p:blipFill>
+        <p:spPr>
+          <a:xfrm>
+            <a:off x="2065489" y="3258341"/>
+            <a:ext cx="1064908" cy="822323"/>
+          </a:xfrm>
+          <a:prstGeom prst="rect">
+            <a:avLst/>
+          </a:prstGeom>
+        </p:spPr>
+      </p:pic>
+    </p:spTree>
+    <p:extLst>
+      <p:ext uri="{BB962C8B-B14F-4D97-AF65-F5344CB8AC3E}">
+        <p14:creationId xmlns:p14="http://schemas.microsoft.com/office/powerpoint/2010/main" val="1902516386"/>
+      </p:ext>
+    </p:extLst>
+  </p:cSld>
+  <p:clrMapOvr>
+    <a:masterClrMapping/>
+  </p:clrMapOvr>
+</p:sld>
+</file>
+
+<file path=ppt/slides/slide83.xml><?xml version="1.0" encoding="utf-8"?>
+<p:sld xmlns:a="http://schemas.openxmlformats.org/drawingml/2006/main" xmlns:r="http://schemas.openxmlformats.org/officeDocument/2006/relationships" xmlns:p="http://schemas.openxmlformats.org/presentationml/2006/main">
+  <p:cSld>
+    <p:spTree>
+      <p:nvGrpSpPr>
+        <p:cNvPr id="1" name=""/>
+        <p:cNvGrpSpPr/>
+        <p:nvPr/>
+      </p:nvGrpSpPr>
+      <p:grpSpPr>
+        <a:xfrm>
+          <a:off x="0" y="0"/>
+          <a:ext cx="0" cy="0"/>
+          <a:chOff x="0" y="0"/>
+          <a:chExt cx="0" cy="0"/>
+        </a:xfrm>
+      </p:grpSpPr>
+      <p:sp>
+        <p:nvSpPr>
+          <p:cNvPr id="2" name="Title 1">
+            <a:extLst>
+              <a:ext uri="{FF2B5EF4-FFF2-40B4-BE49-F238E27FC236}">
+                <a16:creationId xmlns:a16="http://schemas.microsoft.com/office/drawing/2014/main" id="{E87EF035-A96D-5A46-A6A5-34C1461D4522}"/>
+              </a:ext>
+            </a:extLst>
+          </p:cNvPr>
+          <p:cNvSpPr>
+            <a:spLocks noGrp="1"/>
+          </p:cNvSpPr>
+          <p:nvPr>
+            <p:ph type="title"/>
+          </p:nvPr>
+        </p:nvSpPr>
+        <p:spPr/>
+        <p:txBody>
+          <a:bodyPr/>
+          <a:lstStyle/>
+          <a:p>
+            <a:r>
+              <a:rPr lang="en-GB" dirty="0"/>
+              <a:t>The 4 main layers</a:t>
+            </a:r>
+          </a:p>
+        </p:txBody>
+      </p:sp>
+      <p:sp>
+        <p:nvSpPr>
+          <p:cNvPr id="11" name="Diamond 10">
+            <a:extLst>
+              <a:ext uri="{FF2B5EF4-FFF2-40B4-BE49-F238E27FC236}">
+                <a16:creationId xmlns:a16="http://schemas.microsoft.com/office/drawing/2014/main" id="{1ECAC96F-BF3B-A145-8844-E03D8E784C43}"/>
+              </a:ext>
+            </a:extLst>
+          </p:cNvPr>
+          <p:cNvSpPr/>
+          <p:nvPr/>
+        </p:nvSpPr>
+        <p:spPr>
+          <a:xfrm>
+            <a:off x="723898" y="4694235"/>
+            <a:ext cx="3000375" cy="1325564"/>
+          </a:xfrm>
+          <a:prstGeom prst="diamond">
+            <a:avLst/>
+          </a:prstGeom>
+          <a:solidFill>
+            <a:schemeClr val="accent2">
+              <a:lumMod val="75000"/>
+            </a:schemeClr>
+          </a:solidFill>
+          <a:ln>
+            <a:noFill/>
+          </a:ln>
+          <a:effectLst>
+            <a:outerShdw blurRad="50800" dist="38100" dir="5400000" algn="t" rotWithShape="0">
+              <a:prstClr val="black">
+                <a:alpha val="40000"/>
+              </a:prstClr>
+            </a:outerShdw>
+          </a:effectLst>
+        </p:spPr>
+        <p:style>
+          <a:lnRef idx="2">
+            <a:schemeClr val="accent1">
+              <a:shade val="50000"/>
+            </a:schemeClr>
+          </a:lnRef>
+          <a:fillRef idx="1">
+            <a:schemeClr val="accent1"/>
+          </a:fillRef>
+          <a:effectRef idx="0">
+            <a:schemeClr val="accent1"/>
+          </a:effectRef>
+          <a:fontRef idx="minor">
+            <a:schemeClr val="lt1"/>
+          </a:fontRef>
+        </p:style>
+        <p:txBody>
+          <a:bodyPr rtlCol="0" anchor="ctr"/>
+          <a:lstStyle/>
+          <a:p>
+            <a:pPr algn="ctr"/>
+            <a:endParaRPr lang="en-GB"/>
+          </a:p>
+        </p:txBody>
+      </p:sp>
+      <p:sp>
+        <p:nvSpPr>
+          <p:cNvPr id="10" name="Diamond 9">
+            <a:extLst>
+              <a:ext uri="{FF2B5EF4-FFF2-40B4-BE49-F238E27FC236}">
+                <a16:creationId xmlns:a16="http://schemas.microsoft.com/office/drawing/2014/main" id="{E54D520C-C6D4-D642-9104-56D577BE0AA8}"/>
+              </a:ext>
+            </a:extLst>
+          </p:cNvPr>
+          <p:cNvSpPr/>
+          <p:nvPr/>
+        </p:nvSpPr>
+        <p:spPr>
+          <a:xfrm>
+            <a:off x="723898" y="3841748"/>
+            <a:ext cx="3000375" cy="1325564"/>
+          </a:xfrm>
+          <a:prstGeom prst="diamond">
+            <a:avLst/>
+          </a:prstGeom>
+          <a:solidFill>
+            <a:schemeClr val="accent1">
+              <a:lumMod val="60000"/>
+              <a:lumOff val="40000"/>
+            </a:schemeClr>
+          </a:solidFill>
+          <a:ln>
+            <a:noFill/>
+          </a:ln>
+          <a:effectLst>
+            <a:outerShdw blurRad="50800" dist="38100" dir="5400000" algn="t" rotWithShape="0">
+              <a:prstClr val="black">
+                <a:alpha val="40000"/>
+              </a:prstClr>
+            </a:outerShdw>
+          </a:effectLst>
+        </p:spPr>
+        <p:style>
+          <a:lnRef idx="2">
+            <a:schemeClr val="accent1">
+              <a:shade val="50000"/>
+            </a:schemeClr>
+          </a:lnRef>
+          <a:fillRef idx="1">
+            <a:schemeClr val="accent1"/>
+          </a:fillRef>
+          <a:effectRef idx="0">
+            <a:schemeClr val="accent1"/>
+          </a:effectRef>
+          <a:fontRef idx="minor">
+            <a:schemeClr val="lt1"/>
+          </a:fontRef>
+        </p:style>
+        <p:txBody>
+          <a:bodyPr rtlCol="0" anchor="ctr"/>
+          <a:lstStyle/>
+          <a:p>
+            <a:pPr algn="ctr"/>
+            <a:endParaRPr lang="en-GB"/>
+          </a:p>
+        </p:txBody>
+      </p:sp>
+      <p:sp>
+        <p:nvSpPr>
+          <p:cNvPr id="9" name="Diamond 8">
+            <a:extLst>
+              <a:ext uri="{FF2B5EF4-FFF2-40B4-BE49-F238E27FC236}">
+                <a16:creationId xmlns:a16="http://schemas.microsoft.com/office/drawing/2014/main" id="{D49B4A69-B016-A44F-903A-E68C2C104364}"/>
+              </a:ext>
+            </a:extLst>
+          </p:cNvPr>
+          <p:cNvSpPr/>
+          <p:nvPr/>
+        </p:nvSpPr>
+        <p:spPr>
+          <a:xfrm>
+            <a:off x="723899" y="2955923"/>
+            <a:ext cx="3000375" cy="1325564"/>
+          </a:xfrm>
+          <a:prstGeom prst="diamond">
+            <a:avLst/>
+          </a:prstGeom>
+          <a:solidFill>
+            <a:schemeClr val="accent4"/>
+          </a:solidFill>
+          <a:ln>
+            <a:noFill/>
+          </a:ln>
+          <a:effectLst>
+            <a:outerShdw blurRad="50800" dist="38100" dir="5400000" algn="t" rotWithShape="0">
+              <a:prstClr val="black">
+                <a:alpha val="40000"/>
+              </a:prstClr>
+            </a:outerShdw>
+          </a:effectLst>
+        </p:spPr>
+        <p:style>
+          <a:lnRef idx="2">
+            <a:schemeClr val="accent1">
+              <a:shade val="50000"/>
+            </a:schemeClr>
+          </a:lnRef>
+          <a:fillRef idx="1">
+            <a:schemeClr val="accent1"/>
+          </a:fillRef>
+          <a:effectRef idx="0">
+            <a:schemeClr val="accent1"/>
+          </a:effectRef>
+          <a:fontRef idx="minor">
+            <a:schemeClr val="lt1"/>
+          </a:fontRef>
+        </p:style>
+        <p:txBody>
+          <a:bodyPr rtlCol="0" anchor="ctr"/>
+          <a:lstStyle/>
+          <a:p>
+            <a:pPr algn="ctr"/>
+            <a:endParaRPr lang="en-GB"/>
+          </a:p>
+        </p:txBody>
+      </p:sp>
+      <p:sp>
+        <p:nvSpPr>
+          <p:cNvPr id="8" name="Diamond 7">
+            <a:extLst>
+              <a:ext uri="{FF2B5EF4-FFF2-40B4-BE49-F238E27FC236}">
+                <a16:creationId xmlns:a16="http://schemas.microsoft.com/office/drawing/2014/main" id="{8E9CF4DA-64E4-1D4C-8D87-3393CC333B47}"/>
+              </a:ext>
+            </a:extLst>
+          </p:cNvPr>
+          <p:cNvSpPr/>
+          <p:nvPr/>
+        </p:nvSpPr>
+        <p:spPr>
+          <a:xfrm>
+            <a:off x="723900" y="2103436"/>
+            <a:ext cx="3000375" cy="1325564"/>
+          </a:xfrm>
+          <a:prstGeom prst="diamond">
+            <a:avLst/>
+          </a:prstGeom>
+          <a:solidFill>
+            <a:schemeClr val="accent6">
+              <a:lumMod val="20000"/>
+              <a:lumOff val="80000"/>
+            </a:schemeClr>
+          </a:solidFill>
+          <a:ln>
+            <a:noFill/>
+          </a:ln>
+          <a:effectLst>
+            <a:outerShdw blurRad="50800" dist="38100" dir="5400000" algn="t" rotWithShape="0">
+              <a:prstClr val="black">
+                <a:alpha val="40000"/>
+              </a:prstClr>
+            </a:outerShdw>
+          </a:effectLst>
+        </p:spPr>
+        <p:style>
+          <a:lnRef idx="2">
+            <a:schemeClr val="accent1">
+              <a:shade val="50000"/>
+            </a:schemeClr>
+          </a:lnRef>
+          <a:fillRef idx="1">
+            <a:schemeClr val="accent1"/>
+          </a:fillRef>
+          <a:effectRef idx="0">
+            <a:schemeClr val="accent1"/>
+          </a:effectRef>
+          <a:fontRef idx="minor">
+            <a:schemeClr val="lt1"/>
+          </a:fontRef>
+        </p:style>
+        <p:txBody>
+          <a:bodyPr rtlCol="0" anchor="ctr"/>
+          <a:lstStyle/>
+          <a:p>
+            <a:pPr algn="ctr"/>
+            <a:endParaRPr lang="en-GB"/>
+          </a:p>
+        </p:txBody>
+      </p:sp>
+      <p:pic>
+        <p:nvPicPr>
+          <p:cNvPr id="18" name="Picture 17" descr="Logo&#10;&#10;Description automatically generated">
+            <a:extLst>
+              <a:ext uri="{FF2B5EF4-FFF2-40B4-BE49-F238E27FC236}">
+                <a16:creationId xmlns:a16="http://schemas.microsoft.com/office/drawing/2014/main" id="{31B8B0D6-B8E6-AC49-AF62-4B9D87BF375E}"/>
+              </a:ext>
+            </a:extLst>
+          </p:cNvPr>
+          <p:cNvPicPr>
+            <a:picLocks noChangeAspect="1"/>
+          </p:cNvPicPr>
+          <p:nvPr/>
+        </p:nvPicPr>
+        <p:blipFill>
+          <a:blip r:embed="rId2">
+            <a:extLst>
+              <a:ext uri="{837473B0-CC2E-450A-ABE3-18F120FF3D39}">
+                <a1611:picAttrSrcUrl xmlns:a1611="http://schemas.microsoft.com/office/drawing/2016/11/main" r:id="rId3"/>
+              </a:ext>
+            </a:extLst>
+          </a:blip>
+          <a:stretch>
+            <a:fillRect/>
+          </a:stretch>
+        </p:blipFill>
+        <p:spPr>
+          <a:xfrm>
+            <a:off x="1671544" y="2270122"/>
+            <a:ext cx="1105088" cy="1040606"/>
+          </a:xfrm>
+          <a:prstGeom prst="rect">
+            <a:avLst/>
+          </a:prstGeom>
+        </p:spPr>
+      </p:pic>
+      <p:pic>
+        <p:nvPicPr>
+          <p:cNvPr id="4" name="Picture 3" descr="A red truck on a black background&#10;&#10;Description automatically generated with medium confidence">
+            <a:extLst>
+              <a:ext uri="{FF2B5EF4-FFF2-40B4-BE49-F238E27FC236}">
+                <a16:creationId xmlns:a16="http://schemas.microsoft.com/office/drawing/2014/main" id="{BBDE824C-5C9B-C94A-802E-B0E6E6E7C031}"/>
+              </a:ext>
+            </a:extLst>
+          </p:cNvPr>
+          <p:cNvPicPr>
+            <a:picLocks noChangeAspect="1"/>
+          </p:cNvPicPr>
+          <p:nvPr/>
+        </p:nvPicPr>
+        <p:blipFill>
+          <a:blip r:embed="rId4">
+            <a:extLst>
+              <a:ext uri="{837473B0-CC2E-450A-ABE3-18F120FF3D39}">
+                <a1611:picAttrSrcUrl xmlns:a1611="http://schemas.microsoft.com/office/drawing/2016/11/main" r:id="rId5"/>
+              </a:ext>
+            </a:extLst>
+          </a:blip>
+          <a:stretch>
+            <a:fillRect/>
+          </a:stretch>
+        </p:blipFill>
+        <p:spPr>
+          <a:xfrm>
+            <a:off x="2065489" y="3258341"/>
+            <a:ext cx="1064908" cy="822323"/>
+          </a:xfrm>
+          <a:prstGeom prst="rect">
+            <a:avLst/>
+          </a:prstGeom>
+        </p:spPr>
+      </p:pic>
+    </p:spTree>
+    <p:extLst>
+      <p:ext uri="{BB962C8B-B14F-4D97-AF65-F5344CB8AC3E}">
+        <p14:creationId xmlns:p14="http://schemas.microsoft.com/office/powerpoint/2010/main" val="1497070254"/>
+      </p:ext>
+    </p:extLst>
+  </p:cSld>
+  <p:clrMapOvr>
+    <a:masterClrMapping/>
+  </p:clrMapOvr>
+</p:sld>
+</file>
+
+<file path=ppt/slides/slide84.xml><?xml version="1.0" encoding="utf-8"?>
+<p:sld xmlns:a="http://schemas.openxmlformats.org/drawingml/2006/main" xmlns:r="http://schemas.openxmlformats.org/officeDocument/2006/relationships" xmlns:p="http://schemas.openxmlformats.org/presentationml/2006/main">
+  <p:cSld>
+    <p:spTree>
+      <p:nvGrpSpPr>
+        <p:cNvPr id="1" name=""/>
+        <p:cNvGrpSpPr/>
+        <p:nvPr/>
+      </p:nvGrpSpPr>
+      <p:grpSpPr>
+        <a:xfrm>
+          <a:off x="0" y="0"/>
+          <a:ext cx="0" cy="0"/>
+          <a:chOff x="0" y="0"/>
+          <a:chExt cx="0" cy="0"/>
+        </a:xfrm>
+      </p:grpSpPr>
+      <p:sp>
+        <p:nvSpPr>
+          <p:cNvPr id="2" name="Title 1">
+            <a:extLst>
+              <a:ext uri="{FF2B5EF4-FFF2-40B4-BE49-F238E27FC236}">
+                <a16:creationId xmlns:a16="http://schemas.microsoft.com/office/drawing/2014/main" id="{E87EF035-A96D-5A46-A6A5-34C1461D4522}"/>
+              </a:ext>
+            </a:extLst>
+          </p:cNvPr>
+          <p:cNvSpPr>
+            <a:spLocks noGrp="1"/>
+          </p:cNvSpPr>
+          <p:nvPr>
+            <p:ph type="title"/>
+          </p:nvPr>
+        </p:nvSpPr>
+        <p:spPr/>
+        <p:txBody>
+          <a:bodyPr/>
+          <a:lstStyle/>
+          <a:p>
+            <a:r>
+              <a:rPr lang="en-GB" dirty="0"/>
+              <a:t>The 4 main layers</a:t>
+            </a:r>
+          </a:p>
+        </p:txBody>
+      </p:sp>
+      <p:sp>
+        <p:nvSpPr>
+          <p:cNvPr id="11" name="Diamond 10">
+            <a:extLst>
+              <a:ext uri="{FF2B5EF4-FFF2-40B4-BE49-F238E27FC236}">
+                <a16:creationId xmlns:a16="http://schemas.microsoft.com/office/drawing/2014/main" id="{1ECAC96F-BF3B-A145-8844-E03D8E784C43}"/>
+              </a:ext>
+            </a:extLst>
+          </p:cNvPr>
+          <p:cNvSpPr/>
+          <p:nvPr/>
+        </p:nvSpPr>
+        <p:spPr>
+          <a:xfrm>
+            <a:off x="723898" y="4694235"/>
+            <a:ext cx="3000375" cy="1325564"/>
+          </a:xfrm>
+          <a:prstGeom prst="diamond">
+            <a:avLst/>
+          </a:prstGeom>
+          <a:solidFill>
+            <a:schemeClr val="accent2">
+              <a:lumMod val="75000"/>
+            </a:schemeClr>
+          </a:solidFill>
+          <a:ln>
+            <a:noFill/>
+          </a:ln>
+          <a:effectLst>
+            <a:outerShdw blurRad="50800" dist="38100" dir="5400000" algn="t" rotWithShape="0">
+              <a:prstClr val="black">
+                <a:alpha val="40000"/>
+              </a:prstClr>
+            </a:outerShdw>
+          </a:effectLst>
+        </p:spPr>
+        <p:style>
+          <a:lnRef idx="2">
+            <a:schemeClr val="accent1">
+              <a:shade val="50000"/>
+            </a:schemeClr>
+          </a:lnRef>
+          <a:fillRef idx="1">
+            <a:schemeClr val="accent1"/>
+          </a:fillRef>
+          <a:effectRef idx="0">
+            <a:schemeClr val="accent1"/>
+          </a:effectRef>
+          <a:fontRef idx="minor">
+            <a:schemeClr val="lt1"/>
+          </a:fontRef>
+        </p:style>
+        <p:txBody>
+          <a:bodyPr rtlCol="0" anchor="ctr"/>
+          <a:lstStyle/>
+          <a:p>
+            <a:pPr algn="ctr"/>
+            <a:endParaRPr lang="en-GB"/>
+          </a:p>
+        </p:txBody>
+      </p:sp>
+      <p:sp>
+        <p:nvSpPr>
+          <p:cNvPr id="10" name="Diamond 9">
+            <a:extLst>
+              <a:ext uri="{FF2B5EF4-FFF2-40B4-BE49-F238E27FC236}">
+                <a16:creationId xmlns:a16="http://schemas.microsoft.com/office/drawing/2014/main" id="{E54D520C-C6D4-D642-9104-56D577BE0AA8}"/>
+              </a:ext>
+            </a:extLst>
+          </p:cNvPr>
+          <p:cNvSpPr/>
+          <p:nvPr/>
+        </p:nvSpPr>
+        <p:spPr>
+          <a:xfrm>
+            <a:off x="723898" y="3841748"/>
+            <a:ext cx="3000375" cy="1325564"/>
+          </a:xfrm>
+          <a:prstGeom prst="diamond">
+            <a:avLst/>
+          </a:prstGeom>
+          <a:solidFill>
+            <a:schemeClr val="accent1">
+              <a:lumMod val="60000"/>
+              <a:lumOff val="40000"/>
+            </a:schemeClr>
+          </a:solidFill>
+          <a:ln>
+            <a:noFill/>
+          </a:ln>
+          <a:effectLst>
+            <a:outerShdw blurRad="50800" dist="38100" dir="5400000" algn="t" rotWithShape="0">
+              <a:prstClr val="black">
+                <a:alpha val="40000"/>
+              </a:prstClr>
+            </a:outerShdw>
+          </a:effectLst>
+        </p:spPr>
+        <p:style>
+          <a:lnRef idx="2">
+            <a:schemeClr val="accent1">
+              <a:shade val="50000"/>
+            </a:schemeClr>
+          </a:lnRef>
+          <a:fillRef idx="1">
+            <a:schemeClr val="accent1"/>
+          </a:fillRef>
+          <a:effectRef idx="0">
+            <a:schemeClr val="accent1"/>
+          </a:effectRef>
+          <a:fontRef idx="minor">
+            <a:schemeClr val="lt1"/>
+          </a:fontRef>
+        </p:style>
+        <p:txBody>
+          <a:bodyPr rtlCol="0" anchor="ctr"/>
+          <a:lstStyle/>
+          <a:p>
+            <a:pPr algn="ctr"/>
+            <a:endParaRPr lang="en-GB"/>
+          </a:p>
+        </p:txBody>
+      </p:sp>
+      <p:sp>
+        <p:nvSpPr>
+          <p:cNvPr id="9" name="Diamond 8">
+            <a:extLst>
+              <a:ext uri="{FF2B5EF4-FFF2-40B4-BE49-F238E27FC236}">
+                <a16:creationId xmlns:a16="http://schemas.microsoft.com/office/drawing/2014/main" id="{D49B4A69-B016-A44F-903A-E68C2C104364}"/>
+              </a:ext>
+            </a:extLst>
+          </p:cNvPr>
+          <p:cNvSpPr/>
+          <p:nvPr/>
+        </p:nvSpPr>
+        <p:spPr>
+          <a:xfrm>
+            <a:off x="723899" y="2955923"/>
+            <a:ext cx="3000375" cy="1325564"/>
+          </a:xfrm>
+          <a:prstGeom prst="diamond">
+            <a:avLst/>
+          </a:prstGeom>
+          <a:solidFill>
+            <a:schemeClr val="accent4"/>
+          </a:solidFill>
+          <a:ln>
+            <a:noFill/>
+          </a:ln>
+          <a:effectLst>
+            <a:outerShdw blurRad="50800" dist="38100" dir="5400000" algn="t" rotWithShape="0">
+              <a:prstClr val="black">
+                <a:alpha val="40000"/>
+              </a:prstClr>
+            </a:outerShdw>
+          </a:effectLst>
+        </p:spPr>
+        <p:style>
+          <a:lnRef idx="2">
+            <a:schemeClr val="accent1">
+              <a:shade val="50000"/>
+            </a:schemeClr>
+          </a:lnRef>
+          <a:fillRef idx="1">
+            <a:schemeClr val="accent1"/>
+          </a:fillRef>
+          <a:effectRef idx="0">
+            <a:schemeClr val="accent1"/>
+          </a:effectRef>
+          <a:fontRef idx="minor">
+            <a:schemeClr val="lt1"/>
+          </a:fontRef>
+        </p:style>
+        <p:txBody>
+          <a:bodyPr rtlCol="0" anchor="ctr"/>
+          <a:lstStyle/>
+          <a:p>
+            <a:pPr algn="ctr"/>
+            <a:endParaRPr lang="en-GB"/>
+          </a:p>
+        </p:txBody>
+      </p:sp>
+      <p:sp>
+        <p:nvSpPr>
+          <p:cNvPr id="8" name="Diamond 7">
+            <a:extLst>
+              <a:ext uri="{FF2B5EF4-FFF2-40B4-BE49-F238E27FC236}">
+                <a16:creationId xmlns:a16="http://schemas.microsoft.com/office/drawing/2014/main" id="{8E9CF4DA-64E4-1D4C-8D87-3393CC333B47}"/>
+              </a:ext>
+            </a:extLst>
+          </p:cNvPr>
+          <p:cNvSpPr/>
+          <p:nvPr/>
+        </p:nvSpPr>
+        <p:spPr>
+          <a:xfrm>
+            <a:off x="723900" y="2103436"/>
+            <a:ext cx="3000375" cy="1325564"/>
+          </a:xfrm>
+          <a:prstGeom prst="diamond">
+            <a:avLst/>
+          </a:prstGeom>
+          <a:solidFill>
+            <a:schemeClr val="accent6">
+              <a:lumMod val="20000"/>
+              <a:lumOff val="80000"/>
+            </a:schemeClr>
+          </a:solidFill>
+          <a:ln>
+            <a:noFill/>
+          </a:ln>
+          <a:effectLst>
+            <a:outerShdw blurRad="50800" dist="38100" dir="5400000" algn="t" rotWithShape="0">
+              <a:prstClr val="black">
+                <a:alpha val="40000"/>
+              </a:prstClr>
+            </a:outerShdw>
+          </a:effectLst>
+        </p:spPr>
+        <p:style>
+          <a:lnRef idx="2">
+            <a:schemeClr val="accent1">
+              <a:shade val="50000"/>
+            </a:schemeClr>
+          </a:lnRef>
+          <a:fillRef idx="1">
+            <a:schemeClr val="accent1"/>
+          </a:fillRef>
+          <a:effectRef idx="0">
+            <a:schemeClr val="accent1"/>
+          </a:effectRef>
+          <a:fontRef idx="minor">
+            <a:schemeClr val="lt1"/>
+          </a:fontRef>
+        </p:style>
+        <p:txBody>
+          <a:bodyPr rtlCol="0" anchor="ctr"/>
+          <a:lstStyle/>
+          <a:p>
+            <a:pPr algn="ctr"/>
+            <a:endParaRPr lang="en-GB"/>
+          </a:p>
+        </p:txBody>
+      </p:sp>
+      <p:pic>
+        <p:nvPicPr>
+          <p:cNvPr id="18" name="Picture 17" descr="Logo&#10;&#10;Description automatically generated">
+            <a:extLst>
+              <a:ext uri="{FF2B5EF4-FFF2-40B4-BE49-F238E27FC236}">
+                <a16:creationId xmlns:a16="http://schemas.microsoft.com/office/drawing/2014/main" id="{31B8B0D6-B8E6-AC49-AF62-4B9D87BF375E}"/>
+              </a:ext>
+            </a:extLst>
+          </p:cNvPr>
+          <p:cNvPicPr>
+            <a:picLocks noChangeAspect="1"/>
+          </p:cNvPicPr>
+          <p:nvPr/>
+        </p:nvPicPr>
+        <p:blipFill>
+          <a:blip r:embed="rId2">
+            <a:extLst>
+              <a:ext uri="{837473B0-CC2E-450A-ABE3-18F120FF3D39}">
+                <a1611:picAttrSrcUrl xmlns:a1611="http://schemas.microsoft.com/office/drawing/2016/11/main" r:id="rId3"/>
+              </a:ext>
+            </a:extLst>
+          </a:blip>
+          <a:stretch>
+            <a:fillRect/>
+          </a:stretch>
+        </p:blipFill>
+        <p:spPr>
+          <a:xfrm>
+            <a:off x="1671544" y="2270122"/>
+            <a:ext cx="1105088" cy="1040606"/>
+          </a:xfrm>
+          <a:prstGeom prst="rect">
+            <a:avLst/>
+          </a:prstGeom>
+        </p:spPr>
+      </p:pic>
+      <p:pic>
+        <p:nvPicPr>
+          <p:cNvPr id="4" name="Picture 3" descr="A red truck on a black background&#10;&#10;Description automatically generated with medium confidence">
+            <a:extLst>
+              <a:ext uri="{FF2B5EF4-FFF2-40B4-BE49-F238E27FC236}">
+                <a16:creationId xmlns:a16="http://schemas.microsoft.com/office/drawing/2014/main" id="{BBDE824C-5C9B-C94A-802E-B0E6E6E7C031}"/>
+              </a:ext>
+            </a:extLst>
+          </p:cNvPr>
+          <p:cNvPicPr>
+            <a:picLocks noChangeAspect="1"/>
+          </p:cNvPicPr>
+          <p:nvPr/>
+        </p:nvPicPr>
+        <p:blipFill>
+          <a:blip r:embed="rId4">
+            <a:extLst>
+              <a:ext uri="{837473B0-CC2E-450A-ABE3-18F120FF3D39}">
+                <a1611:picAttrSrcUrl xmlns:a1611="http://schemas.microsoft.com/office/drawing/2016/11/main" r:id="rId5"/>
+              </a:ext>
+            </a:extLst>
+          </a:blip>
+          <a:stretch>
+            <a:fillRect/>
+          </a:stretch>
+        </p:blipFill>
+        <p:spPr>
+          <a:xfrm>
+            <a:off x="2065489" y="3258341"/>
+            <a:ext cx="1064908" cy="822323"/>
+          </a:xfrm>
+          <a:prstGeom prst="rect">
+            <a:avLst/>
+          </a:prstGeom>
+        </p:spPr>
+      </p:pic>
+      <p:sp>
+        <p:nvSpPr>
+          <p:cNvPr id="12" name="TextBox 11">
+            <a:extLst>
+              <a:ext uri="{FF2B5EF4-FFF2-40B4-BE49-F238E27FC236}">
+                <a16:creationId xmlns:a16="http://schemas.microsoft.com/office/drawing/2014/main" id="{4BD31203-113A-FA48-8FD4-A251F08D95ED}"/>
+              </a:ext>
+            </a:extLst>
+          </p:cNvPr>
+          <p:cNvSpPr txBox="1"/>
+          <p:nvPr/>
+        </p:nvSpPr>
+        <p:spPr>
+          <a:xfrm>
+            <a:off x="4850604" y="3966983"/>
+            <a:ext cx="6100762" cy="1754326"/>
+          </a:xfrm>
+          <a:prstGeom prst="rect">
+            <a:avLst/>
+          </a:prstGeom>
+          <a:noFill/>
+        </p:spPr>
+        <p:txBody>
+          <a:bodyPr wrap="square">
+            <a:spAutoFit/>
+          </a:bodyPr>
+          <a:lstStyle/>
+          <a:p>
+            <a:pPr algn="l"/>
+            <a:r>
+              <a:rPr lang="en-GB" b="1" i="0" strike="noStrike" dirty="0">
+                <a:solidFill>
+                  <a:srgbClr val="231F20"/>
+                </a:solidFill>
+                <a:effectLst/>
+              </a:rPr>
+              <a:t>Network layer </a:t>
+            </a:r>
+            <a:endParaRPr lang="en-GB" b="1" dirty="0">
+              <a:solidFill>
+                <a:srgbClr val="231F20"/>
+              </a:solidFill>
+            </a:endParaRPr>
+          </a:p>
+          <a:p>
+            <a:pPr marL="285750" indent="-285750" algn="l">
+              <a:buFont typeface="Arial" panose="020B0604020202020204" pitchFamily="34" charset="0"/>
+              <a:buChar char="•"/>
+            </a:pPr>
+            <a:r>
+              <a:rPr lang="en-GB" dirty="0">
+                <a:solidFill>
+                  <a:srgbClr val="231F20"/>
+                </a:solidFill>
+              </a:rPr>
+              <a:t>T</a:t>
+            </a:r>
+            <a:r>
+              <a:rPr lang="en-GB" i="0" strike="noStrike" dirty="0">
+                <a:solidFill>
+                  <a:srgbClr val="231F20"/>
+                </a:solidFill>
+                <a:effectLst/>
+              </a:rPr>
+              <a:t>his adds the sender’s and recipient’s IP addresses to the packet, and packages the data to make it ready for transmission</a:t>
+            </a:r>
+            <a:endParaRPr lang="en-GB" dirty="0">
+              <a:solidFill>
+                <a:srgbClr val="231F20"/>
+              </a:solidFill>
+            </a:endParaRPr>
+          </a:p>
+          <a:p>
+            <a:pPr marL="285750" indent="-285750" algn="l">
+              <a:buFont typeface="Arial" panose="020B0604020202020204" pitchFamily="34" charset="0"/>
+              <a:buChar char="•"/>
+            </a:pPr>
+            <a:r>
+              <a:rPr lang="en-GB" i="0" strike="noStrike" dirty="0">
+                <a:solidFill>
+                  <a:srgbClr val="231F20"/>
+                </a:solidFill>
+                <a:effectLst/>
+              </a:rPr>
+              <a:t>The network layer also routes the packets across the network.</a:t>
+            </a:r>
+          </a:p>
+        </p:txBody>
+      </p:sp>
+      <p:cxnSp>
+        <p:nvCxnSpPr>
+          <p:cNvPr id="14" name="Straight Arrow Connector 13">
+            <a:extLst>
+              <a:ext uri="{FF2B5EF4-FFF2-40B4-BE49-F238E27FC236}">
+                <a16:creationId xmlns:a16="http://schemas.microsoft.com/office/drawing/2014/main" id="{25CD875E-D970-264A-915A-98BAEF2DDC8B}"/>
+              </a:ext>
+            </a:extLst>
+          </p:cNvPr>
+          <p:cNvCxnSpPr>
+            <a:cxnSpLocks/>
+          </p:cNvCxnSpPr>
+          <p:nvPr/>
+        </p:nvCxnSpPr>
+        <p:spPr>
+          <a:xfrm flipH="1">
+            <a:off x="3724273" y="4509294"/>
+            <a:ext cx="1126331" cy="0"/>
+          </a:xfrm>
+          <a:prstGeom prst="straightConnector1">
+            <a:avLst/>
+          </a:prstGeom>
+          <a:ln w="38100">
+            <a:solidFill>
+              <a:schemeClr val="tx1"/>
+            </a:solidFill>
+            <a:tailEnd type="triangle"/>
+          </a:ln>
+        </p:spPr>
+        <p:style>
+          <a:lnRef idx="1">
+            <a:schemeClr val="accent1"/>
+          </a:lnRef>
+          <a:fillRef idx="0">
+            <a:schemeClr val="accent1"/>
+          </a:fillRef>
+          <a:effectRef idx="0">
+            <a:schemeClr val="accent1"/>
+          </a:effectRef>
+          <a:fontRef idx="minor">
+            <a:schemeClr val="tx1"/>
+          </a:fontRef>
+        </p:style>
+      </p:cxnSp>
+      <p:pic>
+        <p:nvPicPr>
+          <p:cNvPr id="20" name="Picture 19" descr="Logo&#10;&#10;Description automatically generated">
+            <a:extLst>
+              <a:ext uri="{FF2B5EF4-FFF2-40B4-BE49-F238E27FC236}">
+                <a16:creationId xmlns:a16="http://schemas.microsoft.com/office/drawing/2014/main" id="{49D0BE42-D008-AB47-AB6D-F3D2E870E50E}"/>
+              </a:ext>
+            </a:extLst>
+          </p:cNvPr>
+          <p:cNvPicPr>
+            <a:picLocks noChangeAspect="1"/>
+          </p:cNvPicPr>
+          <p:nvPr/>
+        </p:nvPicPr>
+        <p:blipFill>
+          <a:blip r:embed="rId6">
+            <a:extLst>
+              <a:ext uri="{837473B0-CC2E-450A-ABE3-18F120FF3D39}">
+                <a1611:picAttrSrcUrl xmlns:a1611="http://schemas.microsoft.com/office/drawing/2016/11/main" r:id="rId7"/>
+              </a:ext>
+            </a:extLst>
+          </a:blip>
+          <a:stretch>
+            <a:fillRect/>
+          </a:stretch>
+        </p:blipFill>
+        <p:spPr>
+          <a:xfrm>
+            <a:off x="2171765" y="4114801"/>
+            <a:ext cx="892051" cy="868127"/>
+          </a:xfrm>
+          <a:prstGeom prst="rect">
+            <a:avLst/>
+          </a:prstGeom>
+        </p:spPr>
+      </p:pic>
+    </p:spTree>
+    <p:extLst>
+      <p:ext uri="{BB962C8B-B14F-4D97-AF65-F5344CB8AC3E}">
+        <p14:creationId xmlns:p14="http://schemas.microsoft.com/office/powerpoint/2010/main" val="109423083"/>
+      </p:ext>
+    </p:extLst>
+  </p:cSld>
+  <p:clrMapOvr>
+    <a:masterClrMapping/>
+  </p:clrMapOvr>
+</p:sld>
+</file>
+
+<file path=ppt/slides/slide85.xml><?xml version="1.0" encoding="utf-8"?>
+<p:sld xmlns:a="http://schemas.openxmlformats.org/drawingml/2006/main" xmlns:r="http://schemas.openxmlformats.org/officeDocument/2006/relationships" xmlns:p="http://schemas.openxmlformats.org/presentationml/2006/main">
+  <p:cSld>
+    <p:spTree>
+      <p:nvGrpSpPr>
+        <p:cNvPr id="1" name=""/>
+        <p:cNvGrpSpPr/>
+        <p:nvPr/>
+      </p:nvGrpSpPr>
+      <p:grpSpPr>
+        <a:xfrm>
+          <a:off x="0" y="0"/>
+          <a:ext cx="0" cy="0"/>
+          <a:chOff x="0" y="0"/>
+          <a:chExt cx="0" cy="0"/>
+        </a:xfrm>
+      </p:grpSpPr>
+      <p:sp>
+        <p:nvSpPr>
+          <p:cNvPr id="2" name="Title 1">
+            <a:extLst>
+              <a:ext uri="{FF2B5EF4-FFF2-40B4-BE49-F238E27FC236}">
+                <a16:creationId xmlns:a16="http://schemas.microsoft.com/office/drawing/2014/main" id="{E87EF035-A96D-5A46-A6A5-34C1461D4522}"/>
+              </a:ext>
+            </a:extLst>
+          </p:cNvPr>
+          <p:cNvSpPr>
+            <a:spLocks noGrp="1"/>
+          </p:cNvSpPr>
+          <p:nvPr>
+            <p:ph type="title"/>
+          </p:nvPr>
+        </p:nvSpPr>
+        <p:spPr/>
+        <p:txBody>
+          <a:bodyPr/>
+          <a:lstStyle/>
+          <a:p>
+            <a:r>
+              <a:rPr lang="en-GB" dirty="0"/>
+              <a:t>The 4 main layers</a:t>
+            </a:r>
+          </a:p>
+        </p:txBody>
+      </p:sp>
+      <p:sp>
+        <p:nvSpPr>
+          <p:cNvPr id="11" name="Diamond 10">
+            <a:extLst>
+              <a:ext uri="{FF2B5EF4-FFF2-40B4-BE49-F238E27FC236}">
+                <a16:creationId xmlns:a16="http://schemas.microsoft.com/office/drawing/2014/main" id="{1ECAC96F-BF3B-A145-8844-E03D8E784C43}"/>
+              </a:ext>
+            </a:extLst>
+          </p:cNvPr>
+          <p:cNvSpPr/>
+          <p:nvPr/>
+        </p:nvSpPr>
+        <p:spPr>
+          <a:xfrm>
+            <a:off x="723898" y="4694235"/>
+            <a:ext cx="3000375" cy="1325564"/>
+          </a:xfrm>
+          <a:prstGeom prst="diamond">
+            <a:avLst/>
+          </a:prstGeom>
+          <a:solidFill>
+            <a:schemeClr val="accent2">
+              <a:lumMod val="75000"/>
+            </a:schemeClr>
+          </a:solidFill>
+          <a:ln>
+            <a:noFill/>
+          </a:ln>
+          <a:effectLst>
+            <a:outerShdw blurRad="50800" dist="38100" dir="5400000" algn="t" rotWithShape="0">
+              <a:prstClr val="black">
+                <a:alpha val="40000"/>
+              </a:prstClr>
+            </a:outerShdw>
+          </a:effectLst>
+        </p:spPr>
+        <p:style>
+          <a:lnRef idx="2">
+            <a:schemeClr val="accent1">
+              <a:shade val="50000"/>
+            </a:schemeClr>
+          </a:lnRef>
+          <a:fillRef idx="1">
+            <a:schemeClr val="accent1"/>
+          </a:fillRef>
+          <a:effectRef idx="0">
+            <a:schemeClr val="accent1"/>
+          </a:effectRef>
+          <a:fontRef idx="minor">
+            <a:schemeClr val="lt1"/>
+          </a:fontRef>
+        </p:style>
+        <p:txBody>
+          <a:bodyPr rtlCol="0" anchor="ctr"/>
+          <a:lstStyle/>
+          <a:p>
+            <a:pPr algn="ctr"/>
+            <a:endParaRPr lang="en-GB"/>
+          </a:p>
+        </p:txBody>
+      </p:sp>
+      <p:sp>
+        <p:nvSpPr>
+          <p:cNvPr id="10" name="Diamond 9">
+            <a:extLst>
+              <a:ext uri="{FF2B5EF4-FFF2-40B4-BE49-F238E27FC236}">
+                <a16:creationId xmlns:a16="http://schemas.microsoft.com/office/drawing/2014/main" id="{E54D520C-C6D4-D642-9104-56D577BE0AA8}"/>
+              </a:ext>
+            </a:extLst>
+          </p:cNvPr>
+          <p:cNvSpPr/>
+          <p:nvPr/>
+        </p:nvSpPr>
+        <p:spPr>
+          <a:xfrm>
+            <a:off x="723898" y="3841748"/>
+            <a:ext cx="3000375" cy="1325564"/>
+          </a:xfrm>
+          <a:prstGeom prst="diamond">
+            <a:avLst/>
+          </a:prstGeom>
+          <a:solidFill>
+            <a:schemeClr val="accent1">
+              <a:lumMod val="60000"/>
+              <a:lumOff val="40000"/>
+            </a:schemeClr>
+          </a:solidFill>
+          <a:ln>
+            <a:noFill/>
+          </a:ln>
+          <a:effectLst>
+            <a:outerShdw blurRad="50800" dist="38100" dir="5400000" algn="t" rotWithShape="0">
+              <a:prstClr val="black">
+                <a:alpha val="40000"/>
+              </a:prstClr>
+            </a:outerShdw>
+          </a:effectLst>
+        </p:spPr>
+        <p:style>
+          <a:lnRef idx="2">
+            <a:schemeClr val="accent1">
+              <a:shade val="50000"/>
+            </a:schemeClr>
+          </a:lnRef>
+          <a:fillRef idx="1">
+            <a:schemeClr val="accent1"/>
+          </a:fillRef>
+          <a:effectRef idx="0">
+            <a:schemeClr val="accent1"/>
+          </a:effectRef>
+          <a:fontRef idx="minor">
+            <a:schemeClr val="lt1"/>
+          </a:fontRef>
+        </p:style>
+        <p:txBody>
+          <a:bodyPr rtlCol="0" anchor="ctr"/>
+          <a:lstStyle/>
+          <a:p>
+            <a:pPr algn="ctr"/>
+            <a:endParaRPr lang="en-GB"/>
+          </a:p>
+        </p:txBody>
+      </p:sp>
+      <p:sp>
+        <p:nvSpPr>
+          <p:cNvPr id="9" name="Diamond 8">
+            <a:extLst>
+              <a:ext uri="{FF2B5EF4-FFF2-40B4-BE49-F238E27FC236}">
+                <a16:creationId xmlns:a16="http://schemas.microsoft.com/office/drawing/2014/main" id="{D49B4A69-B016-A44F-903A-E68C2C104364}"/>
+              </a:ext>
+            </a:extLst>
+          </p:cNvPr>
+          <p:cNvSpPr/>
+          <p:nvPr/>
+        </p:nvSpPr>
+        <p:spPr>
+          <a:xfrm>
+            <a:off x="723899" y="2955923"/>
+            <a:ext cx="3000375" cy="1325564"/>
+          </a:xfrm>
+          <a:prstGeom prst="diamond">
+            <a:avLst/>
+          </a:prstGeom>
+          <a:solidFill>
+            <a:schemeClr val="accent4"/>
+          </a:solidFill>
+          <a:ln>
+            <a:noFill/>
+          </a:ln>
+          <a:effectLst>
+            <a:outerShdw blurRad="50800" dist="38100" dir="5400000" algn="t" rotWithShape="0">
+              <a:prstClr val="black">
+                <a:alpha val="40000"/>
+              </a:prstClr>
+            </a:outerShdw>
+          </a:effectLst>
+        </p:spPr>
+        <p:style>
+          <a:lnRef idx="2">
+            <a:schemeClr val="accent1">
+              <a:shade val="50000"/>
+            </a:schemeClr>
+          </a:lnRef>
+          <a:fillRef idx="1">
+            <a:schemeClr val="accent1"/>
+          </a:fillRef>
+          <a:effectRef idx="0">
+            <a:schemeClr val="accent1"/>
+          </a:effectRef>
+          <a:fontRef idx="minor">
+            <a:schemeClr val="lt1"/>
+          </a:fontRef>
+        </p:style>
+        <p:txBody>
+          <a:bodyPr rtlCol="0" anchor="ctr"/>
+          <a:lstStyle/>
+          <a:p>
+            <a:pPr algn="ctr"/>
+            <a:endParaRPr lang="en-GB"/>
+          </a:p>
+        </p:txBody>
+      </p:sp>
+      <p:sp>
+        <p:nvSpPr>
+          <p:cNvPr id="8" name="Diamond 7">
+            <a:extLst>
+              <a:ext uri="{FF2B5EF4-FFF2-40B4-BE49-F238E27FC236}">
+                <a16:creationId xmlns:a16="http://schemas.microsoft.com/office/drawing/2014/main" id="{8E9CF4DA-64E4-1D4C-8D87-3393CC333B47}"/>
+              </a:ext>
+            </a:extLst>
+          </p:cNvPr>
+          <p:cNvSpPr/>
+          <p:nvPr/>
+        </p:nvSpPr>
+        <p:spPr>
+          <a:xfrm>
+            <a:off x="723900" y="2103436"/>
+            <a:ext cx="3000375" cy="1325564"/>
+          </a:xfrm>
+          <a:prstGeom prst="diamond">
+            <a:avLst/>
+          </a:prstGeom>
+          <a:solidFill>
+            <a:schemeClr val="accent6">
+              <a:lumMod val="20000"/>
+              <a:lumOff val="80000"/>
+            </a:schemeClr>
+          </a:solidFill>
+          <a:ln>
+            <a:noFill/>
+          </a:ln>
+          <a:effectLst>
+            <a:outerShdw blurRad="50800" dist="38100" dir="5400000" algn="t" rotWithShape="0">
+              <a:prstClr val="black">
+                <a:alpha val="40000"/>
+              </a:prstClr>
+            </a:outerShdw>
+          </a:effectLst>
+        </p:spPr>
+        <p:style>
+          <a:lnRef idx="2">
+            <a:schemeClr val="accent1">
+              <a:shade val="50000"/>
+            </a:schemeClr>
+          </a:lnRef>
+          <a:fillRef idx="1">
+            <a:schemeClr val="accent1"/>
+          </a:fillRef>
+          <a:effectRef idx="0">
+            <a:schemeClr val="accent1"/>
+          </a:effectRef>
+          <a:fontRef idx="minor">
+            <a:schemeClr val="lt1"/>
+          </a:fontRef>
+        </p:style>
+        <p:txBody>
+          <a:bodyPr rtlCol="0" anchor="ctr"/>
+          <a:lstStyle/>
+          <a:p>
+            <a:pPr algn="ctr"/>
+            <a:endParaRPr lang="en-GB"/>
+          </a:p>
+        </p:txBody>
+      </p:sp>
+      <p:pic>
+        <p:nvPicPr>
+          <p:cNvPr id="18" name="Picture 17" descr="Logo&#10;&#10;Description automatically generated">
+            <a:extLst>
+              <a:ext uri="{FF2B5EF4-FFF2-40B4-BE49-F238E27FC236}">
+                <a16:creationId xmlns:a16="http://schemas.microsoft.com/office/drawing/2014/main" id="{31B8B0D6-B8E6-AC49-AF62-4B9D87BF375E}"/>
+              </a:ext>
+            </a:extLst>
+          </p:cNvPr>
+          <p:cNvPicPr>
+            <a:picLocks noChangeAspect="1"/>
+          </p:cNvPicPr>
+          <p:nvPr/>
+        </p:nvPicPr>
+        <p:blipFill>
+          <a:blip r:embed="rId2">
+            <a:extLst>
+              <a:ext uri="{837473B0-CC2E-450A-ABE3-18F120FF3D39}">
+                <a1611:picAttrSrcUrl xmlns:a1611="http://schemas.microsoft.com/office/drawing/2016/11/main" r:id="rId3"/>
+              </a:ext>
+            </a:extLst>
+          </a:blip>
+          <a:stretch>
+            <a:fillRect/>
+          </a:stretch>
+        </p:blipFill>
+        <p:spPr>
+          <a:xfrm>
+            <a:off x="1671544" y="2270122"/>
+            <a:ext cx="1105088" cy="1040606"/>
+          </a:xfrm>
+          <a:prstGeom prst="rect">
+            <a:avLst/>
+          </a:prstGeom>
+        </p:spPr>
+      </p:pic>
+      <p:pic>
+        <p:nvPicPr>
+          <p:cNvPr id="4" name="Picture 3" descr="A red truck on a black background&#10;&#10;Description automatically generated with medium confidence">
+            <a:extLst>
+              <a:ext uri="{FF2B5EF4-FFF2-40B4-BE49-F238E27FC236}">
+                <a16:creationId xmlns:a16="http://schemas.microsoft.com/office/drawing/2014/main" id="{BBDE824C-5C9B-C94A-802E-B0E6E6E7C031}"/>
+              </a:ext>
+            </a:extLst>
+          </p:cNvPr>
+          <p:cNvPicPr>
+            <a:picLocks noChangeAspect="1"/>
+          </p:cNvPicPr>
+          <p:nvPr/>
+        </p:nvPicPr>
+        <p:blipFill>
+          <a:blip r:embed="rId4">
+            <a:extLst>
+              <a:ext uri="{837473B0-CC2E-450A-ABE3-18F120FF3D39}">
+                <a1611:picAttrSrcUrl xmlns:a1611="http://schemas.microsoft.com/office/drawing/2016/11/main" r:id="rId5"/>
+              </a:ext>
+            </a:extLst>
+          </a:blip>
+          <a:stretch>
+            <a:fillRect/>
+          </a:stretch>
+        </p:blipFill>
+        <p:spPr>
+          <a:xfrm>
+            <a:off x="2065489" y="3258341"/>
+            <a:ext cx="1064908" cy="822323"/>
+          </a:xfrm>
+          <a:prstGeom prst="rect">
+            <a:avLst/>
+          </a:prstGeom>
+        </p:spPr>
+      </p:pic>
+      <p:pic>
+        <p:nvPicPr>
+          <p:cNvPr id="20" name="Picture 19" descr="Logo&#10;&#10;Description automatically generated">
+            <a:extLst>
+              <a:ext uri="{FF2B5EF4-FFF2-40B4-BE49-F238E27FC236}">
+                <a16:creationId xmlns:a16="http://schemas.microsoft.com/office/drawing/2014/main" id="{49D0BE42-D008-AB47-AB6D-F3D2E870E50E}"/>
+              </a:ext>
+            </a:extLst>
+          </p:cNvPr>
+          <p:cNvPicPr>
+            <a:picLocks noChangeAspect="1"/>
+          </p:cNvPicPr>
+          <p:nvPr/>
+        </p:nvPicPr>
+        <p:blipFill>
+          <a:blip r:embed="rId6">
+            <a:extLst>
+              <a:ext uri="{837473B0-CC2E-450A-ABE3-18F120FF3D39}">
+                <a1611:picAttrSrcUrl xmlns:a1611="http://schemas.microsoft.com/office/drawing/2016/11/main" r:id="rId7"/>
+              </a:ext>
+            </a:extLst>
+          </a:blip>
+          <a:stretch>
+            <a:fillRect/>
+          </a:stretch>
+        </p:blipFill>
+        <p:spPr>
+          <a:xfrm>
+            <a:off x="2171765" y="4114801"/>
+            <a:ext cx="892051" cy="868127"/>
+          </a:xfrm>
+          <a:prstGeom prst="rect">
+            <a:avLst/>
+          </a:prstGeom>
+        </p:spPr>
+      </p:pic>
+    </p:spTree>
+    <p:extLst>
+      <p:ext uri="{BB962C8B-B14F-4D97-AF65-F5344CB8AC3E}">
+        <p14:creationId xmlns:p14="http://schemas.microsoft.com/office/powerpoint/2010/main" val="3551869278"/>
+      </p:ext>
+    </p:extLst>
+  </p:cSld>
+  <p:clrMapOvr>
+    <a:masterClrMapping/>
+  </p:clrMapOvr>
+</p:sld>
+</file>
+
+<file path=ppt/slides/slide86.xml><?xml version="1.0" encoding="utf-8"?>
+<p:sld xmlns:a="http://schemas.openxmlformats.org/drawingml/2006/main" xmlns:r="http://schemas.openxmlformats.org/officeDocument/2006/relationships" xmlns:p="http://schemas.openxmlformats.org/presentationml/2006/main">
+  <p:cSld>
+    <p:spTree>
+      <p:nvGrpSpPr>
+        <p:cNvPr id="1" name=""/>
+        <p:cNvGrpSpPr/>
+        <p:nvPr/>
+      </p:nvGrpSpPr>
+      <p:grpSpPr>
+        <a:xfrm>
+          <a:off x="0" y="0"/>
+          <a:ext cx="0" cy="0"/>
+          <a:chOff x="0" y="0"/>
+          <a:chExt cx="0" cy="0"/>
+        </a:xfrm>
+      </p:grpSpPr>
+      <p:sp>
+        <p:nvSpPr>
+          <p:cNvPr id="2" name="Title 1">
+            <a:extLst>
+              <a:ext uri="{FF2B5EF4-FFF2-40B4-BE49-F238E27FC236}">
+                <a16:creationId xmlns:a16="http://schemas.microsoft.com/office/drawing/2014/main" id="{E87EF035-A96D-5A46-A6A5-34C1461D4522}"/>
+              </a:ext>
+            </a:extLst>
+          </p:cNvPr>
+          <p:cNvSpPr>
+            <a:spLocks noGrp="1"/>
+          </p:cNvSpPr>
+          <p:nvPr>
+            <p:ph type="title"/>
+          </p:nvPr>
+        </p:nvSpPr>
+        <p:spPr/>
+        <p:txBody>
+          <a:bodyPr/>
+          <a:lstStyle/>
+          <a:p>
+            <a:r>
+              <a:rPr lang="en-GB" dirty="0"/>
+              <a:t>The 4 main layers</a:t>
+            </a:r>
+          </a:p>
+        </p:txBody>
+      </p:sp>
+      <p:sp>
+        <p:nvSpPr>
+          <p:cNvPr id="11" name="Diamond 10">
+            <a:extLst>
+              <a:ext uri="{FF2B5EF4-FFF2-40B4-BE49-F238E27FC236}">
+                <a16:creationId xmlns:a16="http://schemas.microsoft.com/office/drawing/2014/main" id="{1ECAC96F-BF3B-A145-8844-E03D8E784C43}"/>
+              </a:ext>
+            </a:extLst>
+          </p:cNvPr>
+          <p:cNvSpPr/>
+          <p:nvPr/>
+        </p:nvSpPr>
+        <p:spPr>
+          <a:xfrm>
+            <a:off x="723898" y="4694235"/>
+            <a:ext cx="3000375" cy="1325564"/>
+          </a:xfrm>
+          <a:prstGeom prst="diamond">
+            <a:avLst/>
+          </a:prstGeom>
+          <a:solidFill>
+            <a:schemeClr val="accent2">
+              <a:lumMod val="75000"/>
+            </a:schemeClr>
+          </a:solidFill>
+          <a:ln>
+            <a:noFill/>
+          </a:ln>
+          <a:effectLst>
+            <a:outerShdw blurRad="50800" dist="38100" dir="5400000" algn="t" rotWithShape="0">
+              <a:prstClr val="black">
+                <a:alpha val="40000"/>
+              </a:prstClr>
+            </a:outerShdw>
+          </a:effectLst>
+        </p:spPr>
+        <p:style>
+          <a:lnRef idx="2">
+            <a:schemeClr val="accent1">
+              <a:shade val="50000"/>
+            </a:schemeClr>
+          </a:lnRef>
+          <a:fillRef idx="1">
+            <a:schemeClr val="accent1"/>
+          </a:fillRef>
+          <a:effectRef idx="0">
+            <a:schemeClr val="accent1"/>
+          </a:effectRef>
+          <a:fontRef idx="minor">
+            <a:schemeClr val="lt1"/>
+          </a:fontRef>
+        </p:style>
+        <p:txBody>
+          <a:bodyPr rtlCol="0" anchor="ctr"/>
+          <a:lstStyle/>
+          <a:p>
+            <a:pPr algn="ctr"/>
+            <a:endParaRPr lang="en-GB"/>
+          </a:p>
+        </p:txBody>
+      </p:sp>
+      <p:sp>
+        <p:nvSpPr>
+          <p:cNvPr id="10" name="Diamond 9">
+            <a:extLst>
+              <a:ext uri="{FF2B5EF4-FFF2-40B4-BE49-F238E27FC236}">
+                <a16:creationId xmlns:a16="http://schemas.microsoft.com/office/drawing/2014/main" id="{E54D520C-C6D4-D642-9104-56D577BE0AA8}"/>
+              </a:ext>
+            </a:extLst>
+          </p:cNvPr>
+          <p:cNvSpPr/>
+          <p:nvPr/>
+        </p:nvSpPr>
+        <p:spPr>
+          <a:xfrm>
+            <a:off x="723898" y="3841748"/>
+            <a:ext cx="3000375" cy="1325564"/>
+          </a:xfrm>
+          <a:prstGeom prst="diamond">
+            <a:avLst/>
+          </a:prstGeom>
+          <a:solidFill>
+            <a:schemeClr val="accent1">
+              <a:lumMod val="60000"/>
+              <a:lumOff val="40000"/>
+            </a:schemeClr>
+          </a:solidFill>
+          <a:ln>
+            <a:noFill/>
+          </a:ln>
+          <a:effectLst>
+            <a:outerShdw blurRad="50800" dist="38100" dir="5400000" algn="t" rotWithShape="0">
+              <a:prstClr val="black">
+                <a:alpha val="40000"/>
+              </a:prstClr>
+            </a:outerShdw>
+          </a:effectLst>
+        </p:spPr>
+        <p:style>
+          <a:lnRef idx="2">
+            <a:schemeClr val="accent1">
+              <a:shade val="50000"/>
+            </a:schemeClr>
+          </a:lnRef>
+          <a:fillRef idx="1">
+            <a:schemeClr val="accent1"/>
+          </a:fillRef>
+          <a:effectRef idx="0">
+            <a:schemeClr val="accent1"/>
+          </a:effectRef>
+          <a:fontRef idx="minor">
+            <a:schemeClr val="lt1"/>
+          </a:fontRef>
+        </p:style>
+        <p:txBody>
+          <a:bodyPr rtlCol="0" anchor="ctr"/>
+          <a:lstStyle/>
+          <a:p>
+            <a:pPr algn="ctr"/>
+            <a:endParaRPr lang="en-GB"/>
+          </a:p>
+        </p:txBody>
+      </p:sp>
+      <p:sp>
+        <p:nvSpPr>
+          <p:cNvPr id="9" name="Diamond 8">
+            <a:extLst>
+              <a:ext uri="{FF2B5EF4-FFF2-40B4-BE49-F238E27FC236}">
+                <a16:creationId xmlns:a16="http://schemas.microsoft.com/office/drawing/2014/main" id="{D49B4A69-B016-A44F-903A-E68C2C104364}"/>
+              </a:ext>
+            </a:extLst>
+          </p:cNvPr>
+          <p:cNvSpPr/>
+          <p:nvPr/>
+        </p:nvSpPr>
+        <p:spPr>
+          <a:xfrm>
+            <a:off x="723899" y="2955923"/>
+            <a:ext cx="3000375" cy="1325564"/>
+          </a:xfrm>
+          <a:prstGeom prst="diamond">
+            <a:avLst/>
+          </a:prstGeom>
+          <a:solidFill>
+            <a:schemeClr val="accent4"/>
+          </a:solidFill>
+          <a:ln>
+            <a:noFill/>
+          </a:ln>
+          <a:effectLst>
+            <a:outerShdw blurRad="50800" dist="38100" dir="5400000" algn="t" rotWithShape="0">
+              <a:prstClr val="black">
+                <a:alpha val="40000"/>
+              </a:prstClr>
+            </a:outerShdw>
+          </a:effectLst>
+        </p:spPr>
+        <p:style>
+          <a:lnRef idx="2">
+            <a:schemeClr val="accent1">
+              <a:shade val="50000"/>
+            </a:schemeClr>
+          </a:lnRef>
+          <a:fillRef idx="1">
+            <a:schemeClr val="accent1"/>
+          </a:fillRef>
+          <a:effectRef idx="0">
+            <a:schemeClr val="accent1"/>
+          </a:effectRef>
+          <a:fontRef idx="minor">
+            <a:schemeClr val="lt1"/>
+          </a:fontRef>
+        </p:style>
+        <p:txBody>
+          <a:bodyPr rtlCol="0" anchor="ctr"/>
+          <a:lstStyle/>
+          <a:p>
+            <a:pPr algn="ctr"/>
+            <a:endParaRPr lang="en-GB"/>
+          </a:p>
+        </p:txBody>
+      </p:sp>
+      <p:sp>
+        <p:nvSpPr>
+          <p:cNvPr id="8" name="Diamond 7">
+            <a:extLst>
+              <a:ext uri="{FF2B5EF4-FFF2-40B4-BE49-F238E27FC236}">
+                <a16:creationId xmlns:a16="http://schemas.microsoft.com/office/drawing/2014/main" id="{8E9CF4DA-64E4-1D4C-8D87-3393CC333B47}"/>
+              </a:ext>
+            </a:extLst>
+          </p:cNvPr>
+          <p:cNvSpPr/>
+          <p:nvPr/>
+        </p:nvSpPr>
+        <p:spPr>
+          <a:xfrm>
+            <a:off x="723900" y="2103436"/>
+            <a:ext cx="3000375" cy="1325564"/>
+          </a:xfrm>
+          <a:prstGeom prst="diamond">
+            <a:avLst/>
+          </a:prstGeom>
+          <a:solidFill>
+            <a:schemeClr val="accent6">
+              <a:lumMod val="20000"/>
+              <a:lumOff val="80000"/>
+            </a:schemeClr>
+          </a:solidFill>
+          <a:ln>
+            <a:noFill/>
+          </a:ln>
+          <a:effectLst>
+            <a:outerShdw blurRad="50800" dist="38100" dir="5400000" algn="t" rotWithShape="0">
+              <a:prstClr val="black">
+                <a:alpha val="40000"/>
+              </a:prstClr>
+            </a:outerShdw>
+          </a:effectLst>
+        </p:spPr>
+        <p:style>
+          <a:lnRef idx="2">
+            <a:schemeClr val="accent1">
+              <a:shade val="50000"/>
+            </a:schemeClr>
+          </a:lnRef>
+          <a:fillRef idx="1">
+            <a:schemeClr val="accent1"/>
+          </a:fillRef>
+          <a:effectRef idx="0">
+            <a:schemeClr val="accent1"/>
+          </a:effectRef>
+          <a:fontRef idx="minor">
+            <a:schemeClr val="lt1"/>
+          </a:fontRef>
+        </p:style>
+        <p:txBody>
+          <a:bodyPr rtlCol="0" anchor="ctr"/>
+          <a:lstStyle/>
+          <a:p>
+            <a:pPr algn="ctr"/>
+            <a:endParaRPr lang="en-GB"/>
+          </a:p>
+        </p:txBody>
+      </p:sp>
+      <p:pic>
+        <p:nvPicPr>
+          <p:cNvPr id="18" name="Picture 17" descr="Logo&#10;&#10;Description automatically generated">
+            <a:extLst>
+              <a:ext uri="{FF2B5EF4-FFF2-40B4-BE49-F238E27FC236}">
+                <a16:creationId xmlns:a16="http://schemas.microsoft.com/office/drawing/2014/main" id="{31B8B0D6-B8E6-AC49-AF62-4B9D87BF375E}"/>
+              </a:ext>
+            </a:extLst>
+          </p:cNvPr>
+          <p:cNvPicPr>
+            <a:picLocks noChangeAspect="1"/>
+          </p:cNvPicPr>
+          <p:nvPr/>
+        </p:nvPicPr>
+        <p:blipFill>
+          <a:blip r:embed="rId2">
+            <a:extLst>
+              <a:ext uri="{837473B0-CC2E-450A-ABE3-18F120FF3D39}">
+                <a1611:picAttrSrcUrl xmlns:a1611="http://schemas.microsoft.com/office/drawing/2016/11/main" r:id="rId3"/>
+              </a:ext>
+            </a:extLst>
+          </a:blip>
+          <a:stretch>
+            <a:fillRect/>
+          </a:stretch>
+        </p:blipFill>
+        <p:spPr>
+          <a:xfrm>
+            <a:off x="1671544" y="2270122"/>
+            <a:ext cx="1105088" cy="1040606"/>
+          </a:xfrm>
+          <a:prstGeom prst="rect">
+            <a:avLst/>
+          </a:prstGeom>
+        </p:spPr>
+      </p:pic>
+      <p:pic>
+        <p:nvPicPr>
+          <p:cNvPr id="4" name="Picture 3" descr="A red truck on a black background&#10;&#10;Description automatically generated with medium confidence">
+            <a:extLst>
+              <a:ext uri="{FF2B5EF4-FFF2-40B4-BE49-F238E27FC236}">
+                <a16:creationId xmlns:a16="http://schemas.microsoft.com/office/drawing/2014/main" id="{BBDE824C-5C9B-C94A-802E-B0E6E6E7C031}"/>
+              </a:ext>
+            </a:extLst>
+          </p:cNvPr>
+          <p:cNvPicPr>
+            <a:picLocks noChangeAspect="1"/>
+          </p:cNvPicPr>
+          <p:nvPr/>
+        </p:nvPicPr>
+        <p:blipFill>
+          <a:blip r:embed="rId4">
+            <a:extLst>
+              <a:ext uri="{837473B0-CC2E-450A-ABE3-18F120FF3D39}">
+                <a1611:picAttrSrcUrl xmlns:a1611="http://schemas.microsoft.com/office/drawing/2016/11/main" r:id="rId5"/>
+              </a:ext>
+            </a:extLst>
+          </a:blip>
+          <a:stretch>
+            <a:fillRect/>
+          </a:stretch>
+        </p:blipFill>
+        <p:spPr>
+          <a:xfrm>
+            <a:off x="2065489" y="3258341"/>
+            <a:ext cx="1064908" cy="822323"/>
+          </a:xfrm>
+          <a:prstGeom prst="rect">
+            <a:avLst/>
+          </a:prstGeom>
+        </p:spPr>
+      </p:pic>
+      <p:sp>
+        <p:nvSpPr>
+          <p:cNvPr id="12" name="TextBox 11">
+            <a:extLst>
+              <a:ext uri="{FF2B5EF4-FFF2-40B4-BE49-F238E27FC236}">
+                <a16:creationId xmlns:a16="http://schemas.microsoft.com/office/drawing/2014/main" id="{4BD31203-113A-FA48-8FD4-A251F08D95ED}"/>
+              </a:ext>
+            </a:extLst>
+          </p:cNvPr>
+          <p:cNvSpPr txBox="1"/>
+          <p:nvPr/>
+        </p:nvSpPr>
+        <p:spPr>
+          <a:xfrm>
+            <a:off x="4850604" y="4895352"/>
+            <a:ext cx="6100762" cy="923330"/>
+          </a:xfrm>
+          <a:prstGeom prst="rect">
+            <a:avLst/>
+          </a:prstGeom>
+          <a:noFill/>
+        </p:spPr>
+        <p:txBody>
+          <a:bodyPr wrap="square">
+            <a:spAutoFit/>
+          </a:bodyPr>
+          <a:lstStyle/>
+          <a:p>
+            <a:pPr algn="l"/>
+            <a:r>
+              <a:rPr lang="en-GB" b="1" i="0" strike="noStrike" dirty="0">
+                <a:solidFill>
+                  <a:srgbClr val="231F20"/>
+                </a:solidFill>
+                <a:effectLst/>
+              </a:rPr>
+              <a:t>Data link layer </a:t>
+            </a:r>
+          </a:p>
+          <a:p>
+            <a:pPr algn="l">
+              <a:buFont typeface="Arial" panose="020B0604020202020204" pitchFamily="34" charset="0"/>
+              <a:buChar char="•"/>
+            </a:pPr>
+            <a:r>
+              <a:rPr lang="en-GB" dirty="0">
+                <a:solidFill>
+                  <a:srgbClr val="231F20"/>
+                </a:solidFill>
+              </a:rPr>
+              <a:t> T</a:t>
+            </a:r>
+            <a:r>
+              <a:rPr lang="en-GB" i="0" strike="noStrike" dirty="0">
+                <a:solidFill>
+                  <a:srgbClr val="231F20"/>
+                </a:solidFill>
+                <a:effectLst/>
+              </a:rPr>
+              <a:t>he network interface card/controller (NIC)and operating system drivers are at this layer</a:t>
+            </a:r>
+          </a:p>
+        </p:txBody>
+      </p:sp>
+      <p:cxnSp>
+        <p:nvCxnSpPr>
+          <p:cNvPr id="14" name="Straight Arrow Connector 13">
+            <a:extLst>
+              <a:ext uri="{FF2B5EF4-FFF2-40B4-BE49-F238E27FC236}">
+                <a16:creationId xmlns:a16="http://schemas.microsoft.com/office/drawing/2014/main" id="{25CD875E-D970-264A-915A-98BAEF2DDC8B}"/>
+              </a:ext>
+            </a:extLst>
+          </p:cNvPr>
+          <p:cNvCxnSpPr>
+            <a:cxnSpLocks/>
+          </p:cNvCxnSpPr>
+          <p:nvPr/>
+        </p:nvCxnSpPr>
+        <p:spPr>
+          <a:xfrm flipH="1">
+            <a:off x="3724273" y="5357017"/>
+            <a:ext cx="1126331" cy="0"/>
+          </a:xfrm>
+          <a:prstGeom prst="straightConnector1">
+            <a:avLst/>
+          </a:prstGeom>
+          <a:ln w="38100">
+            <a:solidFill>
+              <a:schemeClr val="tx1"/>
+            </a:solidFill>
+            <a:tailEnd type="triangle"/>
+          </a:ln>
+        </p:spPr>
+        <p:style>
+          <a:lnRef idx="1">
+            <a:schemeClr val="accent1"/>
+          </a:lnRef>
+          <a:fillRef idx="0">
+            <a:schemeClr val="accent1"/>
+          </a:fillRef>
+          <a:effectRef idx="0">
+            <a:schemeClr val="accent1"/>
+          </a:effectRef>
+          <a:fontRef idx="minor">
+            <a:schemeClr val="tx1"/>
+          </a:fontRef>
+        </p:style>
+      </p:cxnSp>
+      <p:pic>
+        <p:nvPicPr>
+          <p:cNvPr id="20" name="Picture 19" descr="Logo&#10;&#10;Description automatically generated">
+            <a:extLst>
+              <a:ext uri="{FF2B5EF4-FFF2-40B4-BE49-F238E27FC236}">
+                <a16:creationId xmlns:a16="http://schemas.microsoft.com/office/drawing/2014/main" id="{49D0BE42-D008-AB47-AB6D-F3D2E870E50E}"/>
+              </a:ext>
+            </a:extLst>
+          </p:cNvPr>
+          <p:cNvPicPr>
+            <a:picLocks noChangeAspect="1"/>
+          </p:cNvPicPr>
+          <p:nvPr/>
+        </p:nvPicPr>
+        <p:blipFill>
+          <a:blip r:embed="rId6">
+            <a:extLst>
+              <a:ext uri="{837473B0-CC2E-450A-ABE3-18F120FF3D39}">
+                <a1611:picAttrSrcUrl xmlns:a1611="http://schemas.microsoft.com/office/drawing/2016/11/main" r:id="rId7"/>
+              </a:ext>
+            </a:extLst>
+          </a:blip>
+          <a:stretch>
+            <a:fillRect/>
+          </a:stretch>
+        </p:blipFill>
+        <p:spPr>
+          <a:xfrm>
+            <a:off x="2171765" y="4114801"/>
+            <a:ext cx="892051" cy="868127"/>
+          </a:xfrm>
+          <a:prstGeom prst="rect">
+            <a:avLst/>
+          </a:prstGeom>
+        </p:spPr>
+      </p:pic>
+      <p:pic>
+        <p:nvPicPr>
+          <p:cNvPr id="5" name="Picture 4" descr="A picture containing text, jack&#10;&#10;Description automatically generated">
+            <a:extLst>
+              <a:ext uri="{FF2B5EF4-FFF2-40B4-BE49-F238E27FC236}">
+                <a16:creationId xmlns:a16="http://schemas.microsoft.com/office/drawing/2014/main" id="{54EA8C62-23CC-B34A-893F-08143799AD17}"/>
+              </a:ext>
+            </a:extLst>
+          </p:cNvPr>
+          <p:cNvPicPr>
+            <a:picLocks noChangeAspect="1"/>
+          </p:cNvPicPr>
+          <p:nvPr/>
+        </p:nvPicPr>
+        <p:blipFill>
+          <a:blip r:embed="rId8">
+            <a:extLst>
+              <a:ext uri="{837473B0-CC2E-450A-ABE3-18F120FF3D39}">
+                <a1611:picAttrSrcUrl xmlns:a1611="http://schemas.microsoft.com/office/drawing/2016/11/main" r:id="rId9"/>
+              </a:ext>
+            </a:extLst>
+          </a:blip>
+          <a:stretch>
+            <a:fillRect/>
+          </a:stretch>
+        </p:blipFill>
+        <p:spPr>
+          <a:xfrm>
+            <a:off x="2390792" y="5133974"/>
+            <a:ext cx="763415" cy="564609"/>
+          </a:xfrm>
+          <a:prstGeom prst="rect">
+            <a:avLst/>
+          </a:prstGeom>
+        </p:spPr>
+      </p:pic>
+    </p:spTree>
+    <p:extLst>
+      <p:ext uri="{BB962C8B-B14F-4D97-AF65-F5344CB8AC3E}">
+        <p14:creationId xmlns:p14="http://schemas.microsoft.com/office/powerpoint/2010/main" val="3312453955"/>
+      </p:ext>
+    </p:extLst>
+  </p:cSld>
+  <p:clrMapOvr>
+    <a:masterClrMapping/>
+  </p:clrMapOvr>
+</p:sld>
+</file>
+
+<file path=ppt/slides/slide87.xml><?xml version="1.0" encoding="utf-8"?>
+<p:sld xmlns:a="http://schemas.openxmlformats.org/drawingml/2006/main" xmlns:r="http://schemas.openxmlformats.org/officeDocument/2006/relationships" xmlns:p="http://schemas.openxmlformats.org/presentationml/2006/main">
+  <p:cSld>
+    <p:spTree>
+      <p:nvGrpSpPr>
+        <p:cNvPr id="1" name=""/>
+        <p:cNvGrpSpPr/>
+        <p:nvPr/>
+      </p:nvGrpSpPr>
+      <p:grpSpPr>
+        <a:xfrm>
+          <a:off x="0" y="0"/>
+          <a:ext cx="0" cy="0"/>
+          <a:chOff x="0" y="0"/>
+          <a:chExt cx="0" cy="0"/>
+        </a:xfrm>
+      </p:grpSpPr>
+      <p:sp>
+        <p:nvSpPr>
+          <p:cNvPr id="2" name="Title 1">
+            <a:extLst>
+              <a:ext uri="{FF2B5EF4-FFF2-40B4-BE49-F238E27FC236}">
+                <a16:creationId xmlns:a16="http://schemas.microsoft.com/office/drawing/2014/main" id="{E87EF035-A96D-5A46-A6A5-34C1461D4522}"/>
+              </a:ext>
+            </a:extLst>
+          </p:cNvPr>
+          <p:cNvSpPr>
+            <a:spLocks noGrp="1"/>
+          </p:cNvSpPr>
+          <p:nvPr>
+            <p:ph type="title"/>
+          </p:nvPr>
+        </p:nvSpPr>
+        <p:spPr/>
+        <p:txBody>
+          <a:bodyPr/>
+          <a:lstStyle/>
+          <a:p>
+            <a:r>
+              <a:rPr lang="en-GB" dirty="0"/>
+              <a:t>The 4 main layers</a:t>
+            </a:r>
+          </a:p>
+        </p:txBody>
+      </p:sp>
+      <p:sp>
+        <p:nvSpPr>
+          <p:cNvPr id="11" name="Diamond 10">
+            <a:extLst>
+              <a:ext uri="{FF2B5EF4-FFF2-40B4-BE49-F238E27FC236}">
+                <a16:creationId xmlns:a16="http://schemas.microsoft.com/office/drawing/2014/main" id="{1ECAC96F-BF3B-A145-8844-E03D8E784C43}"/>
+              </a:ext>
+            </a:extLst>
+          </p:cNvPr>
+          <p:cNvSpPr/>
+          <p:nvPr/>
+        </p:nvSpPr>
+        <p:spPr>
+          <a:xfrm>
+            <a:off x="723898" y="4694235"/>
+            <a:ext cx="3000375" cy="1325564"/>
+          </a:xfrm>
+          <a:prstGeom prst="diamond">
+            <a:avLst/>
+          </a:prstGeom>
+          <a:solidFill>
+            <a:schemeClr val="accent2">
+              <a:lumMod val="75000"/>
+            </a:schemeClr>
+          </a:solidFill>
+          <a:ln>
+            <a:noFill/>
+          </a:ln>
+          <a:effectLst>
+            <a:outerShdw blurRad="50800" dist="38100" dir="5400000" algn="t" rotWithShape="0">
+              <a:prstClr val="black">
+                <a:alpha val="40000"/>
+              </a:prstClr>
+            </a:outerShdw>
+          </a:effectLst>
+        </p:spPr>
+        <p:style>
+          <a:lnRef idx="2">
+            <a:schemeClr val="accent1">
+              <a:shade val="50000"/>
+            </a:schemeClr>
+          </a:lnRef>
+          <a:fillRef idx="1">
+            <a:schemeClr val="accent1"/>
+          </a:fillRef>
+          <a:effectRef idx="0">
+            <a:schemeClr val="accent1"/>
+          </a:effectRef>
+          <a:fontRef idx="minor">
+            <a:schemeClr val="lt1"/>
+          </a:fontRef>
+        </p:style>
+        <p:txBody>
+          <a:bodyPr rtlCol="0" anchor="ctr"/>
+          <a:lstStyle/>
+          <a:p>
+            <a:pPr algn="ctr"/>
+            <a:endParaRPr lang="en-GB"/>
+          </a:p>
+        </p:txBody>
+      </p:sp>
+      <p:sp>
+        <p:nvSpPr>
+          <p:cNvPr id="10" name="Diamond 9">
+            <a:extLst>
+              <a:ext uri="{FF2B5EF4-FFF2-40B4-BE49-F238E27FC236}">
+                <a16:creationId xmlns:a16="http://schemas.microsoft.com/office/drawing/2014/main" id="{E54D520C-C6D4-D642-9104-56D577BE0AA8}"/>
+              </a:ext>
+            </a:extLst>
+          </p:cNvPr>
+          <p:cNvSpPr/>
+          <p:nvPr/>
+        </p:nvSpPr>
+        <p:spPr>
+          <a:xfrm>
+            <a:off x="723898" y="3841748"/>
+            <a:ext cx="3000375" cy="1325564"/>
+          </a:xfrm>
+          <a:prstGeom prst="diamond">
+            <a:avLst/>
+          </a:prstGeom>
+          <a:solidFill>
+            <a:schemeClr val="accent1">
+              <a:lumMod val="60000"/>
+              <a:lumOff val="40000"/>
+            </a:schemeClr>
+          </a:solidFill>
+          <a:ln>
+            <a:noFill/>
+          </a:ln>
+          <a:effectLst>
+            <a:outerShdw blurRad="50800" dist="38100" dir="5400000" algn="t" rotWithShape="0">
+              <a:prstClr val="black">
+                <a:alpha val="40000"/>
+              </a:prstClr>
+            </a:outerShdw>
+          </a:effectLst>
+        </p:spPr>
+        <p:style>
+          <a:lnRef idx="2">
+            <a:schemeClr val="accent1">
+              <a:shade val="50000"/>
+            </a:schemeClr>
+          </a:lnRef>
+          <a:fillRef idx="1">
+            <a:schemeClr val="accent1"/>
+          </a:fillRef>
+          <a:effectRef idx="0">
+            <a:schemeClr val="accent1"/>
+          </a:effectRef>
+          <a:fontRef idx="minor">
+            <a:schemeClr val="lt1"/>
+          </a:fontRef>
+        </p:style>
+        <p:txBody>
+          <a:bodyPr rtlCol="0" anchor="ctr"/>
+          <a:lstStyle/>
+          <a:p>
+            <a:pPr algn="ctr"/>
+            <a:endParaRPr lang="en-GB"/>
+          </a:p>
+        </p:txBody>
+      </p:sp>
+      <p:sp>
+        <p:nvSpPr>
+          <p:cNvPr id="9" name="Diamond 8">
+            <a:extLst>
+              <a:ext uri="{FF2B5EF4-FFF2-40B4-BE49-F238E27FC236}">
+                <a16:creationId xmlns:a16="http://schemas.microsoft.com/office/drawing/2014/main" id="{D49B4A69-B016-A44F-903A-E68C2C104364}"/>
+              </a:ext>
+            </a:extLst>
+          </p:cNvPr>
+          <p:cNvSpPr/>
+          <p:nvPr/>
+        </p:nvSpPr>
+        <p:spPr>
+          <a:xfrm>
+            <a:off x="723899" y="2955923"/>
+            <a:ext cx="3000375" cy="1325564"/>
+          </a:xfrm>
+          <a:prstGeom prst="diamond">
+            <a:avLst/>
+          </a:prstGeom>
+          <a:solidFill>
+            <a:schemeClr val="accent4"/>
+          </a:solidFill>
+          <a:ln>
+            <a:noFill/>
+          </a:ln>
+          <a:effectLst>
+            <a:outerShdw blurRad="50800" dist="38100" dir="5400000" algn="t" rotWithShape="0">
+              <a:prstClr val="black">
+                <a:alpha val="40000"/>
+              </a:prstClr>
+            </a:outerShdw>
+          </a:effectLst>
+        </p:spPr>
+        <p:style>
+          <a:lnRef idx="2">
+            <a:schemeClr val="accent1">
+              <a:shade val="50000"/>
+            </a:schemeClr>
+          </a:lnRef>
+          <a:fillRef idx="1">
+            <a:schemeClr val="accent1"/>
+          </a:fillRef>
+          <a:effectRef idx="0">
+            <a:schemeClr val="accent1"/>
+          </a:effectRef>
+          <a:fontRef idx="minor">
+            <a:schemeClr val="lt1"/>
+          </a:fontRef>
+        </p:style>
+        <p:txBody>
+          <a:bodyPr rtlCol="0" anchor="ctr"/>
+          <a:lstStyle/>
+          <a:p>
+            <a:pPr algn="ctr"/>
+            <a:endParaRPr lang="en-GB"/>
+          </a:p>
+        </p:txBody>
+      </p:sp>
+      <p:sp>
+        <p:nvSpPr>
+          <p:cNvPr id="8" name="Diamond 7">
+            <a:extLst>
+              <a:ext uri="{FF2B5EF4-FFF2-40B4-BE49-F238E27FC236}">
+                <a16:creationId xmlns:a16="http://schemas.microsoft.com/office/drawing/2014/main" id="{8E9CF4DA-64E4-1D4C-8D87-3393CC333B47}"/>
+              </a:ext>
+            </a:extLst>
+          </p:cNvPr>
+          <p:cNvSpPr/>
+          <p:nvPr/>
+        </p:nvSpPr>
+        <p:spPr>
+          <a:xfrm>
+            <a:off x="723900" y="2103436"/>
+            <a:ext cx="3000375" cy="1325564"/>
+          </a:xfrm>
+          <a:prstGeom prst="diamond">
+            <a:avLst/>
+          </a:prstGeom>
+          <a:solidFill>
+            <a:schemeClr val="accent6">
+              <a:lumMod val="20000"/>
+              <a:lumOff val="80000"/>
+            </a:schemeClr>
+          </a:solidFill>
+          <a:ln>
+            <a:noFill/>
+          </a:ln>
+          <a:effectLst>
+            <a:outerShdw blurRad="50800" dist="38100" dir="5400000" algn="t" rotWithShape="0">
+              <a:prstClr val="black">
+                <a:alpha val="40000"/>
+              </a:prstClr>
+            </a:outerShdw>
+          </a:effectLst>
+        </p:spPr>
+        <p:style>
+          <a:lnRef idx="2">
+            <a:schemeClr val="accent1">
+              <a:shade val="50000"/>
+            </a:schemeClr>
+          </a:lnRef>
+          <a:fillRef idx="1">
+            <a:schemeClr val="accent1"/>
+          </a:fillRef>
+          <a:effectRef idx="0">
+            <a:schemeClr val="accent1"/>
+          </a:effectRef>
+          <a:fontRef idx="minor">
+            <a:schemeClr val="lt1"/>
+          </a:fontRef>
+        </p:style>
+        <p:txBody>
+          <a:bodyPr rtlCol="0" anchor="ctr"/>
+          <a:lstStyle/>
+          <a:p>
+            <a:pPr algn="ctr"/>
+            <a:endParaRPr lang="en-GB"/>
+          </a:p>
+        </p:txBody>
+      </p:sp>
+      <p:pic>
+        <p:nvPicPr>
+          <p:cNvPr id="18" name="Picture 17" descr="Logo&#10;&#10;Description automatically generated">
+            <a:extLst>
+              <a:ext uri="{FF2B5EF4-FFF2-40B4-BE49-F238E27FC236}">
+                <a16:creationId xmlns:a16="http://schemas.microsoft.com/office/drawing/2014/main" id="{31B8B0D6-B8E6-AC49-AF62-4B9D87BF375E}"/>
+              </a:ext>
+            </a:extLst>
+          </p:cNvPr>
+          <p:cNvPicPr>
+            <a:picLocks noChangeAspect="1"/>
+          </p:cNvPicPr>
+          <p:nvPr/>
+        </p:nvPicPr>
+        <p:blipFill>
+          <a:blip r:embed="rId2">
+            <a:extLst>
+              <a:ext uri="{837473B0-CC2E-450A-ABE3-18F120FF3D39}">
+                <a1611:picAttrSrcUrl xmlns:a1611="http://schemas.microsoft.com/office/drawing/2016/11/main" r:id="rId3"/>
+              </a:ext>
+            </a:extLst>
+          </a:blip>
+          <a:stretch>
+            <a:fillRect/>
+          </a:stretch>
+        </p:blipFill>
+        <p:spPr>
+          <a:xfrm>
+            <a:off x="1671544" y="2270122"/>
+            <a:ext cx="1105088" cy="1040606"/>
+          </a:xfrm>
+          <a:prstGeom prst="rect">
+            <a:avLst/>
+          </a:prstGeom>
+        </p:spPr>
+      </p:pic>
+      <p:pic>
+        <p:nvPicPr>
+          <p:cNvPr id="4" name="Picture 3" descr="A red truck on a black background&#10;&#10;Description automatically generated with medium confidence">
+            <a:extLst>
+              <a:ext uri="{FF2B5EF4-FFF2-40B4-BE49-F238E27FC236}">
+                <a16:creationId xmlns:a16="http://schemas.microsoft.com/office/drawing/2014/main" id="{BBDE824C-5C9B-C94A-802E-B0E6E6E7C031}"/>
+              </a:ext>
+            </a:extLst>
+          </p:cNvPr>
+          <p:cNvPicPr>
+            <a:picLocks noChangeAspect="1"/>
+          </p:cNvPicPr>
+          <p:nvPr/>
+        </p:nvPicPr>
+        <p:blipFill>
+          <a:blip r:embed="rId4">
+            <a:extLst>
+              <a:ext uri="{837473B0-CC2E-450A-ABE3-18F120FF3D39}">
+                <a1611:picAttrSrcUrl xmlns:a1611="http://schemas.microsoft.com/office/drawing/2016/11/main" r:id="rId5"/>
+              </a:ext>
+            </a:extLst>
+          </a:blip>
+          <a:stretch>
+            <a:fillRect/>
+          </a:stretch>
+        </p:blipFill>
+        <p:spPr>
+          <a:xfrm>
+            <a:off x="2065489" y="3258341"/>
+            <a:ext cx="1064908" cy="822323"/>
+          </a:xfrm>
+          <a:prstGeom prst="rect">
+            <a:avLst/>
+          </a:prstGeom>
+        </p:spPr>
+      </p:pic>
+      <p:sp>
+        <p:nvSpPr>
+          <p:cNvPr id="12" name="TextBox 11">
+            <a:extLst>
+              <a:ext uri="{FF2B5EF4-FFF2-40B4-BE49-F238E27FC236}">
+                <a16:creationId xmlns:a16="http://schemas.microsoft.com/office/drawing/2014/main" id="{4BD31203-113A-FA48-8FD4-A251F08D95ED}"/>
+              </a:ext>
+            </a:extLst>
+          </p:cNvPr>
+          <p:cNvSpPr txBox="1"/>
+          <p:nvPr/>
+        </p:nvSpPr>
+        <p:spPr>
+          <a:xfrm>
+            <a:off x="4850604" y="4895352"/>
+            <a:ext cx="6100762" cy="923330"/>
+          </a:xfrm>
+          <a:prstGeom prst="rect">
+            <a:avLst/>
+          </a:prstGeom>
+          <a:noFill/>
+        </p:spPr>
+        <p:txBody>
+          <a:bodyPr wrap="square">
+            <a:spAutoFit/>
+          </a:bodyPr>
+          <a:lstStyle/>
+          <a:p>
+            <a:pPr algn="l"/>
+            <a:r>
+              <a:rPr lang="en-GB" b="1" i="0" strike="noStrike" dirty="0">
+                <a:solidFill>
+                  <a:srgbClr val="231F20"/>
+                </a:solidFill>
+                <a:effectLst/>
+              </a:rPr>
+              <a:t>Data link layer </a:t>
+            </a:r>
+          </a:p>
+          <a:p>
+            <a:pPr algn="l">
+              <a:buFont typeface="Arial" panose="020B0604020202020204" pitchFamily="34" charset="0"/>
+              <a:buChar char="•"/>
+            </a:pPr>
+            <a:r>
+              <a:rPr lang="en-GB" dirty="0">
+                <a:solidFill>
+                  <a:srgbClr val="231F20"/>
+                </a:solidFill>
+              </a:rPr>
+              <a:t> T</a:t>
+            </a:r>
+            <a:r>
+              <a:rPr lang="en-GB" i="0" strike="noStrike" dirty="0">
+                <a:solidFill>
+                  <a:srgbClr val="231F20"/>
+                </a:solidFill>
+                <a:effectLst/>
+              </a:rPr>
+              <a:t>he network interface card/controller (NIC)and operating system drivers are at this layer</a:t>
+            </a:r>
+          </a:p>
+        </p:txBody>
+      </p:sp>
+      <p:cxnSp>
+        <p:nvCxnSpPr>
+          <p:cNvPr id="14" name="Straight Arrow Connector 13">
+            <a:extLst>
+              <a:ext uri="{FF2B5EF4-FFF2-40B4-BE49-F238E27FC236}">
+                <a16:creationId xmlns:a16="http://schemas.microsoft.com/office/drawing/2014/main" id="{25CD875E-D970-264A-915A-98BAEF2DDC8B}"/>
+              </a:ext>
+            </a:extLst>
+          </p:cNvPr>
+          <p:cNvCxnSpPr>
+            <a:cxnSpLocks/>
+          </p:cNvCxnSpPr>
+          <p:nvPr/>
+        </p:nvCxnSpPr>
+        <p:spPr>
+          <a:xfrm flipH="1">
+            <a:off x="3724273" y="5357017"/>
+            <a:ext cx="1126331" cy="0"/>
+          </a:xfrm>
+          <a:prstGeom prst="straightConnector1">
+            <a:avLst/>
+          </a:prstGeom>
+          <a:ln w="38100">
+            <a:solidFill>
+              <a:schemeClr val="tx1"/>
+            </a:solidFill>
+            <a:tailEnd type="triangle"/>
+          </a:ln>
+        </p:spPr>
+        <p:style>
+          <a:lnRef idx="1">
+            <a:schemeClr val="accent1"/>
+          </a:lnRef>
+          <a:fillRef idx="0">
+            <a:schemeClr val="accent1"/>
+          </a:fillRef>
+          <a:effectRef idx="0">
+            <a:schemeClr val="accent1"/>
+          </a:effectRef>
+          <a:fontRef idx="minor">
+            <a:schemeClr val="tx1"/>
+          </a:fontRef>
+        </p:style>
+      </p:cxnSp>
+      <p:pic>
+        <p:nvPicPr>
+          <p:cNvPr id="20" name="Picture 19" descr="Logo&#10;&#10;Description automatically generated">
+            <a:extLst>
+              <a:ext uri="{FF2B5EF4-FFF2-40B4-BE49-F238E27FC236}">
+                <a16:creationId xmlns:a16="http://schemas.microsoft.com/office/drawing/2014/main" id="{49D0BE42-D008-AB47-AB6D-F3D2E870E50E}"/>
+              </a:ext>
+            </a:extLst>
+          </p:cNvPr>
+          <p:cNvPicPr>
+            <a:picLocks noChangeAspect="1"/>
+          </p:cNvPicPr>
+          <p:nvPr/>
+        </p:nvPicPr>
+        <p:blipFill>
+          <a:blip r:embed="rId6">
+            <a:extLst>
+              <a:ext uri="{837473B0-CC2E-450A-ABE3-18F120FF3D39}">
+                <a1611:picAttrSrcUrl xmlns:a1611="http://schemas.microsoft.com/office/drawing/2016/11/main" r:id="rId7"/>
+              </a:ext>
+            </a:extLst>
+          </a:blip>
+          <a:stretch>
+            <a:fillRect/>
+          </a:stretch>
+        </p:blipFill>
+        <p:spPr>
+          <a:xfrm>
+            <a:off x="2171765" y="4114801"/>
+            <a:ext cx="892051" cy="868127"/>
+          </a:xfrm>
+          <a:prstGeom prst="rect">
+            <a:avLst/>
+          </a:prstGeom>
+        </p:spPr>
+      </p:pic>
+      <p:pic>
+        <p:nvPicPr>
+          <p:cNvPr id="5" name="Picture 4" descr="A picture containing text, jack&#10;&#10;Description automatically generated">
+            <a:extLst>
+              <a:ext uri="{FF2B5EF4-FFF2-40B4-BE49-F238E27FC236}">
+                <a16:creationId xmlns:a16="http://schemas.microsoft.com/office/drawing/2014/main" id="{54EA8C62-23CC-B34A-893F-08143799AD17}"/>
+              </a:ext>
+            </a:extLst>
+          </p:cNvPr>
+          <p:cNvPicPr>
+            <a:picLocks noChangeAspect="1"/>
+          </p:cNvPicPr>
+          <p:nvPr/>
+        </p:nvPicPr>
+        <p:blipFill>
+          <a:blip r:embed="rId8">
+            <a:extLst>
+              <a:ext uri="{837473B0-CC2E-450A-ABE3-18F120FF3D39}">
+                <a1611:picAttrSrcUrl xmlns:a1611="http://schemas.microsoft.com/office/drawing/2016/11/main" r:id="rId9"/>
+              </a:ext>
+            </a:extLst>
+          </a:blip>
+          <a:stretch>
+            <a:fillRect/>
+          </a:stretch>
+        </p:blipFill>
+        <p:spPr>
+          <a:xfrm>
+            <a:off x="2390792" y="5133974"/>
+            <a:ext cx="763415" cy="564609"/>
+          </a:xfrm>
+          <a:prstGeom prst="rect">
+            <a:avLst/>
+          </a:prstGeom>
+        </p:spPr>
+      </p:pic>
+    </p:spTree>
+    <p:extLst>
+      <p:ext uri="{BB962C8B-B14F-4D97-AF65-F5344CB8AC3E}">
+        <p14:creationId xmlns:p14="http://schemas.microsoft.com/office/powerpoint/2010/main" val="2649990884"/>
+      </p:ext>
+    </p:extLst>
+  </p:cSld>
+  <p:clrMapOvr>
+    <a:masterClrMapping/>
+  </p:clrMapOvr>
+</p:sld>
+</file>
+
+<file path=ppt/slides/slide88.xml><?xml version="1.0" encoding="utf-8"?>
+<p:sld xmlns:a="http://schemas.openxmlformats.org/drawingml/2006/main" xmlns:r="http://schemas.openxmlformats.org/officeDocument/2006/relationships" xmlns:p="http://schemas.openxmlformats.org/presentationml/2006/main">
+  <p:cSld>
+    <p:spTree>
+      <p:nvGrpSpPr>
+        <p:cNvPr id="1" name=""/>
+        <p:cNvGrpSpPr/>
+        <p:nvPr/>
+      </p:nvGrpSpPr>
+      <p:grpSpPr>
+        <a:xfrm>
+          <a:off x="0" y="0"/>
+          <a:ext cx="0" cy="0"/>
+          <a:chOff x="0" y="0"/>
+          <a:chExt cx="0" cy="0"/>
+        </a:xfrm>
+      </p:grpSpPr>
+      <p:sp>
+        <p:nvSpPr>
+          <p:cNvPr id="2" name="Title 1">
+            <a:extLst>
+              <a:ext uri="{FF2B5EF4-FFF2-40B4-BE49-F238E27FC236}">
+                <a16:creationId xmlns:a16="http://schemas.microsoft.com/office/drawing/2014/main" id="{E87EF035-A96D-5A46-A6A5-34C1461D4522}"/>
+              </a:ext>
+            </a:extLst>
+          </p:cNvPr>
+          <p:cNvSpPr>
+            <a:spLocks noGrp="1"/>
+          </p:cNvSpPr>
+          <p:nvPr>
+            <p:ph type="title"/>
+          </p:nvPr>
+        </p:nvSpPr>
+        <p:spPr/>
+        <p:txBody>
+          <a:bodyPr/>
+          <a:lstStyle/>
+          <a:p>
+            <a:r>
+              <a:rPr lang="en-GB" dirty="0"/>
+              <a:t>The 4 main layers</a:t>
+            </a:r>
+          </a:p>
+        </p:txBody>
+      </p:sp>
+      <p:sp>
+        <p:nvSpPr>
+          <p:cNvPr id="11" name="Diamond 10">
+            <a:extLst>
+              <a:ext uri="{FF2B5EF4-FFF2-40B4-BE49-F238E27FC236}">
+                <a16:creationId xmlns:a16="http://schemas.microsoft.com/office/drawing/2014/main" id="{1ECAC96F-BF3B-A145-8844-E03D8E784C43}"/>
+              </a:ext>
+            </a:extLst>
+          </p:cNvPr>
+          <p:cNvSpPr/>
+          <p:nvPr/>
+        </p:nvSpPr>
+        <p:spPr>
+          <a:xfrm>
+            <a:off x="723898" y="4694235"/>
+            <a:ext cx="3000375" cy="1325564"/>
+          </a:xfrm>
+          <a:prstGeom prst="diamond">
+            <a:avLst/>
+          </a:prstGeom>
+          <a:solidFill>
+            <a:schemeClr val="accent2">
+              <a:lumMod val="75000"/>
+            </a:schemeClr>
+          </a:solidFill>
+          <a:ln>
+            <a:noFill/>
+          </a:ln>
+          <a:effectLst>
+            <a:outerShdw blurRad="50800" dist="38100" dir="5400000" algn="t" rotWithShape="0">
+              <a:prstClr val="black">
+                <a:alpha val="40000"/>
+              </a:prstClr>
+            </a:outerShdw>
+          </a:effectLst>
+        </p:spPr>
+        <p:style>
+          <a:lnRef idx="2">
+            <a:schemeClr val="accent1">
+              <a:shade val="50000"/>
+            </a:schemeClr>
+          </a:lnRef>
+          <a:fillRef idx="1">
+            <a:schemeClr val="accent1"/>
+          </a:fillRef>
+          <a:effectRef idx="0">
+            <a:schemeClr val="accent1"/>
+          </a:effectRef>
+          <a:fontRef idx="minor">
+            <a:schemeClr val="lt1"/>
+          </a:fontRef>
+        </p:style>
+        <p:txBody>
+          <a:bodyPr rtlCol="0" anchor="ctr"/>
+          <a:lstStyle/>
+          <a:p>
+            <a:pPr algn="ctr"/>
+            <a:endParaRPr lang="en-GB"/>
+          </a:p>
+        </p:txBody>
+      </p:sp>
+      <p:sp>
+        <p:nvSpPr>
+          <p:cNvPr id="10" name="Diamond 9">
+            <a:extLst>
+              <a:ext uri="{FF2B5EF4-FFF2-40B4-BE49-F238E27FC236}">
+                <a16:creationId xmlns:a16="http://schemas.microsoft.com/office/drawing/2014/main" id="{E54D520C-C6D4-D642-9104-56D577BE0AA8}"/>
+              </a:ext>
+            </a:extLst>
+          </p:cNvPr>
+          <p:cNvSpPr/>
+          <p:nvPr/>
+        </p:nvSpPr>
+        <p:spPr>
+          <a:xfrm>
+            <a:off x="723898" y="3841748"/>
+            <a:ext cx="3000375" cy="1325564"/>
+          </a:xfrm>
+          <a:prstGeom prst="diamond">
+            <a:avLst/>
+          </a:prstGeom>
+          <a:solidFill>
+            <a:schemeClr val="accent1">
+              <a:lumMod val="60000"/>
+              <a:lumOff val="40000"/>
+            </a:schemeClr>
+          </a:solidFill>
+          <a:ln>
+            <a:noFill/>
+          </a:ln>
+          <a:effectLst>
+            <a:outerShdw blurRad="50800" dist="38100" dir="5400000" algn="t" rotWithShape="0">
+              <a:prstClr val="black">
+                <a:alpha val="40000"/>
+              </a:prstClr>
+            </a:outerShdw>
+          </a:effectLst>
+        </p:spPr>
+        <p:style>
+          <a:lnRef idx="2">
+            <a:schemeClr val="accent1">
+              <a:shade val="50000"/>
+            </a:schemeClr>
+          </a:lnRef>
+          <a:fillRef idx="1">
+            <a:schemeClr val="accent1"/>
+          </a:fillRef>
+          <a:effectRef idx="0">
+            <a:schemeClr val="accent1"/>
+          </a:effectRef>
+          <a:fontRef idx="minor">
+            <a:schemeClr val="lt1"/>
+          </a:fontRef>
+        </p:style>
+        <p:txBody>
+          <a:bodyPr rtlCol="0" anchor="ctr"/>
+          <a:lstStyle/>
+          <a:p>
+            <a:pPr algn="ctr"/>
+            <a:endParaRPr lang="en-GB"/>
+          </a:p>
+        </p:txBody>
+      </p:sp>
+      <p:sp>
+        <p:nvSpPr>
+          <p:cNvPr id="9" name="Diamond 8">
+            <a:extLst>
+              <a:ext uri="{FF2B5EF4-FFF2-40B4-BE49-F238E27FC236}">
+                <a16:creationId xmlns:a16="http://schemas.microsoft.com/office/drawing/2014/main" id="{D49B4A69-B016-A44F-903A-E68C2C104364}"/>
+              </a:ext>
+            </a:extLst>
+          </p:cNvPr>
+          <p:cNvSpPr/>
+          <p:nvPr/>
+        </p:nvSpPr>
+        <p:spPr>
+          <a:xfrm>
+            <a:off x="723899" y="2955923"/>
+            <a:ext cx="3000375" cy="1325564"/>
+          </a:xfrm>
+          <a:prstGeom prst="diamond">
+            <a:avLst/>
+          </a:prstGeom>
+          <a:solidFill>
+            <a:schemeClr val="accent4"/>
+          </a:solidFill>
+          <a:ln>
+            <a:noFill/>
+          </a:ln>
+          <a:effectLst>
+            <a:outerShdw blurRad="50800" dist="38100" dir="5400000" algn="t" rotWithShape="0">
+              <a:prstClr val="black">
+                <a:alpha val="40000"/>
+              </a:prstClr>
+            </a:outerShdw>
+          </a:effectLst>
+        </p:spPr>
+        <p:style>
+          <a:lnRef idx="2">
+            <a:schemeClr val="accent1">
+              <a:shade val="50000"/>
+            </a:schemeClr>
+          </a:lnRef>
+          <a:fillRef idx="1">
+            <a:schemeClr val="accent1"/>
+          </a:fillRef>
+          <a:effectRef idx="0">
+            <a:schemeClr val="accent1"/>
+          </a:effectRef>
+          <a:fontRef idx="minor">
+            <a:schemeClr val="lt1"/>
+          </a:fontRef>
+        </p:style>
+        <p:txBody>
+          <a:bodyPr rtlCol="0" anchor="ctr"/>
+          <a:lstStyle/>
+          <a:p>
+            <a:pPr algn="ctr"/>
+            <a:endParaRPr lang="en-GB"/>
+          </a:p>
+        </p:txBody>
+      </p:sp>
+      <p:sp>
+        <p:nvSpPr>
+          <p:cNvPr id="8" name="Diamond 7">
+            <a:extLst>
+              <a:ext uri="{FF2B5EF4-FFF2-40B4-BE49-F238E27FC236}">
+                <a16:creationId xmlns:a16="http://schemas.microsoft.com/office/drawing/2014/main" id="{8E9CF4DA-64E4-1D4C-8D87-3393CC333B47}"/>
+              </a:ext>
+            </a:extLst>
+          </p:cNvPr>
+          <p:cNvSpPr/>
+          <p:nvPr/>
+        </p:nvSpPr>
+        <p:spPr>
+          <a:xfrm>
+            <a:off x="723900" y="2103436"/>
+            <a:ext cx="3000375" cy="1325564"/>
+          </a:xfrm>
+          <a:prstGeom prst="diamond">
+            <a:avLst/>
+          </a:prstGeom>
+          <a:solidFill>
+            <a:schemeClr val="accent6">
+              <a:lumMod val="20000"/>
+              <a:lumOff val="80000"/>
+            </a:schemeClr>
+          </a:solidFill>
+          <a:ln>
+            <a:noFill/>
+          </a:ln>
+          <a:effectLst>
+            <a:outerShdw blurRad="50800" dist="38100" dir="5400000" algn="t" rotWithShape="0">
+              <a:prstClr val="black">
+                <a:alpha val="40000"/>
+              </a:prstClr>
+            </a:outerShdw>
+          </a:effectLst>
+        </p:spPr>
+        <p:style>
+          <a:lnRef idx="2">
+            <a:schemeClr val="accent1">
+              <a:shade val="50000"/>
+            </a:schemeClr>
+          </a:lnRef>
+          <a:fillRef idx="1">
+            <a:schemeClr val="accent1"/>
+          </a:fillRef>
+          <a:effectRef idx="0">
+            <a:schemeClr val="accent1"/>
+          </a:effectRef>
+          <a:fontRef idx="minor">
+            <a:schemeClr val="lt1"/>
+          </a:fontRef>
+        </p:style>
+        <p:txBody>
+          <a:bodyPr rtlCol="0" anchor="ctr"/>
+          <a:lstStyle/>
+          <a:p>
+            <a:pPr algn="ctr"/>
+            <a:endParaRPr lang="en-GB"/>
+          </a:p>
+        </p:txBody>
+      </p:sp>
+      <p:pic>
+        <p:nvPicPr>
+          <p:cNvPr id="18" name="Picture 17" descr="Logo&#10;&#10;Description automatically generated">
+            <a:extLst>
+              <a:ext uri="{FF2B5EF4-FFF2-40B4-BE49-F238E27FC236}">
+                <a16:creationId xmlns:a16="http://schemas.microsoft.com/office/drawing/2014/main" id="{31B8B0D6-B8E6-AC49-AF62-4B9D87BF375E}"/>
+              </a:ext>
+            </a:extLst>
+          </p:cNvPr>
+          <p:cNvPicPr>
+            <a:picLocks noChangeAspect="1"/>
+          </p:cNvPicPr>
+          <p:nvPr/>
+        </p:nvPicPr>
+        <p:blipFill>
+          <a:blip r:embed="rId2">
+            <a:extLst>
+              <a:ext uri="{837473B0-CC2E-450A-ABE3-18F120FF3D39}">
+                <a1611:picAttrSrcUrl xmlns:a1611="http://schemas.microsoft.com/office/drawing/2016/11/main" r:id="rId3"/>
+              </a:ext>
+            </a:extLst>
+          </a:blip>
+          <a:stretch>
+            <a:fillRect/>
+          </a:stretch>
+        </p:blipFill>
+        <p:spPr>
+          <a:xfrm>
+            <a:off x="1671544" y="2270122"/>
+            <a:ext cx="1105088" cy="1040606"/>
+          </a:xfrm>
+          <a:prstGeom prst="rect">
+            <a:avLst/>
+          </a:prstGeom>
+        </p:spPr>
+      </p:pic>
+      <p:pic>
+        <p:nvPicPr>
+          <p:cNvPr id="4" name="Picture 3" descr="A red truck on a black background&#10;&#10;Description automatically generated with medium confidence">
+            <a:extLst>
+              <a:ext uri="{FF2B5EF4-FFF2-40B4-BE49-F238E27FC236}">
+                <a16:creationId xmlns:a16="http://schemas.microsoft.com/office/drawing/2014/main" id="{BBDE824C-5C9B-C94A-802E-B0E6E6E7C031}"/>
+              </a:ext>
+            </a:extLst>
+          </p:cNvPr>
+          <p:cNvPicPr>
+            <a:picLocks noChangeAspect="1"/>
+          </p:cNvPicPr>
+          <p:nvPr/>
+        </p:nvPicPr>
+        <p:blipFill>
+          <a:blip r:embed="rId4">
+            <a:extLst>
+              <a:ext uri="{837473B0-CC2E-450A-ABE3-18F120FF3D39}">
+                <a1611:picAttrSrcUrl xmlns:a1611="http://schemas.microsoft.com/office/drawing/2016/11/main" r:id="rId5"/>
+              </a:ext>
+            </a:extLst>
+          </a:blip>
+          <a:stretch>
+            <a:fillRect/>
+          </a:stretch>
+        </p:blipFill>
+        <p:spPr>
+          <a:xfrm>
+            <a:off x="2065489" y="3258341"/>
+            <a:ext cx="1064908" cy="822323"/>
+          </a:xfrm>
+          <a:prstGeom prst="rect">
+            <a:avLst/>
+          </a:prstGeom>
+        </p:spPr>
+      </p:pic>
+      <p:pic>
+        <p:nvPicPr>
+          <p:cNvPr id="20" name="Picture 19" descr="Logo&#10;&#10;Description automatically generated">
+            <a:extLst>
+              <a:ext uri="{FF2B5EF4-FFF2-40B4-BE49-F238E27FC236}">
+                <a16:creationId xmlns:a16="http://schemas.microsoft.com/office/drawing/2014/main" id="{49D0BE42-D008-AB47-AB6D-F3D2E870E50E}"/>
+              </a:ext>
+            </a:extLst>
+          </p:cNvPr>
+          <p:cNvPicPr>
+            <a:picLocks noChangeAspect="1"/>
+          </p:cNvPicPr>
+          <p:nvPr/>
+        </p:nvPicPr>
+        <p:blipFill>
+          <a:blip r:embed="rId6">
+            <a:extLst>
+              <a:ext uri="{837473B0-CC2E-450A-ABE3-18F120FF3D39}">
+                <a1611:picAttrSrcUrl xmlns:a1611="http://schemas.microsoft.com/office/drawing/2016/11/main" r:id="rId7"/>
+              </a:ext>
+            </a:extLst>
+          </a:blip>
+          <a:stretch>
+            <a:fillRect/>
+          </a:stretch>
+        </p:blipFill>
+        <p:spPr>
+          <a:xfrm>
+            <a:off x="2171765" y="4114801"/>
+            <a:ext cx="892051" cy="868127"/>
+          </a:xfrm>
+          <a:prstGeom prst="rect">
+            <a:avLst/>
+          </a:prstGeom>
+        </p:spPr>
+      </p:pic>
+      <p:pic>
+        <p:nvPicPr>
+          <p:cNvPr id="5" name="Picture 4" descr="A picture containing text, jack&#10;&#10;Description automatically generated">
+            <a:extLst>
+              <a:ext uri="{FF2B5EF4-FFF2-40B4-BE49-F238E27FC236}">
+                <a16:creationId xmlns:a16="http://schemas.microsoft.com/office/drawing/2014/main" id="{54EA8C62-23CC-B34A-893F-08143799AD17}"/>
+              </a:ext>
+            </a:extLst>
+          </p:cNvPr>
+          <p:cNvPicPr>
+            <a:picLocks noChangeAspect="1"/>
+          </p:cNvPicPr>
+          <p:nvPr/>
+        </p:nvPicPr>
+        <p:blipFill>
+          <a:blip r:embed="rId8">
+            <a:extLst>
+              <a:ext uri="{837473B0-CC2E-450A-ABE3-18F120FF3D39}">
+                <a1611:picAttrSrcUrl xmlns:a1611="http://schemas.microsoft.com/office/drawing/2016/11/main" r:id="rId9"/>
+              </a:ext>
+            </a:extLst>
+          </a:blip>
+          <a:stretch>
+            <a:fillRect/>
+          </a:stretch>
+        </p:blipFill>
+        <p:spPr>
+          <a:xfrm>
+            <a:off x="2390792" y="5133974"/>
+            <a:ext cx="763415" cy="564609"/>
+          </a:xfrm>
+          <a:prstGeom prst="rect">
+            <a:avLst/>
+          </a:prstGeom>
+        </p:spPr>
+      </p:pic>
+      <p:sp>
+        <p:nvSpPr>
+          <p:cNvPr id="3" name="TextBox 2">
+            <a:extLst>
+              <a:ext uri="{FF2B5EF4-FFF2-40B4-BE49-F238E27FC236}">
+                <a16:creationId xmlns:a16="http://schemas.microsoft.com/office/drawing/2014/main" id="{5EDE5892-D93B-D744-BAED-FE634CB29A59}"/>
+              </a:ext>
+            </a:extLst>
+          </p:cNvPr>
+          <p:cNvSpPr txBox="1"/>
+          <p:nvPr/>
+        </p:nvSpPr>
+        <p:spPr>
+          <a:xfrm>
+            <a:off x="4186238" y="2421093"/>
+            <a:ext cx="3748206" cy="369332"/>
+          </a:xfrm>
+          <a:prstGeom prst="rect">
+            <a:avLst/>
+          </a:prstGeom>
+          <a:noFill/>
+        </p:spPr>
+        <p:txBody>
+          <a:bodyPr wrap="none" rtlCol="0">
+            <a:spAutoFit/>
+          </a:bodyPr>
+          <a:lstStyle/>
+          <a:p>
+            <a:r>
+              <a:rPr lang="en-GB" dirty="0"/>
+              <a:t>Data downloaded from Firefox via FTP</a:t>
+            </a:r>
+          </a:p>
+        </p:txBody>
+      </p:sp>
+      <p:sp>
+        <p:nvSpPr>
+          <p:cNvPr id="15" name="TextBox 14">
+            <a:extLst>
+              <a:ext uri="{FF2B5EF4-FFF2-40B4-BE49-F238E27FC236}">
+                <a16:creationId xmlns:a16="http://schemas.microsoft.com/office/drawing/2014/main" id="{2FE1648F-EF96-8E4B-9DAA-98C3BA80DEBA}"/>
+              </a:ext>
+            </a:extLst>
+          </p:cNvPr>
+          <p:cNvSpPr txBox="1"/>
+          <p:nvPr/>
+        </p:nvSpPr>
+        <p:spPr>
+          <a:xfrm>
+            <a:off x="4221897" y="3059165"/>
+            <a:ext cx="3748206" cy="923330"/>
+          </a:xfrm>
+          <a:prstGeom prst="rect">
+            <a:avLst/>
+          </a:prstGeom>
+          <a:noFill/>
+        </p:spPr>
+        <p:txBody>
+          <a:bodyPr wrap="square" rtlCol="0">
+            <a:spAutoFit/>
+          </a:bodyPr>
+          <a:lstStyle/>
+          <a:p>
+            <a:r>
+              <a:rPr lang="en-GB" dirty="0"/>
+              <a:t>Data is broken down into packets and establishes connection between Firefox host and user host</a:t>
+            </a:r>
+          </a:p>
+        </p:txBody>
+      </p:sp>
+      <p:sp>
+        <p:nvSpPr>
+          <p:cNvPr id="16" name="TextBox 15">
+            <a:extLst>
+              <a:ext uri="{FF2B5EF4-FFF2-40B4-BE49-F238E27FC236}">
+                <a16:creationId xmlns:a16="http://schemas.microsoft.com/office/drawing/2014/main" id="{F3A06D4E-EF34-8D41-9422-F9EFE8695C11}"/>
+              </a:ext>
+            </a:extLst>
+          </p:cNvPr>
+          <p:cNvSpPr txBox="1"/>
+          <p:nvPr/>
+        </p:nvSpPr>
+        <p:spPr>
+          <a:xfrm>
+            <a:off x="4186238" y="4114801"/>
+            <a:ext cx="3748206" cy="923330"/>
+          </a:xfrm>
+          <a:prstGeom prst="rect">
+            <a:avLst/>
+          </a:prstGeom>
+          <a:noFill/>
+        </p:spPr>
+        <p:txBody>
+          <a:bodyPr wrap="square" rtlCol="0">
+            <a:spAutoFit/>
+          </a:bodyPr>
+          <a:lstStyle/>
+          <a:p>
+            <a:r>
+              <a:rPr lang="en-GB" dirty="0"/>
+              <a:t>IP addresses of send and recipient added to packages, ready for transmission</a:t>
+            </a:r>
+          </a:p>
+        </p:txBody>
+      </p:sp>
+      <p:sp>
+        <p:nvSpPr>
+          <p:cNvPr id="17" name="TextBox 16">
+            <a:extLst>
+              <a:ext uri="{FF2B5EF4-FFF2-40B4-BE49-F238E27FC236}">
+                <a16:creationId xmlns:a16="http://schemas.microsoft.com/office/drawing/2014/main" id="{3A903068-95DD-6040-9621-2BA7235B389A}"/>
+              </a:ext>
+            </a:extLst>
+          </p:cNvPr>
+          <p:cNvSpPr txBox="1"/>
+          <p:nvPr/>
+        </p:nvSpPr>
+        <p:spPr>
+          <a:xfrm>
+            <a:off x="4221897" y="5133974"/>
+            <a:ext cx="3748206" cy="646331"/>
+          </a:xfrm>
+          <a:prstGeom prst="rect">
+            <a:avLst/>
+          </a:prstGeom>
+          <a:noFill/>
+        </p:spPr>
+        <p:txBody>
+          <a:bodyPr wrap="square" rtlCol="0">
+            <a:spAutoFit/>
+          </a:bodyPr>
+          <a:lstStyle/>
+          <a:p>
+            <a:r>
+              <a:rPr lang="en-GB" dirty="0"/>
+              <a:t>Data is then transferred to the physical storage components</a:t>
+            </a:r>
+          </a:p>
+        </p:txBody>
+      </p:sp>
+    </p:spTree>
+    <p:extLst>
+      <p:ext uri="{BB962C8B-B14F-4D97-AF65-F5344CB8AC3E}">
+        <p14:creationId xmlns:p14="http://schemas.microsoft.com/office/powerpoint/2010/main" val="662000768"/>
+      </p:ext>
+    </p:extLst>
+  </p:cSld>
+  <p:clrMapOvr>
+    <a:masterClrMapping/>
+  </p:clrMapOvr>
+</p:sld>
+</file>
+
+<file path=ppt/slides/slide89.xml><?xml version="1.0" encoding="utf-8"?>
+<p:sld xmlns:a="http://schemas.openxmlformats.org/drawingml/2006/main" xmlns:r="http://schemas.openxmlformats.org/officeDocument/2006/relationships" xmlns:p="http://schemas.openxmlformats.org/presentationml/2006/main">
+  <p:cSld>
+    <p:spTree>
+      <p:nvGrpSpPr>
+        <p:cNvPr id="1" name=""/>
+        <p:cNvGrpSpPr/>
+        <p:nvPr/>
+      </p:nvGrpSpPr>
+      <p:grpSpPr>
+        <a:xfrm>
+          <a:off x="0" y="0"/>
+          <a:ext cx="0" cy="0"/>
+          <a:chOff x="0" y="0"/>
+          <a:chExt cx="0" cy="0"/>
+        </a:xfrm>
+      </p:grpSpPr>
+      <p:sp>
+        <p:nvSpPr>
+          <p:cNvPr id="2" name="Title 1">
+            <a:extLst>
+              <a:ext uri="{FF2B5EF4-FFF2-40B4-BE49-F238E27FC236}">
+                <a16:creationId xmlns:a16="http://schemas.microsoft.com/office/drawing/2014/main" id="{30D2EF5D-63B4-FD44-B177-3D22CC5E46BA}"/>
+              </a:ext>
+            </a:extLst>
+          </p:cNvPr>
+          <p:cNvSpPr>
+            <a:spLocks noGrp="1"/>
+          </p:cNvSpPr>
+          <p:nvPr>
+            <p:ph type="title"/>
+          </p:nvPr>
+        </p:nvSpPr>
+        <p:spPr/>
+        <p:txBody>
+          <a:bodyPr/>
+          <a:lstStyle/>
+          <a:p>
+            <a:r>
+              <a:rPr lang="en-GB" dirty="0"/>
+              <a:t>ILO’s</a:t>
+            </a:r>
+          </a:p>
+        </p:txBody>
+      </p:sp>
+      <p:sp>
+        <p:nvSpPr>
+          <p:cNvPr id="7" name="TextBox 6">
+            <a:extLst>
+              <a:ext uri="{FF2B5EF4-FFF2-40B4-BE49-F238E27FC236}">
+                <a16:creationId xmlns:a16="http://schemas.microsoft.com/office/drawing/2014/main" id="{DB7210D3-26F2-B147-9246-5E74A02C85A9}"/>
+              </a:ext>
+            </a:extLst>
+          </p:cNvPr>
+          <p:cNvSpPr txBox="1"/>
+          <p:nvPr/>
+        </p:nvSpPr>
+        <p:spPr>
+          <a:xfrm>
+            <a:off x="838200" y="1690688"/>
+            <a:ext cx="10515600" cy="646331"/>
+          </a:xfrm>
+          <a:prstGeom prst="rect">
+            <a:avLst/>
+          </a:prstGeom>
+          <a:noFill/>
+        </p:spPr>
+        <p:txBody>
+          <a:bodyPr wrap="square">
+            <a:spAutoFit/>
+          </a:bodyPr>
+          <a:lstStyle/>
+          <a:p>
+            <a:pPr marL="342900" lvl="0" indent="-342900">
+              <a:spcAft>
+                <a:spcPts val="1440"/>
+              </a:spcAft>
+              <a:buFont typeface="Symbol" pitchFamily="2" charset="2"/>
+              <a:buChar char=""/>
+            </a:pPr>
+            <a:r>
+              <a:rPr lang="en-US" sz="1800" dirty="0">
+                <a:effectLst/>
+                <a:latin typeface="Arial" panose="020B0604020202020204" pitchFamily="34" charset="0"/>
+                <a:ea typeface="MS Mincho" panose="02020609040205080304" pitchFamily="49" charset="-128"/>
+              </a:rPr>
+              <a:t>Students should know what the four layers are and some functions of each layer, together with which of the protocols listed operate at which layer.</a:t>
+            </a:r>
+            <a:r>
+              <a:rPr lang="en-GB" dirty="0">
+                <a:effectLst/>
+              </a:rPr>
+              <a:t> </a:t>
+            </a:r>
+            <a:endParaRPr lang="en-GB" sz="1800" dirty="0">
+              <a:solidFill>
+                <a:srgbClr val="000000"/>
+              </a:solidFill>
+              <a:effectLst/>
+              <a:latin typeface="Times New Roman" panose="02020603050405020304" pitchFamily="18" charset="0"/>
+              <a:ea typeface="Times New Roman" panose="02020603050405020304" pitchFamily="18" charset="0"/>
+            </a:endParaRPr>
+          </a:p>
+        </p:txBody>
+      </p:sp>
+    </p:spTree>
+    <p:extLst>
+      <p:ext uri="{BB962C8B-B14F-4D97-AF65-F5344CB8AC3E}">
+        <p14:creationId xmlns:p14="http://schemas.microsoft.com/office/powerpoint/2010/main" val="2487417075"/>
       </p:ext>
     </p:extLst>
   </p:cSld>
@@ -15220,6 +20552,98 @@
     <p:extLst>
       <p:ext uri="{BB962C8B-B14F-4D97-AF65-F5344CB8AC3E}">
         <p14:creationId xmlns:p14="http://schemas.microsoft.com/office/powerpoint/2010/main" val="2526060243"/>
+      </p:ext>
+    </p:extLst>
+  </p:cSld>
+  <p:clrMapOvr>
+    <a:masterClrMapping/>
+  </p:clrMapOvr>
+</p:sld>
+</file>
+
+<file path=ppt/slides/slide90.xml><?xml version="1.0" encoding="utf-8"?>
+<p:sld xmlns:a="http://schemas.openxmlformats.org/drawingml/2006/main" xmlns:r="http://schemas.openxmlformats.org/officeDocument/2006/relationships" xmlns:p="http://schemas.openxmlformats.org/presentationml/2006/main">
+  <p:cSld>
+    <p:spTree>
+      <p:nvGrpSpPr>
+        <p:cNvPr id="1" name=""/>
+        <p:cNvGrpSpPr/>
+        <p:nvPr/>
+      </p:nvGrpSpPr>
+      <p:grpSpPr>
+        <a:xfrm>
+          <a:off x="0" y="0"/>
+          <a:ext cx="0" cy="0"/>
+          <a:chOff x="0" y="0"/>
+          <a:chExt cx="0" cy="0"/>
+        </a:xfrm>
+      </p:grpSpPr>
+      <p:sp>
+        <p:nvSpPr>
+          <p:cNvPr id="2" name="Title 1">
+            <a:extLst>
+              <a:ext uri="{FF2B5EF4-FFF2-40B4-BE49-F238E27FC236}">
+                <a16:creationId xmlns:a16="http://schemas.microsoft.com/office/drawing/2014/main" id="{AE0E8629-3F0A-4C46-99D2-9729210BC61D}"/>
+              </a:ext>
+            </a:extLst>
+          </p:cNvPr>
+          <p:cNvSpPr>
+            <a:spLocks noGrp="1"/>
+          </p:cNvSpPr>
+          <p:nvPr>
+            <p:ph type="title"/>
+          </p:nvPr>
+        </p:nvSpPr>
+        <p:spPr/>
+        <p:txBody>
+          <a:bodyPr/>
+          <a:lstStyle/>
+          <a:p>
+            <a:r>
+              <a:rPr lang="en-GB" dirty="0"/>
+              <a:t>Exercises</a:t>
+            </a:r>
+          </a:p>
+        </p:txBody>
+      </p:sp>
+      <p:sp>
+        <p:nvSpPr>
+          <p:cNvPr id="3" name="Content Placeholder 2">
+            <a:extLst>
+              <a:ext uri="{FF2B5EF4-FFF2-40B4-BE49-F238E27FC236}">
+                <a16:creationId xmlns:a16="http://schemas.microsoft.com/office/drawing/2014/main" id="{89E5529E-37B8-9F4D-B34D-0CB084C98D68}"/>
+              </a:ext>
+            </a:extLst>
+          </p:cNvPr>
+          <p:cNvSpPr>
+            <a:spLocks noGrp="1"/>
+          </p:cNvSpPr>
+          <p:nvPr>
+            <p:ph idx="1"/>
+          </p:nvPr>
+        </p:nvSpPr>
+        <p:spPr/>
+        <p:txBody>
+          <a:bodyPr/>
+          <a:lstStyle/>
+          <a:p>
+            <a:r>
+              <a:rPr lang="en-GB" dirty="0"/>
+              <a:t>Make flash cards summarising what we have learnt today</a:t>
+            </a:r>
+          </a:p>
+          <a:p>
+            <a:r>
+              <a:rPr lang="en-GB" dirty="0"/>
+              <a:t>Test yourself until you get all of them correct</a:t>
+            </a:r>
+          </a:p>
+        </p:txBody>
+      </p:sp>
+    </p:spTree>
+    <p:extLst>
+      <p:ext uri="{BB962C8B-B14F-4D97-AF65-F5344CB8AC3E}">
+        <p14:creationId xmlns:p14="http://schemas.microsoft.com/office/powerpoint/2010/main" val="315859578"/>
       </p:ext>
     </p:extLst>
   </p:cSld>
